--- a/Reseaux/PresentationProtocole.pptx
+++ b/Reseaux/PresentationProtocole.pptx
@@ -4,6 +4,9 @@
   <p:sldMasterIdLst>
     <p:sldMasterId id="2147483751" r:id="rId1"/>
   </p:sldMasterIdLst>
+  <p:notesMasterIdLst>
+    <p:notesMasterId r:id="rId26"/>
+  </p:notesMasterIdLst>
   <p:sldIdLst>
     <p:sldId id="256" r:id="rId2"/>
     <p:sldId id="257" r:id="rId3"/>
@@ -19,15 +22,16 @@
     <p:sldId id="267" r:id="rId13"/>
     <p:sldId id="268" r:id="rId14"/>
     <p:sldId id="269" r:id="rId15"/>
-    <p:sldId id="270" r:id="rId16"/>
-    <p:sldId id="271" r:id="rId17"/>
-    <p:sldId id="272" r:id="rId18"/>
-    <p:sldId id="273" r:id="rId19"/>
-    <p:sldId id="274" r:id="rId20"/>
-    <p:sldId id="275" r:id="rId21"/>
-    <p:sldId id="276" r:id="rId22"/>
-    <p:sldId id="277" r:id="rId23"/>
-    <p:sldId id="278" r:id="rId24"/>
+    <p:sldId id="279" r:id="rId16"/>
+    <p:sldId id="270" r:id="rId17"/>
+    <p:sldId id="271" r:id="rId18"/>
+    <p:sldId id="272" r:id="rId19"/>
+    <p:sldId id="273" r:id="rId20"/>
+    <p:sldId id="274" r:id="rId21"/>
+    <p:sldId id="275" r:id="rId22"/>
+    <p:sldId id="276" r:id="rId23"/>
+    <p:sldId id="277" r:id="rId24"/>
+    <p:sldId id="278" r:id="rId25"/>
   </p:sldIdLst>
   <p:sldSz cx="12192000" cy="6858000"/>
   <p:notesSz cx="6858000" cy="9144000"/>
@@ -156,6 +160,7 @@
             <p14:sldId id="267"/>
             <p14:sldId id="268"/>
             <p14:sldId id="269"/>
+            <p14:sldId id="279"/>
           </p14:sldIdLst>
         </p14:section>
         <p14:section name="FTP" id="{24AE9958-E905-4CB1-A649-35B7CFC03B27}">
@@ -178,6 +183,335 @@
     </p:ext>
   </p:extLst>
 </p:presentation>
+</file>
+
+<file path=ppt/revisionInfo.xml><?xml version="1.0" encoding="utf-8"?>
+<p1510:revInfo xmlns:a="http://schemas.openxmlformats.org/drawingml/2006/main" xmlns:r="http://schemas.openxmlformats.org/officeDocument/2006/relationships" xmlns:p1510="http://schemas.microsoft.com/office/powerpoint/2015/10/main">
+  <p1510:revLst>
+    <p1510:client id="{4229294D-EDBF-43E0-886A-98645C117431}" v="14" dt="2025-05-27T08:10:43.996"/>
+  </p1510:revLst>
+</p1510:revInfo>
+</file>
+
+<file path=ppt/changesInfos/changesInfo1.xml><?xml version="1.0" encoding="utf-8"?>
+<pc:chgInfo xmlns:a="http://schemas.openxmlformats.org/drawingml/2006/main" xmlns:r="http://schemas.openxmlformats.org/officeDocument/2006/relationships" xmlns:ac="http://schemas.microsoft.com/office/drawing/2013/main/command" xmlns:pc="http://schemas.microsoft.com/office/powerpoint/2013/main/command">
+  <pc:docChgLst>
+    <pc:chgData name="Noah Sillaire" userId="c6286393c4f7215f" providerId="LiveId" clId="{4229294D-EDBF-43E0-886A-98645C117431}"/>
+    <pc:docChg chg="undo custSel addSld modSld modSection">
+      <pc:chgData name="Noah Sillaire" userId="c6286393c4f7215f" providerId="LiveId" clId="{4229294D-EDBF-43E0-886A-98645C117431}" dt="2025-05-27T08:10:43.996" v="57" actId="478"/>
+      <pc:docMkLst>
+        <pc:docMk/>
+      </pc:docMkLst>
+      <pc:sldChg chg="addSp delSp modSp mod">
+        <pc:chgData name="Noah Sillaire" userId="c6286393c4f7215f" providerId="LiveId" clId="{4229294D-EDBF-43E0-886A-98645C117431}" dt="2025-05-26T13:00:33.663" v="2" actId="478"/>
+        <pc:sldMkLst>
+          <pc:docMk/>
+          <pc:sldMk cId="1810291846" sldId="262"/>
+        </pc:sldMkLst>
+        <pc:picChg chg="add del mod">
+          <ac:chgData name="Noah Sillaire" userId="c6286393c4f7215f" providerId="LiveId" clId="{4229294D-EDBF-43E0-886A-98645C117431}" dt="2025-05-26T13:00:33.663" v="2" actId="478"/>
+          <ac:picMkLst>
+            <pc:docMk/>
+            <pc:sldMk cId="1810291846" sldId="262"/>
+            <ac:picMk id="16" creationId="{F4E4C59B-9AA5-9454-DF8E-762CE389A0B4}"/>
+          </ac:picMkLst>
+        </pc:picChg>
+      </pc:sldChg>
+      <pc:sldChg chg="addSp delSp modSp mod">
+        <pc:chgData name="Noah Sillaire" userId="c6286393c4f7215f" providerId="LiveId" clId="{4229294D-EDBF-43E0-886A-98645C117431}" dt="2025-05-26T13:06:03.099" v="14" actId="1076"/>
+        <pc:sldMkLst>
+          <pc:docMk/>
+          <pc:sldMk cId="4174797757" sldId="263"/>
+        </pc:sldMkLst>
+        <pc:spChg chg="mod">
+          <ac:chgData name="Noah Sillaire" userId="c6286393c4f7215f" providerId="LiveId" clId="{4229294D-EDBF-43E0-886A-98645C117431}" dt="2025-05-26T13:04:38.472" v="10" actId="26606"/>
+          <ac:spMkLst>
+            <pc:docMk/>
+            <pc:sldMk cId="4174797757" sldId="263"/>
+            <ac:spMk id="2" creationId="{A77D888C-2A26-DDF6-72DE-50B0D02C13B7}"/>
+          </ac:spMkLst>
+        </pc:spChg>
+        <pc:spChg chg="add del">
+          <ac:chgData name="Noah Sillaire" userId="c6286393c4f7215f" providerId="LiveId" clId="{4229294D-EDBF-43E0-886A-98645C117431}" dt="2025-05-26T13:04:38.472" v="10" actId="26606"/>
+          <ac:spMkLst>
+            <pc:docMk/>
+            <pc:sldMk cId="4174797757" sldId="263"/>
+            <ac:spMk id="9" creationId="{B937640E-EF7A-4A6C-A950-D12B7D5C923E}"/>
+          </ac:spMkLst>
+        </pc:spChg>
+        <pc:spChg chg="add del">
+          <ac:chgData name="Noah Sillaire" userId="c6286393c4f7215f" providerId="LiveId" clId="{4229294D-EDBF-43E0-886A-98645C117431}" dt="2025-05-26T13:04:38.472" v="10" actId="26606"/>
+          <ac:spMkLst>
+            <pc:docMk/>
+            <pc:sldMk cId="4174797757" sldId="263"/>
+            <ac:spMk id="11" creationId="{FFF975DA-2F73-4697-B7A9-A2E834712394}"/>
+          </ac:spMkLst>
+        </pc:spChg>
+        <pc:spChg chg="add del">
+          <ac:chgData name="Noah Sillaire" userId="c6286393c4f7215f" providerId="LiveId" clId="{4229294D-EDBF-43E0-886A-98645C117431}" dt="2025-05-26T13:04:36.540" v="5" actId="26606"/>
+          <ac:spMkLst>
+            <pc:docMk/>
+            <pc:sldMk cId="4174797757" sldId="263"/>
+            <ac:spMk id="1031" creationId="{B937640E-EF7A-4A6C-A950-D12B7D5C923E}"/>
+          </ac:spMkLst>
+        </pc:spChg>
+        <pc:spChg chg="add del">
+          <ac:chgData name="Noah Sillaire" userId="c6286393c4f7215f" providerId="LiveId" clId="{4229294D-EDBF-43E0-886A-98645C117431}" dt="2025-05-26T13:04:36.540" v="5" actId="26606"/>
+          <ac:spMkLst>
+            <pc:docMk/>
+            <pc:sldMk cId="4174797757" sldId="263"/>
+            <ac:spMk id="1033" creationId="{876BDF4D-4826-490A-8307-7247A295E282}"/>
+          </ac:spMkLst>
+        </pc:spChg>
+        <pc:spChg chg="add del">
+          <ac:chgData name="Noah Sillaire" userId="c6286393c4f7215f" providerId="LiveId" clId="{4229294D-EDBF-43E0-886A-98645C117431}" dt="2025-05-26T13:04:36.540" v="5" actId="26606"/>
+          <ac:spMkLst>
+            <pc:docMk/>
+            <pc:sldMk cId="4174797757" sldId="263"/>
+            <ac:spMk id="1035" creationId="{2E0FF4CF-25CB-4537-9BBF-28B36C76BEED}"/>
+          </ac:spMkLst>
+        </pc:spChg>
+        <pc:spChg chg="add del">
+          <ac:chgData name="Noah Sillaire" userId="c6286393c4f7215f" providerId="LiveId" clId="{4229294D-EDBF-43E0-886A-98645C117431}" dt="2025-05-26T13:04:37.651" v="7" actId="26606"/>
+          <ac:spMkLst>
+            <pc:docMk/>
+            <pc:sldMk cId="4174797757" sldId="263"/>
+            <ac:spMk id="1037" creationId="{B937640E-EF7A-4A6C-A950-D12B7D5C923E}"/>
+          </ac:spMkLst>
+        </pc:spChg>
+        <pc:spChg chg="add del">
+          <ac:chgData name="Noah Sillaire" userId="c6286393c4f7215f" providerId="LiveId" clId="{4229294D-EDBF-43E0-886A-98645C117431}" dt="2025-05-26T13:04:37.651" v="7" actId="26606"/>
+          <ac:spMkLst>
+            <pc:docMk/>
+            <pc:sldMk cId="4174797757" sldId="263"/>
+            <ac:spMk id="1038" creationId="{876BDF4D-4826-490A-8307-7247A295E282}"/>
+          </ac:spMkLst>
+        </pc:spChg>
+        <pc:spChg chg="add del">
+          <ac:chgData name="Noah Sillaire" userId="c6286393c4f7215f" providerId="LiveId" clId="{4229294D-EDBF-43E0-886A-98645C117431}" dt="2025-05-26T13:04:37.651" v="7" actId="26606"/>
+          <ac:spMkLst>
+            <pc:docMk/>
+            <pc:sldMk cId="4174797757" sldId="263"/>
+            <ac:spMk id="1039" creationId="{2E0FF4CF-25CB-4537-9BBF-28B36C76BEED}"/>
+          </ac:spMkLst>
+        </pc:spChg>
+        <pc:spChg chg="add del">
+          <ac:chgData name="Noah Sillaire" userId="c6286393c4f7215f" providerId="LiveId" clId="{4229294D-EDBF-43E0-886A-98645C117431}" dt="2025-05-26T13:04:38.455" v="9" actId="26606"/>
+          <ac:spMkLst>
+            <pc:docMk/>
+            <pc:sldMk cId="4174797757" sldId="263"/>
+            <ac:spMk id="1041" creationId="{B937640E-EF7A-4A6C-A950-D12B7D5C923E}"/>
+          </ac:spMkLst>
+        </pc:spChg>
+        <pc:spChg chg="add del">
+          <ac:chgData name="Noah Sillaire" userId="c6286393c4f7215f" providerId="LiveId" clId="{4229294D-EDBF-43E0-886A-98645C117431}" dt="2025-05-26T13:04:38.455" v="9" actId="26606"/>
+          <ac:spMkLst>
+            <pc:docMk/>
+            <pc:sldMk cId="4174797757" sldId="263"/>
+            <ac:spMk id="1042" creationId="{39796C61-3902-4C2A-AD60-D926667F530C}"/>
+          </ac:spMkLst>
+        </pc:spChg>
+        <pc:spChg chg="add del">
+          <ac:chgData name="Noah Sillaire" userId="c6286393c4f7215f" providerId="LiveId" clId="{4229294D-EDBF-43E0-886A-98645C117431}" dt="2025-05-26T13:04:38.455" v="9" actId="26606"/>
+          <ac:spMkLst>
+            <pc:docMk/>
+            <pc:sldMk cId="4174797757" sldId="263"/>
+            <ac:spMk id="1043" creationId="{36A49EC6-053B-4ACB-9913-5C4B245E913B}"/>
+          </ac:spMkLst>
+        </pc:spChg>
+        <pc:spChg chg="add">
+          <ac:chgData name="Noah Sillaire" userId="c6286393c4f7215f" providerId="LiveId" clId="{4229294D-EDBF-43E0-886A-98645C117431}" dt="2025-05-26T13:04:38.472" v="10" actId="26606"/>
+          <ac:spMkLst>
+            <pc:docMk/>
+            <pc:sldMk cId="4174797757" sldId="263"/>
+            <ac:spMk id="1045" creationId="{B937640E-EF7A-4A6C-A950-D12B7D5C923E}"/>
+          </ac:spMkLst>
+        </pc:spChg>
+        <pc:spChg chg="add">
+          <ac:chgData name="Noah Sillaire" userId="c6286393c4f7215f" providerId="LiveId" clId="{4229294D-EDBF-43E0-886A-98645C117431}" dt="2025-05-26T13:04:38.472" v="10" actId="26606"/>
+          <ac:spMkLst>
+            <pc:docMk/>
+            <pc:sldMk cId="4174797757" sldId="263"/>
+            <ac:spMk id="1046" creationId="{39796C61-3902-4C2A-AD60-D926667F530C}"/>
+          </ac:spMkLst>
+        </pc:spChg>
+        <pc:spChg chg="add">
+          <ac:chgData name="Noah Sillaire" userId="c6286393c4f7215f" providerId="LiveId" clId="{4229294D-EDBF-43E0-886A-98645C117431}" dt="2025-05-26T13:04:38.472" v="10" actId="26606"/>
+          <ac:spMkLst>
+            <pc:docMk/>
+            <pc:sldMk cId="4174797757" sldId="263"/>
+            <ac:spMk id="1047" creationId="{36A49EC6-053B-4ACB-9913-5C4B245E913B}"/>
+          </ac:spMkLst>
+        </pc:spChg>
+        <pc:graphicFrameChg chg="mod ord modGraphic">
+          <ac:chgData name="Noah Sillaire" userId="c6286393c4f7215f" providerId="LiveId" clId="{4229294D-EDBF-43E0-886A-98645C117431}" dt="2025-05-26T13:04:38.472" v="10" actId="26606"/>
+          <ac:graphicFrameMkLst>
+            <pc:docMk/>
+            <pc:sldMk cId="4174797757" sldId="263"/>
+            <ac:graphicFrameMk id="5" creationId="{7D821A6A-199A-5310-6FA4-933EFAC18787}"/>
+          </ac:graphicFrameMkLst>
+        </pc:graphicFrameChg>
+        <pc:picChg chg="add mod">
+          <ac:chgData name="Noah Sillaire" userId="c6286393c4f7215f" providerId="LiveId" clId="{4229294D-EDBF-43E0-886A-98645C117431}" dt="2025-05-26T13:06:03.099" v="14" actId="1076"/>
+          <ac:picMkLst>
+            <pc:docMk/>
+            <pc:sldMk cId="4174797757" sldId="263"/>
+            <ac:picMk id="1026" creationId="{98298F08-2465-504A-FC4C-0335AA8D4138}"/>
+          </ac:picMkLst>
+        </pc:picChg>
+      </pc:sldChg>
+      <pc:sldChg chg="modSp mod">
+        <pc:chgData name="Noah Sillaire" userId="c6286393c4f7215f" providerId="LiveId" clId="{4229294D-EDBF-43E0-886A-98645C117431}" dt="2025-05-26T14:26:03.965" v="53" actId="20577"/>
+        <pc:sldMkLst>
+          <pc:docMk/>
+          <pc:sldMk cId="4235258046" sldId="264"/>
+        </pc:sldMkLst>
+        <pc:spChg chg="mod">
+          <ac:chgData name="Noah Sillaire" userId="c6286393c4f7215f" providerId="LiveId" clId="{4229294D-EDBF-43E0-886A-98645C117431}" dt="2025-05-26T14:26:03.965" v="53" actId="20577"/>
+          <ac:spMkLst>
+            <pc:docMk/>
+            <pc:sldMk cId="4235258046" sldId="264"/>
+            <ac:spMk id="3" creationId="{DA3E08EF-4E2B-B96A-2A83-CC8B3912428F}"/>
+          </ac:spMkLst>
+        </pc:spChg>
+      </pc:sldChg>
+      <pc:sldChg chg="addSp delSp modSp mod">
+        <pc:chgData name="Noah Sillaire" userId="c6286393c4f7215f" providerId="LiveId" clId="{4229294D-EDBF-43E0-886A-98645C117431}" dt="2025-05-27T08:10:43.996" v="57" actId="478"/>
+        <pc:sldMkLst>
+          <pc:docMk/>
+          <pc:sldMk cId="2887568080" sldId="270"/>
+        </pc:sldMkLst>
+        <pc:spChg chg="mod">
+          <ac:chgData name="Noah Sillaire" userId="c6286393c4f7215f" providerId="LiveId" clId="{4229294D-EDBF-43E0-886A-98645C117431}" dt="2025-05-26T13:06:36.099" v="16" actId="26606"/>
+          <ac:spMkLst>
+            <pc:docMk/>
+            <pc:sldMk cId="2887568080" sldId="270"/>
+            <ac:spMk id="2" creationId="{BFFDC174-1058-F82A-72BA-AEF54A673EFA}"/>
+          </ac:spMkLst>
+        </pc:spChg>
+        <pc:spChg chg="mod">
+          <ac:chgData name="Noah Sillaire" userId="c6286393c4f7215f" providerId="LiveId" clId="{4229294D-EDBF-43E0-886A-98645C117431}" dt="2025-05-26T13:06:36.099" v="16" actId="26606"/>
+          <ac:spMkLst>
+            <pc:docMk/>
+            <pc:sldMk cId="2887568080" sldId="270"/>
+            <ac:spMk id="3" creationId="{8C1FF338-0FDF-1647-F4F9-BEF5FAB271EF}"/>
+          </ac:spMkLst>
+        </pc:spChg>
+        <pc:spChg chg="del">
+          <ac:chgData name="Noah Sillaire" userId="c6286393c4f7215f" providerId="LiveId" clId="{4229294D-EDBF-43E0-886A-98645C117431}" dt="2025-05-26T13:06:36.099" v="16" actId="26606"/>
+          <ac:spMkLst>
+            <pc:docMk/>
+            <pc:sldMk cId="2887568080" sldId="270"/>
+            <ac:spMk id="8" creationId="{B937640E-EF7A-4A6C-A950-D12B7D5C923E}"/>
+          </ac:spMkLst>
+        </pc:spChg>
+        <pc:spChg chg="del">
+          <ac:chgData name="Noah Sillaire" userId="c6286393c4f7215f" providerId="LiveId" clId="{4229294D-EDBF-43E0-886A-98645C117431}" dt="2025-05-26T13:06:36.099" v="16" actId="26606"/>
+          <ac:spMkLst>
+            <pc:docMk/>
+            <pc:sldMk cId="2887568080" sldId="270"/>
+            <ac:spMk id="10" creationId="{A172EFE5-DDB5-41BC-B3F4-19D747119AEA}"/>
+          </ac:spMkLst>
+        </pc:spChg>
+        <pc:spChg chg="del">
+          <ac:chgData name="Noah Sillaire" userId="c6286393c4f7215f" providerId="LiveId" clId="{4229294D-EDBF-43E0-886A-98645C117431}" dt="2025-05-26T13:06:36.099" v="16" actId="26606"/>
+          <ac:spMkLst>
+            <pc:docMk/>
+            <pc:sldMk cId="2887568080" sldId="270"/>
+            <ac:spMk id="12" creationId="{B77B4CB6-64B7-4C1D-B623-F1EC02FCCBCE}"/>
+          </ac:spMkLst>
+        </pc:spChg>
+        <pc:spChg chg="add del">
+          <ac:chgData name="Noah Sillaire" userId="c6286393c4f7215f" providerId="LiveId" clId="{4229294D-EDBF-43E0-886A-98645C117431}" dt="2025-05-26T13:06:47.913" v="20" actId="26606"/>
+          <ac:spMkLst>
+            <pc:docMk/>
+            <pc:sldMk cId="2887568080" sldId="270"/>
+            <ac:spMk id="1031" creationId="{B937640E-EF7A-4A6C-A950-D12B7D5C923E}"/>
+          </ac:spMkLst>
+        </pc:spChg>
+        <pc:spChg chg="add del">
+          <ac:chgData name="Noah Sillaire" userId="c6286393c4f7215f" providerId="LiveId" clId="{4229294D-EDBF-43E0-886A-98645C117431}" dt="2025-05-26T13:06:47.913" v="20" actId="26606"/>
+          <ac:spMkLst>
+            <pc:docMk/>
+            <pc:sldMk cId="2887568080" sldId="270"/>
+            <ac:spMk id="1033" creationId="{876BDF4D-4826-490A-8307-7247A295E282}"/>
+          </ac:spMkLst>
+        </pc:spChg>
+        <pc:spChg chg="add del">
+          <ac:chgData name="Noah Sillaire" userId="c6286393c4f7215f" providerId="LiveId" clId="{4229294D-EDBF-43E0-886A-98645C117431}" dt="2025-05-26T13:06:47.913" v="20" actId="26606"/>
+          <ac:spMkLst>
+            <pc:docMk/>
+            <pc:sldMk cId="2887568080" sldId="270"/>
+            <ac:spMk id="1035" creationId="{2E0FF4CF-25CB-4537-9BBF-28B36C76BEED}"/>
+          </ac:spMkLst>
+        </pc:spChg>
+        <pc:spChg chg="add">
+          <ac:chgData name="Noah Sillaire" userId="c6286393c4f7215f" providerId="LiveId" clId="{4229294D-EDBF-43E0-886A-98645C117431}" dt="2025-05-26T13:06:47.913" v="20" actId="26606"/>
+          <ac:spMkLst>
+            <pc:docMk/>
+            <pc:sldMk cId="2887568080" sldId="270"/>
+            <ac:spMk id="1040" creationId="{B937640E-EF7A-4A6C-A950-D12B7D5C923E}"/>
+          </ac:spMkLst>
+        </pc:spChg>
+        <pc:spChg chg="add">
+          <ac:chgData name="Noah Sillaire" userId="c6286393c4f7215f" providerId="LiveId" clId="{4229294D-EDBF-43E0-886A-98645C117431}" dt="2025-05-26T13:06:47.913" v="20" actId="26606"/>
+          <ac:spMkLst>
+            <pc:docMk/>
+            <pc:sldMk cId="2887568080" sldId="270"/>
+            <ac:spMk id="1042" creationId="{876BDF4D-4826-490A-8307-7247A295E282}"/>
+          </ac:spMkLst>
+        </pc:spChg>
+        <pc:spChg chg="add">
+          <ac:chgData name="Noah Sillaire" userId="c6286393c4f7215f" providerId="LiveId" clId="{4229294D-EDBF-43E0-886A-98645C117431}" dt="2025-05-26T13:06:47.913" v="20" actId="26606"/>
+          <ac:spMkLst>
+            <pc:docMk/>
+            <pc:sldMk cId="2887568080" sldId="270"/>
+            <ac:spMk id="1044" creationId="{2E0FF4CF-25CB-4537-9BBF-28B36C76BEED}"/>
+          </ac:spMkLst>
+        </pc:spChg>
+        <pc:picChg chg="add del mod">
+          <ac:chgData name="Noah Sillaire" userId="c6286393c4f7215f" providerId="LiveId" clId="{4229294D-EDBF-43E0-886A-98645C117431}" dt="2025-05-26T13:06:43.417" v="17" actId="478"/>
+          <ac:picMkLst>
+            <pc:docMk/>
+            <pc:sldMk cId="2887568080" sldId="270"/>
+            <ac:picMk id="1026" creationId="{3ADE815F-7FA1-5200-E8E1-C98CD809A051}"/>
+          </ac:picMkLst>
+        </pc:picChg>
+        <pc:picChg chg="add del mod">
+          <ac:chgData name="Noah Sillaire" userId="c6286393c4f7215f" providerId="LiveId" clId="{4229294D-EDBF-43E0-886A-98645C117431}" dt="2025-05-27T08:10:43.996" v="57" actId="478"/>
+          <ac:picMkLst>
+            <pc:docMk/>
+            <pc:sldMk cId="2887568080" sldId="270"/>
+            <ac:picMk id="1028" creationId="{45A76057-B94B-F40D-C485-517296045D0F}"/>
+          </ac:picMkLst>
+        </pc:picChg>
+      </pc:sldChg>
+      <pc:sldChg chg="addSp delSp modSp new">
+        <pc:chgData name="Noah Sillaire" userId="c6286393c4f7215f" providerId="LiveId" clId="{4229294D-EDBF-43E0-886A-98645C117431}" dt="2025-05-27T08:10:41.394" v="56"/>
+        <pc:sldMkLst>
+          <pc:docMk/>
+          <pc:sldMk cId="633046837" sldId="279"/>
+        </pc:sldMkLst>
+        <pc:spChg chg="del">
+          <ac:chgData name="Noah Sillaire" userId="c6286393c4f7215f" providerId="LiveId" clId="{4229294D-EDBF-43E0-886A-98645C117431}" dt="2025-05-27T08:10:41.394" v="56"/>
+          <ac:spMkLst>
+            <pc:docMk/>
+            <pc:sldMk cId="633046837" sldId="279"/>
+            <ac:spMk id="3" creationId="{CCB2A143-311E-AD67-658C-E1B7F7712AF6}"/>
+          </ac:spMkLst>
+        </pc:spChg>
+        <pc:picChg chg="add mod">
+          <ac:chgData name="Noah Sillaire" userId="c6286393c4f7215f" providerId="LiveId" clId="{4229294D-EDBF-43E0-886A-98645C117431}" dt="2025-05-27T08:10:41.394" v="56"/>
+          <ac:picMkLst>
+            <pc:docMk/>
+            <pc:sldMk cId="633046837" sldId="279"/>
+            <ac:picMk id="4" creationId="{ED28ACCB-1C3D-500A-F8DF-0E2FBFDD3BD2}"/>
+          </ac:picMkLst>
+        </pc:picChg>
+      </pc:sldChg>
+    </pc:docChg>
+  </pc:docChgLst>
+</pc:chgInfo>
 </file>
 
 <file path=ppt/diagrams/colors1.xml><?xml version="1.0" encoding="utf-8"?>
@@ -2023,15 +2357,15 @@
 </file>
 
 <file path=ppt/diagrams/colors3.xml><?xml version="1.0" encoding="utf-8"?>
-<dgm:colorsDef xmlns:dgm="http://schemas.openxmlformats.org/drawingml/2006/diagram" xmlns:a="http://schemas.openxmlformats.org/drawingml/2006/main" uniqueId="urn:microsoft.com/office/officeart/2018/5/colors/Iconchunking_neutralicon_colorful1">
+<dgm:colorsDef xmlns:dgm="http://schemas.openxmlformats.org/drawingml/2006/diagram" xmlns:a="http://schemas.openxmlformats.org/drawingml/2006/main" uniqueId="urn:microsoft.com/office/officeart/2005/8/colors/accent2_2">
   <dgm:title val=""/>
   <dgm:desc val=""/>
   <dgm:catLst>
-    <dgm:cat type="colorful" pri="10100"/>
+    <dgm:cat type="accent2" pri="11200"/>
   </dgm:catLst>
   <dgm:styleLbl name="node0">
     <dgm:fillClrLst meth="repeat">
-      <a:schemeClr val="accent1"/>
+      <a:schemeClr val="accent2"/>
     </dgm:fillClrLst>
     <dgm:linClrLst meth="repeat">
       <a:schemeClr val="lt1"/>
@@ -2043,47 +2377,7 @@
   </dgm:styleLbl>
   <dgm:styleLbl name="node1">
     <dgm:fillClrLst meth="repeat">
-      <a:schemeClr val="bg1"/>
-    </dgm:fillClrLst>
-    <dgm:linClrLst meth="repeat">
-      <a:schemeClr val="lt1">
-        <a:alpha val="0"/>
-      </a:schemeClr>
-    </dgm:linClrLst>
-    <dgm:effectClrLst/>
-    <dgm:txLinClrLst/>
-    <dgm:txFillClrLst meth="repeat">
-      <a:schemeClr val="dk1"/>
-    </dgm:txFillClrLst>
-    <dgm:txEffectClrLst/>
-  </dgm:styleLbl>
-  <dgm:styleLbl name="alignNode1">
-    <dgm:fillClrLst meth="repeat">
       <a:schemeClr val="accent2"/>
-      <a:schemeClr val="accent3"/>
-      <a:schemeClr val="accent4"/>
-      <a:schemeClr val="accent5"/>
-      <a:schemeClr val="accent6"/>
-    </dgm:fillClrLst>
-    <dgm:linClrLst meth="repeat">
-      <a:schemeClr val="accent2"/>
-      <a:schemeClr val="accent3"/>
-      <a:schemeClr val="accent4"/>
-      <a:schemeClr val="accent5"/>
-      <a:schemeClr val="accent6"/>
-    </dgm:linClrLst>
-    <dgm:effectClrLst/>
-    <dgm:txLinClrLst/>
-    <dgm:txFillClrLst/>
-    <dgm:txEffectClrLst/>
-  </dgm:styleLbl>
-  <dgm:styleLbl name="lnNode1">
-    <dgm:fillClrLst meth="repeat">
-      <a:schemeClr val="accent2"/>
-      <a:schemeClr val="accent3"/>
-      <a:schemeClr val="accent4"/>
-      <a:schemeClr val="accent5"/>
-      <a:schemeClr val="accent6"/>
     </dgm:fillClrLst>
     <dgm:linClrLst meth="repeat">
       <a:schemeClr val="lt1"/>
@@ -2093,21 +2387,33 @@
     <dgm:txFillClrLst/>
     <dgm:txEffectClrLst/>
   </dgm:styleLbl>
+  <dgm:styleLbl name="alignNode1">
+    <dgm:fillClrLst meth="repeat">
+      <a:schemeClr val="accent2"/>
+    </dgm:fillClrLst>
+    <dgm:linClrLst meth="repeat">
+      <a:schemeClr val="accent2"/>
+    </dgm:linClrLst>
+    <dgm:effectClrLst/>
+    <dgm:txLinClrLst/>
+    <dgm:txFillClrLst/>
+    <dgm:txEffectClrLst/>
+  </dgm:styleLbl>
+  <dgm:styleLbl name="lnNode1">
+    <dgm:fillClrLst meth="repeat">
+      <a:schemeClr val="accent2"/>
+    </dgm:fillClrLst>
+    <dgm:linClrLst meth="repeat">
+      <a:schemeClr val="lt1"/>
+    </dgm:linClrLst>
+    <dgm:effectClrLst/>
+    <dgm:txLinClrLst/>
+    <dgm:txFillClrLst/>
+    <dgm:txEffectClrLst/>
+  </dgm:styleLbl>
   <dgm:styleLbl name="vennNode1">
     <dgm:fillClrLst meth="repeat">
       <a:schemeClr val="accent2">
-        <a:alpha val="50000"/>
-      </a:schemeClr>
-      <a:schemeClr val="accent3">
-        <a:alpha val="50000"/>
-      </a:schemeClr>
-      <a:schemeClr val="accent4">
-        <a:alpha val="50000"/>
-      </a:schemeClr>
-      <a:schemeClr val="accent5">
-        <a:alpha val="50000"/>
-      </a:schemeClr>
-      <a:schemeClr val="accent6">
         <a:alpha val="50000"/>
       </a:schemeClr>
     </dgm:fillClrLst>
@@ -2120,7 +2426,7 @@
     <dgm:txEffectClrLst/>
   </dgm:styleLbl>
   <dgm:styleLbl name="node2">
-    <dgm:fillClrLst>
+    <dgm:fillClrLst meth="repeat">
       <a:schemeClr val="accent2"/>
     </dgm:fillClrLst>
     <dgm:linClrLst meth="repeat">
@@ -2132,8 +2438,8 @@
     <dgm:txEffectClrLst/>
   </dgm:styleLbl>
   <dgm:styleLbl name="node3">
-    <dgm:fillClrLst>
-      <a:schemeClr val="accent3"/>
+    <dgm:fillClrLst meth="repeat">
+      <a:schemeClr val="accent2"/>
     </dgm:fillClrLst>
     <dgm:linClrLst meth="repeat">
       <a:schemeClr val="lt1"/>
@@ -2144,8 +2450,8 @@
     <dgm:txEffectClrLst/>
   </dgm:styleLbl>
   <dgm:styleLbl name="node4">
-    <dgm:fillClrLst>
-      <a:schemeClr val="accent4"/>
+    <dgm:fillClrLst meth="repeat">
+      <a:schemeClr val="accent2"/>
     </dgm:fillClrLst>
     <dgm:linClrLst meth="repeat">
       <a:schemeClr val="lt1"/>
@@ -2158,18 +2464,6 @@
   <dgm:styleLbl name="fgImgPlace1">
     <dgm:fillClrLst meth="repeat">
       <a:schemeClr val="accent2">
-        <a:tint val="50000"/>
-      </a:schemeClr>
-      <a:schemeClr val="accent3">
-        <a:tint val="50000"/>
-      </a:schemeClr>
-      <a:schemeClr val="accent4">
-        <a:tint val="50000"/>
-      </a:schemeClr>
-      <a:schemeClr val="accent5">
-        <a:tint val="50000"/>
-      </a:schemeClr>
-      <a:schemeClr val="accent6">
         <a:tint val="50000"/>
       </a:schemeClr>
     </dgm:fillClrLst>
@@ -2184,12 +2478,9 @@
     <dgm:txEffectClrLst/>
   </dgm:styleLbl>
   <dgm:styleLbl name="alignImgPlace1">
-    <dgm:fillClrLst>
-      <a:schemeClr val="accent1">
+    <dgm:fillClrLst meth="repeat">
+      <a:schemeClr val="accent2">
         <a:tint val="50000"/>
-      </a:schemeClr>
-      <a:schemeClr val="accent2">
-        <a:tint val="20000"/>
       </a:schemeClr>
     </dgm:fillClrLst>
     <dgm:linClrLst meth="repeat">
@@ -2203,12 +2494,9 @@
     <dgm:txEffectClrLst/>
   </dgm:styleLbl>
   <dgm:styleLbl name="bgImgPlace1">
-    <dgm:fillClrLst>
-      <a:schemeClr val="accent1">
+    <dgm:fillClrLst meth="repeat">
+      <a:schemeClr val="accent2">
         <a:tint val="50000"/>
-      </a:schemeClr>
-      <a:schemeClr val="accent2">
-        <a:tint val="20000"/>
       </a:schemeClr>
     </dgm:fillClrLst>
     <dgm:linClrLst meth="repeat">
@@ -2223,14 +2511,14 @@
   </dgm:styleLbl>
   <dgm:styleLbl name="sibTrans2D1">
     <dgm:fillClrLst meth="repeat">
-      <a:schemeClr val="accent2"/>
-      <a:schemeClr val="accent3"/>
-      <a:schemeClr val="accent4"/>
-      <a:schemeClr val="accent5"/>
-      <a:schemeClr val="accent6"/>
+      <a:schemeClr val="accent2">
+        <a:tint val="60000"/>
+      </a:schemeClr>
     </dgm:fillClrLst>
-    <dgm:linClrLst meth="cycle">
-      <a:schemeClr val="lt1"/>
+    <dgm:linClrLst meth="repeat">
+      <a:schemeClr val="accent2">
+        <a:tint val="60000"/>
+      </a:schemeClr>
     </dgm:linClrLst>
     <dgm:effectClrLst/>
     <dgm:txLinClrLst/>
@@ -2239,54 +2527,42 @@
   </dgm:styleLbl>
   <dgm:styleLbl name="fgSibTrans2D1">
     <dgm:fillClrLst meth="repeat">
-      <a:schemeClr val="accent2"/>
-      <a:schemeClr val="accent3"/>
-      <a:schemeClr val="accent4"/>
-      <a:schemeClr val="accent5"/>
-      <a:schemeClr val="accent6"/>
+      <a:schemeClr val="accent2">
+        <a:tint val="60000"/>
+      </a:schemeClr>
     </dgm:fillClrLst>
-    <dgm:linClrLst meth="cycle">
-      <a:schemeClr val="lt1"/>
+    <dgm:linClrLst meth="repeat">
+      <a:schemeClr val="accent2">
+        <a:tint val="60000"/>
+      </a:schemeClr>
     </dgm:linClrLst>
     <dgm:effectClrLst/>
     <dgm:txLinClrLst/>
-    <dgm:txFillClrLst meth="repeat">
-      <a:schemeClr val="lt1"/>
-    </dgm:txFillClrLst>
+    <dgm:txFillClrLst/>
     <dgm:txEffectClrLst/>
   </dgm:styleLbl>
   <dgm:styleLbl name="bgSibTrans2D1">
     <dgm:fillClrLst meth="repeat">
-      <a:schemeClr val="accent2"/>
-      <a:schemeClr val="accent3"/>
-      <a:schemeClr val="accent4"/>
-      <a:schemeClr val="accent5"/>
-      <a:schemeClr val="accent6"/>
+      <a:schemeClr val="accent2">
+        <a:tint val="60000"/>
+      </a:schemeClr>
     </dgm:fillClrLst>
-    <dgm:linClrLst meth="cycle">
-      <a:schemeClr val="lt1"/>
+    <dgm:linClrLst meth="repeat">
+      <a:schemeClr val="accent2">
+        <a:tint val="60000"/>
+      </a:schemeClr>
     </dgm:linClrLst>
     <dgm:effectClrLst/>
     <dgm:txLinClrLst/>
-    <dgm:txFillClrLst meth="repeat">
-      <a:schemeClr val="lt1"/>
-    </dgm:txFillClrLst>
+    <dgm:txFillClrLst/>
     <dgm:txEffectClrLst/>
   </dgm:styleLbl>
   <dgm:styleLbl name="sibTrans1D1">
     <dgm:fillClrLst meth="repeat">
       <a:schemeClr val="accent2"/>
-      <a:schemeClr val="accent3"/>
-      <a:schemeClr val="accent4"/>
-      <a:schemeClr val="accent5"/>
-      <a:schemeClr val="accent6"/>
     </dgm:fillClrLst>
     <dgm:linClrLst meth="repeat">
       <a:schemeClr val="accent2"/>
-      <a:schemeClr val="accent3"/>
-      <a:schemeClr val="accent4"/>
-      <a:schemeClr val="accent5"/>
-      <a:schemeClr val="accent6"/>
     </dgm:linClrLst>
     <dgm:effectClrLst/>
     <dgm:txLinClrLst/>
@@ -2313,7 +2589,7 @@
   </dgm:styleLbl>
   <dgm:styleLbl name="asst0">
     <dgm:fillClrLst meth="repeat">
-      <a:schemeClr val="accent1"/>
+      <a:schemeClr val="accent2"/>
     </dgm:fillClrLst>
     <dgm:linClrLst meth="repeat">
       <a:schemeClr val="lt1"/>
@@ -2336,8 +2612,8 @@
     <dgm:txEffectClrLst/>
   </dgm:styleLbl>
   <dgm:styleLbl name="asst2">
-    <dgm:fillClrLst>
-      <a:schemeClr val="accent3"/>
+    <dgm:fillClrLst meth="repeat">
+      <a:schemeClr val="accent2"/>
     </dgm:fillClrLst>
     <dgm:linClrLst meth="repeat">
       <a:schemeClr val="lt1"/>
@@ -2348,8 +2624,8 @@
     <dgm:txEffectClrLst/>
   </dgm:styleLbl>
   <dgm:styleLbl name="asst3">
-    <dgm:fillClrLst>
-      <a:schemeClr val="accent4"/>
+    <dgm:fillClrLst meth="repeat">
+      <a:schemeClr val="accent2"/>
     </dgm:fillClrLst>
     <dgm:linClrLst meth="repeat">
       <a:schemeClr val="lt1"/>
@@ -2360,8 +2636,8 @@
     <dgm:txEffectClrLst/>
   </dgm:styleLbl>
   <dgm:styleLbl name="asst4">
-    <dgm:fillClrLst>
-      <a:schemeClr val="accent5"/>
+    <dgm:fillClrLst meth="repeat">
+      <a:schemeClr val="accent2"/>
     </dgm:fillClrLst>
     <dgm:linClrLst meth="repeat">
       <a:schemeClr val="lt1"/>
@@ -2373,10 +2649,14 @@
   </dgm:styleLbl>
   <dgm:styleLbl name="parChTrans2D1">
     <dgm:fillClrLst meth="repeat">
-      <a:schemeClr val="accent2"/>
+      <a:schemeClr val="accent2">
+        <a:tint val="60000"/>
+      </a:schemeClr>
     </dgm:fillClrLst>
     <dgm:linClrLst meth="repeat">
-      <a:schemeClr val="lt1"/>
+      <a:schemeClr val="accent2">
+        <a:tint val="60000"/>
+      </a:schemeClr>
     </dgm:linClrLst>
     <dgm:effectClrLst/>
     <dgm:txLinClrLst/>
@@ -2387,34 +2667,10 @@
   </dgm:styleLbl>
   <dgm:styleLbl name="parChTrans2D2">
     <dgm:fillClrLst meth="repeat">
-      <a:schemeClr val="accent3"/>
+      <a:schemeClr val="accent2"/>
     </dgm:fillClrLst>
     <dgm:linClrLst meth="repeat">
-      <a:schemeClr val="lt1"/>
-    </dgm:linClrLst>
-    <dgm:effectClrLst/>
-    <dgm:txLinClrLst/>
-    <dgm:txFillClrLst/>
-    <dgm:txEffectClrLst/>
-  </dgm:styleLbl>
-  <dgm:styleLbl name="parChTrans2D3">
-    <dgm:fillClrLst meth="repeat">
-      <a:schemeClr val="accent4"/>
-    </dgm:fillClrLst>
-    <dgm:linClrLst meth="repeat">
-      <a:schemeClr val="lt1"/>
-    </dgm:linClrLst>
-    <dgm:effectClrLst/>
-    <dgm:txLinClrLst/>
-    <dgm:txFillClrLst/>
-    <dgm:txEffectClrLst/>
-  </dgm:styleLbl>
-  <dgm:styleLbl name="parChTrans2D4">
-    <dgm:fillClrLst meth="repeat">
-      <a:schemeClr val="accent5"/>
-    </dgm:fillClrLst>
-    <dgm:linClrLst meth="repeat">
-      <a:schemeClr val="lt1"/>
+      <a:schemeClr val="accent2"/>
     </dgm:linClrLst>
     <dgm:effectClrLst/>
     <dgm:txLinClrLst/>
@@ -2423,12 +2679,42 @@
     </dgm:txFillClrLst>
     <dgm:txEffectClrLst/>
   </dgm:styleLbl>
+  <dgm:styleLbl name="parChTrans2D3">
+    <dgm:fillClrLst meth="repeat">
+      <a:schemeClr val="accent2"/>
+    </dgm:fillClrLst>
+    <dgm:linClrLst meth="repeat">
+      <a:schemeClr val="accent2"/>
+    </dgm:linClrLst>
+    <dgm:effectClrLst/>
+    <dgm:txLinClrLst/>
+    <dgm:txFillClrLst meth="repeat">
+      <a:schemeClr val="lt1"/>
+    </dgm:txFillClrLst>
+    <dgm:txEffectClrLst/>
+  </dgm:styleLbl>
+  <dgm:styleLbl name="parChTrans2D4">
+    <dgm:fillClrLst meth="repeat">
+      <a:schemeClr val="accent2"/>
+    </dgm:fillClrLst>
+    <dgm:linClrLst meth="repeat">
+      <a:schemeClr val="accent2"/>
+    </dgm:linClrLst>
+    <dgm:effectClrLst/>
+    <dgm:txLinClrLst/>
+    <dgm:txFillClrLst meth="repeat">
+      <a:schemeClr val="lt1"/>
+    </dgm:txFillClrLst>
+    <dgm:txEffectClrLst/>
+  </dgm:styleLbl>
   <dgm:styleLbl name="parChTrans1D1">
     <dgm:fillClrLst meth="repeat">
       <a:schemeClr val="accent2"/>
     </dgm:fillClrLst>
     <dgm:linClrLst meth="repeat">
-      <a:schemeClr val="accent1"/>
+      <a:schemeClr val="accent2">
+        <a:shade val="60000"/>
+      </a:schemeClr>
     </dgm:linClrLst>
     <dgm:effectClrLst/>
     <dgm:txLinClrLst/>
@@ -2439,8 +2725,56 @@
   </dgm:styleLbl>
   <dgm:styleLbl name="parChTrans1D2">
     <dgm:fillClrLst meth="repeat">
-      <a:schemeClr val="accent3">
-        <a:tint val="90000"/>
+      <a:schemeClr val="accent2"/>
+    </dgm:fillClrLst>
+    <dgm:linClrLst meth="repeat">
+      <a:schemeClr val="accent2">
+        <a:shade val="60000"/>
+      </a:schemeClr>
+    </dgm:linClrLst>
+    <dgm:effectClrLst/>
+    <dgm:txLinClrLst/>
+    <dgm:txFillClrLst meth="repeat">
+      <a:schemeClr val="tx1"/>
+    </dgm:txFillClrLst>
+    <dgm:txEffectClrLst/>
+  </dgm:styleLbl>
+  <dgm:styleLbl name="parChTrans1D3">
+    <dgm:fillClrLst meth="repeat">
+      <a:schemeClr val="accent2"/>
+    </dgm:fillClrLst>
+    <dgm:linClrLst meth="repeat">
+      <a:schemeClr val="accent2">
+        <a:shade val="80000"/>
+      </a:schemeClr>
+    </dgm:linClrLst>
+    <dgm:effectClrLst/>
+    <dgm:txLinClrLst/>
+    <dgm:txFillClrLst meth="repeat">
+      <a:schemeClr val="tx1"/>
+    </dgm:txFillClrLst>
+    <dgm:txEffectClrLst/>
+  </dgm:styleLbl>
+  <dgm:styleLbl name="parChTrans1D4">
+    <dgm:fillClrLst meth="repeat">
+      <a:schemeClr val="accent2"/>
+    </dgm:fillClrLst>
+    <dgm:linClrLst meth="repeat">
+      <a:schemeClr val="accent2">
+        <a:shade val="80000"/>
+      </a:schemeClr>
+    </dgm:linClrLst>
+    <dgm:effectClrLst/>
+    <dgm:txLinClrLst/>
+    <dgm:txFillClrLst meth="repeat">
+      <a:schemeClr val="tx1"/>
+    </dgm:txFillClrLst>
+    <dgm:txEffectClrLst/>
+  </dgm:styleLbl>
+  <dgm:styleLbl name="fgAcc1">
+    <dgm:fillClrLst meth="repeat">
+      <a:schemeClr val="lt1">
+        <a:alpha val="90000"/>
       </a:schemeClr>
     </dgm:fillClrLst>
     <dgm:linClrLst meth="repeat">
@@ -2449,58 +2783,6 @@
     <dgm:effectClrLst/>
     <dgm:txLinClrLst/>
     <dgm:txFillClrLst meth="repeat">
-      <a:schemeClr val="tx1"/>
-    </dgm:txFillClrLst>
-    <dgm:txEffectClrLst/>
-  </dgm:styleLbl>
-  <dgm:styleLbl name="parChTrans1D3">
-    <dgm:fillClrLst meth="repeat">
-      <a:schemeClr val="accent4">
-        <a:tint val="70000"/>
-      </a:schemeClr>
-    </dgm:fillClrLst>
-    <dgm:linClrLst meth="repeat">
-      <a:schemeClr val="accent3"/>
-    </dgm:linClrLst>
-    <dgm:effectClrLst/>
-    <dgm:txLinClrLst/>
-    <dgm:txFillClrLst meth="repeat">
-      <a:schemeClr val="tx1"/>
-    </dgm:txFillClrLst>
-    <dgm:txEffectClrLst/>
-  </dgm:styleLbl>
-  <dgm:styleLbl name="parChTrans1D4">
-    <dgm:fillClrLst meth="repeat">
-      <a:schemeClr val="accent5">
-        <a:tint val="50000"/>
-      </a:schemeClr>
-    </dgm:fillClrLst>
-    <dgm:linClrLst meth="repeat">
-      <a:schemeClr val="accent4"/>
-    </dgm:linClrLst>
-    <dgm:effectClrLst/>
-    <dgm:txLinClrLst/>
-    <dgm:txFillClrLst meth="repeat">
-      <a:schemeClr val="tx1"/>
-    </dgm:txFillClrLst>
-    <dgm:txEffectClrLst/>
-  </dgm:styleLbl>
-  <dgm:styleLbl name="fgAcc1">
-    <dgm:fillClrLst meth="repeat">
-      <a:schemeClr val="lt1">
-        <a:alpha val="90000"/>
-      </a:schemeClr>
-    </dgm:fillClrLst>
-    <dgm:linClrLst meth="repeat">
-      <a:schemeClr val="accent2"/>
-      <a:schemeClr val="accent3"/>
-      <a:schemeClr val="accent4"/>
-      <a:schemeClr val="accent5"/>
-      <a:schemeClr val="accent6"/>
-    </dgm:linClrLst>
-    <dgm:effectClrLst/>
-    <dgm:txLinClrLst/>
-    <dgm:txFillClrLst meth="repeat">
       <a:schemeClr val="dk1"/>
     </dgm:txFillClrLst>
     <dgm:txEffectClrLst/>
@@ -2513,10 +2795,6 @@
     </dgm:fillClrLst>
     <dgm:linClrLst meth="repeat">
       <a:schemeClr val="accent2"/>
-      <a:schemeClr val="accent3"/>
-      <a:schemeClr val="accent4"/>
-      <a:schemeClr val="accent5"/>
-      <a:schemeClr val="accent6"/>
     </dgm:linClrLst>
     <dgm:effectClrLst/>
     <dgm:txLinClrLst/>
@@ -2533,10 +2811,6 @@
     </dgm:fillClrLst>
     <dgm:linClrLst meth="repeat">
       <a:schemeClr val="accent2"/>
-      <a:schemeClr val="accent3"/>
-      <a:schemeClr val="accent4"/>
-      <a:schemeClr val="accent5"/>
-      <a:schemeClr val="accent6"/>
     </dgm:linClrLst>
     <dgm:effectClrLst/>
     <dgm:txLinClrLst/>
@@ -2552,7 +2826,7 @@
       </a:schemeClr>
     </dgm:fillClrLst>
     <dgm:linClrLst meth="repeat">
-      <a:schemeClr val="accent1"/>
+      <a:schemeClr val="accent2"/>
     </dgm:linClrLst>
     <dgm:effectClrLst/>
     <dgm:txLinClrLst/>
@@ -2569,10 +2843,6 @@
     </dgm:fillClrLst>
     <dgm:linClrLst meth="repeat">
       <a:schemeClr val="accent2"/>
-      <a:schemeClr val="accent3"/>
-      <a:schemeClr val="accent4"/>
-      <a:schemeClr val="accent5"/>
-      <a:schemeClr val="accent6"/>
     </dgm:linClrLst>
     <dgm:effectClrLst/>
     <dgm:txLinClrLst/>
@@ -2587,10 +2857,6 @@
     </dgm:fillClrLst>
     <dgm:linClrLst meth="repeat">
       <a:schemeClr val="accent2"/>
-      <a:schemeClr val="accent3"/>
-      <a:schemeClr val="accent4"/>
-      <a:schemeClr val="accent5"/>
-      <a:schemeClr val="accent6"/>
     </dgm:linClrLst>
     <dgm:effectClrLst/>
     <dgm:txLinClrLst/>
@@ -2605,10 +2871,6 @@
     </dgm:fillClrLst>
     <dgm:linClrLst meth="repeat">
       <a:schemeClr val="accent2"/>
-      <a:schemeClr val="accent3"/>
-      <a:schemeClr val="accent4"/>
-      <a:schemeClr val="accent5"/>
-      <a:schemeClr val="accent6"/>
     </dgm:linClrLst>
     <dgm:effectClrLst/>
     <dgm:txLinClrLst/>
@@ -2623,10 +2885,6 @@
     </dgm:fillClrLst>
     <dgm:linClrLst meth="repeat">
       <a:schemeClr val="accent2"/>
-      <a:schemeClr val="accent3"/>
-      <a:schemeClr val="accent4"/>
-      <a:schemeClr val="accent5"/>
-      <a:schemeClr val="accent6"/>
     </dgm:linClrLst>
     <dgm:effectClrLst/>
     <dgm:txLinClrLst/>
@@ -2638,46 +2896,14 @@
   <dgm:styleLbl name="fgAccFollowNode1">
     <dgm:fillClrLst meth="repeat">
       <a:schemeClr val="accent2">
+        <a:alpha val="90000"/>
         <a:tint val="40000"/>
-        <a:alpha val="90000"/>
-      </a:schemeClr>
-      <a:schemeClr val="accent3">
-        <a:tint val="40000"/>
-        <a:alpha val="90000"/>
-      </a:schemeClr>
-      <a:schemeClr val="accent4">
-        <a:tint val="40000"/>
-        <a:alpha val="90000"/>
-      </a:schemeClr>
-      <a:schemeClr val="accent5">
-        <a:tint val="40000"/>
-        <a:alpha val="90000"/>
-      </a:schemeClr>
-      <a:schemeClr val="accent6">
-        <a:tint val="40000"/>
-        <a:alpha val="90000"/>
       </a:schemeClr>
     </dgm:fillClrLst>
     <dgm:linClrLst meth="repeat">
       <a:schemeClr val="accent2">
+        <a:alpha val="90000"/>
         <a:tint val="40000"/>
-        <a:alpha val="90000"/>
-      </a:schemeClr>
-      <a:schemeClr val="accent3">
-        <a:tint val="40000"/>
-        <a:alpha val="90000"/>
-      </a:schemeClr>
-      <a:schemeClr val="accent4">
-        <a:tint val="40000"/>
-        <a:alpha val="90000"/>
-      </a:schemeClr>
-      <a:schemeClr val="accent5">
-        <a:tint val="40000"/>
-        <a:alpha val="90000"/>
-      </a:schemeClr>
-      <a:schemeClr val="accent6">
-        <a:tint val="40000"/>
-        <a:alpha val="90000"/>
       </a:schemeClr>
     </dgm:linClrLst>
     <dgm:effectClrLst/>
@@ -2690,46 +2916,14 @@
   <dgm:styleLbl name="alignAccFollowNode1">
     <dgm:fillClrLst meth="repeat">
       <a:schemeClr val="accent2">
+        <a:alpha val="90000"/>
         <a:tint val="40000"/>
-        <a:alpha val="90000"/>
-      </a:schemeClr>
-      <a:schemeClr val="accent3">
-        <a:tint val="40000"/>
-        <a:alpha val="90000"/>
-      </a:schemeClr>
-      <a:schemeClr val="accent4">
-        <a:tint val="40000"/>
-        <a:alpha val="90000"/>
-      </a:schemeClr>
-      <a:schemeClr val="accent5">
-        <a:tint val="40000"/>
-        <a:alpha val="90000"/>
-      </a:schemeClr>
-      <a:schemeClr val="accent6">
-        <a:tint val="40000"/>
-        <a:alpha val="90000"/>
       </a:schemeClr>
     </dgm:fillClrLst>
     <dgm:linClrLst meth="repeat">
       <a:schemeClr val="accent2">
+        <a:alpha val="90000"/>
         <a:tint val="40000"/>
-        <a:alpha val="90000"/>
-      </a:schemeClr>
-      <a:schemeClr val="accent3">
-        <a:tint val="40000"/>
-        <a:alpha val="90000"/>
-      </a:schemeClr>
-      <a:schemeClr val="accent4">
-        <a:tint val="40000"/>
-        <a:alpha val="90000"/>
-      </a:schemeClr>
-      <a:schemeClr val="accent5">
-        <a:tint val="40000"/>
-        <a:alpha val="90000"/>
-      </a:schemeClr>
-      <a:schemeClr val="accent6">
-        <a:tint val="40000"/>
-        <a:alpha val="90000"/>
       </a:schemeClr>
     </dgm:linClrLst>
     <dgm:effectClrLst/>
@@ -2742,46 +2936,14 @@
   <dgm:styleLbl name="bgAccFollowNode1">
     <dgm:fillClrLst meth="repeat">
       <a:schemeClr val="accent2">
+        <a:alpha val="90000"/>
         <a:tint val="40000"/>
-        <a:alpha val="90000"/>
-      </a:schemeClr>
-      <a:schemeClr val="accent3">
-        <a:tint val="40000"/>
-        <a:alpha val="90000"/>
-      </a:schemeClr>
-      <a:schemeClr val="accent4">
-        <a:tint val="40000"/>
-        <a:alpha val="90000"/>
-      </a:schemeClr>
-      <a:schemeClr val="accent5">
-        <a:tint val="40000"/>
-        <a:alpha val="90000"/>
-      </a:schemeClr>
-      <a:schemeClr val="accent6">
-        <a:tint val="40000"/>
-        <a:alpha val="90000"/>
       </a:schemeClr>
     </dgm:fillClrLst>
     <dgm:linClrLst meth="repeat">
       <a:schemeClr val="accent2">
+        <a:alpha val="90000"/>
         <a:tint val="40000"/>
-        <a:alpha val="90000"/>
-      </a:schemeClr>
-      <a:schemeClr val="accent3">
-        <a:tint val="40000"/>
-        <a:alpha val="90000"/>
-      </a:schemeClr>
-      <a:schemeClr val="accent4">
-        <a:tint val="40000"/>
-        <a:alpha val="90000"/>
-      </a:schemeClr>
-      <a:schemeClr val="accent5">
-        <a:tint val="40000"/>
-        <a:alpha val="90000"/>
-      </a:schemeClr>
-      <a:schemeClr val="accent6">
-        <a:tint val="40000"/>
-        <a:alpha val="90000"/>
       </a:schemeClr>
     </dgm:linClrLst>
     <dgm:effectClrLst/>
@@ -2797,23 +2959,7 @@
         <a:alpha val="90000"/>
       </a:schemeClr>
     </dgm:fillClrLst>
-    <dgm:linClrLst>
-      <a:schemeClr val="accent1"/>
-    </dgm:linClrLst>
-    <dgm:effectClrLst/>
-    <dgm:txLinClrLst/>
-    <dgm:txFillClrLst meth="repeat">
-      <a:schemeClr val="dk1"/>
-    </dgm:txFillClrLst>
-    <dgm:txEffectClrLst/>
-  </dgm:styleLbl>
-  <dgm:styleLbl name="fgAcc2">
-    <dgm:fillClrLst meth="repeat">
-      <a:schemeClr val="lt1">
-        <a:alpha val="90000"/>
-      </a:schemeClr>
-    </dgm:fillClrLst>
-    <dgm:linClrLst>
+    <dgm:linClrLst meth="repeat">
       <a:schemeClr val="accent2"/>
     </dgm:linClrLst>
     <dgm:effectClrLst/>
@@ -2823,14 +2969,14 @@
     </dgm:txFillClrLst>
     <dgm:txEffectClrLst/>
   </dgm:styleLbl>
-  <dgm:styleLbl name="fgAcc3">
+  <dgm:styleLbl name="fgAcc2">
     <dgm:fillClrLst meth="repeat">
       <a:schemeClr val="lt1">
         <a:alpha val="90000"/>
       </a:schemeClr>
     </dgm:fillClrLst>
-    <dgm:linClrLst>
-      <a:schemeClr val="accent3"/>
+    <dgm:linClrLst meth="repeat">
+      <a:schemeClr val="accent2"/>
     </dgm:linClrLst>
     <dgm:effectClrLst/>
     <dgm:txLinClrLst/>
@@ -2839,14 +2985,14 @@
     </dgm:txFillClrLst>
     <dgm:txEffectClrLst/>
   </dgm:styleLbl>
-  <dgm:styleLbl name="fgAcc4">
+  <dgm:styleLbl name="fgAcc3">
     <dgm:fillClrLst meth="repeat">
       <a:schemeClr val="lt1">
         <a:alpha val="90000"/>
       </a:schemeClr>
     </dgm:fillClrLst>
-    <dgm:linClrLst>
-      <a:schemeClr val="accent4"/>
+    <dgm:linClrLst meth="repeat">
+      <a:schemeClr val="accent2"/>
     </dgm:linClrLst>
     <dgm:effectClrLst/>
     <dgm:txLinClrLst/>
@@ -2855,32 +3001,46 @@
     </dgm:txFillClrLst>
     <dgm:txEffectClrLst/>
   </dgm:styleLbl>
-  <dgm:styleLbl name="bgShp">
+  <dgm:styleLbl name="fgAcc4">
     <dgm:fillClrLst meth="repeat">
-      <a:schemeClr val="accent2"/>
-      <a:schemeClr val="accent3"/>
-      <a:schemeClr val="accent4"/>
-      <a:schemeClr val="accent5"/>
-      <a:schemeClr val="accent6"/>
+      <a:schemeClr val="lt1">
+        <a:alpha val="90000"/>
+      </a:schemeClr>
     </dgm:fillClrLst>
     <dgm:linClrLst meth="repeat">
-      <a:schemeClr val="lt1">
-        <a:alpha val="0"/>
-      </a:schemeClr>
+      <a:schemeClr val="accent2"/>
     </dgm:linClrLst>
     <dgm:effectClrLst/>
     <dgm:txLinClrLst/>
-    <dgm:txFillClrLst/>
+    <dgm:txFillClrLst meth="repeat">
+      <a:schemeClr val="dk1"/>
+    </dgm:txFillClrLst>
+    <dgm:txEffectClrLst/>
+  </dgm:styleLbl>
+  <dgm:styleLbl name="bgShp">
+    <dgm:fillClrLst meth="repeat">
+      <a:schemeClr val="accent2">
+        <a:tint val="40000"/>
+      </a:schemeClr>
+    </dgm:fillClrLst>
+    <dgm:linClrLst meth="repeat">
+      <a:schemeClr val="accent2"/>
+    </dgm:linClrLst>
+    <dgm:effectClrLst/>
+    <dgm:txLinClrLst/>
+    <dgm:txFillClrLst meth="repeat">
+      <a:schemeClr val="dk1"/>
+    </dgm:txFillClrLst>
     <dgm:txEffectClrLst/>
   </dgm:styleLbl>
   <dgm:styleLbl name="dkBgShp">
     <dgm:fillClrLst meth="repeat">
       <a:schemeClr val="accent2">
-        <a:shade val="90000"/>
+        <a:shade val="80000"/>
       </a:schemeClr>
     </dgm:fillClrLst>
     <dgm:linClrLst meth="repeat">
-      <a:schemeClr val="dk1"/>
+      <a:schemeClr val="accent2"/>
     </dgm:linClrLst>
     <dgm:effectClrLst/>
     <dgm:txLinClrLst/>
@@ -2891,7 +3051,7 @@
   </dgm:styleLbl>
   <dgm:styleLbl name="trBgShp">
     <dgm:fillClrLst meth="repeat">
-      <a:schemeClr val="accent1">
+      <a:schemeClr val="accent2">
         <a:tint val="50000"/>
         <a:alpha val="40000"/>
       </a:schemeClr>
@@ -2909,7 +3069,7 @@
   <dgm:styleLbl name="fgShp">
     <dgm:fillClrLst meth="repeat">
       <a:schemeClr val="accent2">
-        <a:tint val="40000"/>
+        <a:tint val="60000"/>
       </a:schemeClr>
     </dgm:fillClrLst>
     <dgm:linClrLst meth="repeat">
@@ -6467,7 +6627,7 @@
 <dgm:dataModel xmlns:dgm="http://schemas.openxmlformats.org/drawingml/2006/diagram" xmlns:a="http://schemas.openxmlformats.org/drawingml/2006/main">
   <dgm:ptLst>
     <dgm:pt modelId="{450B7F6A-DA9E-4F4A-A457-2A9AE1F4C04C}" type="doc">
-      <dgm:prSet loTypeId="urn:microsoft.com/office/officeart/2018/2/layout/IconCircleList" loCatId="icon" qsTypeId="urn:microsoft.com/office/officeart/2005/8/quickstyle/simple1" qsCatId="simple" csTypeId="urn:microsoft.com/office/officeart/2018/5/colors/Iconchunking_neutralicon_colorful1" csCatId="colorful" phldr="1"/>
+      <dgm:prSet loTypeId="urn:microsoft.com/office/officeart/2008/layout/LinedList" loCatId="list" qsTypeId="urn:microsoft.com/office/officeart/2005/8/quickstyle/simple4" qsCatId="simple" csTypeId="urn:microsoft.com/office/officeart/2005/8/colors/accent2_2" csCatId="accent2" phldr="1"/>
       <dgm:spPr/>
       <dgm:t>
         <a:bodyPr/>
@@ -6484,6 +6644,11 @@
         <a:bodyPr/>
         <a:lstStyle/>
         <a:p>
+          <a:pPr>
+            <a:lnSpc>
+              <a:spcPct val="100000"/>
+            </a:lnSpc>
+          </a:pPr>
           <a:r>
             <a:rPr lang="fr-FR" b="0" i="0"/>
             <a:t>Le DNS, ou Domain Name System, est comme l’annuaire d’Internet. </a:t>
@@ -6510,6 +6675,11 @@
         <a:bodyPr/>
         <a:lstStyle/>
         <a:p>
+          <a:pPr>
+            <a:lnSpc>
+              <a:spcPct val="100000"/>
+            </a:lnSpc>
+          </a:pPr>
           <a:endParaRPr lang="en-US"/>
         </a:p>
       </dgm:t>
@@ -6521,6 +6691,11 @@
         <a:bodyPr/>
         <a:lstStyle/>
         <a:p>
+          <a:pPr>
+            <a:lnSpc>
+              <a:spcPct val="100000"/>
+            </a:lnSpc>
+          </a:pPr>
           <a:r>
             <a:rPr lang="fr-FR" b="0" i="0"/>
             <a:t>Son role est de traduire les noms de domaine comme google en adresse IP</a:t>
@@ -6551,152 +6726,69 @@
         </a:p>
       </dgm:t>
     </dgm:pt>
-    <dgm:pt modelId="{369BCF65-8DC8-4D0B-BD6E-115DEDD54273}" type="pres">
-      <dgm:prSet presAssocID="{450B7F6A-DA9E-4F4A-A457-2A9AE1F4C04C}" presName="root" presStyleCnt="0">
+    <dgm:pt modelId="{A6DE590C-B924-42B3-BD24-2968E8DC36ED}" type="pres">
+      <dgm:prSet presAssocID="{450B7F6A-DA9E-4F4A-A457-2A9AE1F4C04C}" presName="vert0" presStyleCnt="0">
         <dgm:presLayoutVars>
           <dgm:dir/>
-          <dgm:resizeHandles val="exact"/>
+          <dgm:animOne val="branch"/>
+          <dgm:animLvl val="lvl"/>
         </dgm:presLayoutVars>
       </dgm:prSet>
       <dgm:spPr/>
     </dgm:pt>
-    <dgm:pt modelId="{39FB033E-3B55-424F-9DBA-B751B9900B5F}" type="pres">
-      <dgm:prSet presAssocID="{450B7F6A-DA9E-4F4A-A457-2A9AE1F4C04C}" presName="container" presStyleCnt="0">
-        <dgm:presLayoutVars>
-          <dgm:dir/>
-          <dgm:resizeHandles val="exact"/>
-        </dgm:presLayoutVars>
-      </dgm:prSet>
+    <dgm:pt modelId="{B29A6206-27A0-44FB-9270-DC040207D706}" type="pres">
+      <dgm:prSet presAssocID="{45D24325-B9F0-45D6-8E89-F23C6917597B}" presName="thickLine" presStyleLbl="alignNode1" presStyleIdx="0" presStyleCnt="2"/>
       <dgm:spPr/>
     </dgm:pt>
-    <dgm:pt modelId="{CF993226-061C-4C93-AF8B-40B9242D8D24}" type="pres">
-      <dgm:prSet presAssocID="{45D24325-B9F0-45D6-8E89-F23C6917597B}" presName="compNode" presStyleCnt="0"/>
+    <dgm:pt modelId="{1800E991-F702-4C27-BA27-DA278954B4F2}" type="pres">
+      <dgm:prSet presAssocID="{45D24325-B9F0-45D6-8E89-F23C6917597B}" presName="horz1" presStyleCnt="0"/>
       <dgm:spPr/>
     </dgm:pt>
-    <dgm:pt modelId="{14DA8DAF-C79C-4E74-BFCC-8BC5734403D8}" type="pres">
-      <dgm:prSet presAssocID="{45D24325-B9F0-45D6-8E89-F23C6917597B}" presName="iconBgRect" presStyleLbl="bgShp" presStyleIdx="0" presStyleCnt="2"/>
+    <dgm:pt modelId="{115CA024-5F7F-442D-9A31-C818DACC4E6A}" type="pres">
+      <dgm:prSet presAssocID="{45D24325-B9F0-45D6-8E89-F23C6917597B}" presName="tx1" presStyleLbl="revTx" presStyleIdx="0" presStyleCnt="2"/>
       <dgm:spPr/>
     </dgm:pt>
-    <dgm:pt modelId="{FED46D31-A55D-4D27-974E-55C359CA70EB}" type="pres">
-      <dgm:prSet presAssocID="{45D24325-B9F0-45D6-8E89-F23C6917597B}" presName="iconRect" presStyleLbl="node1" presStyleIdx="0" presStyleCnt="2"/>
-      <dgm:spPr>
-        <a:blipFill>
-          <a:blip xmlns:r="http://schemas.openxmlformats.org/officeDocument/2006/relationships" r:embed="rId1">
-            <a:extLst>
-              <a:ext uri="{28A0092B-C50C-407E-A947-70E740481C1C}">
-                <a14:useLocalDpi xmlns:a14="http://schemas.microsoft.com/office/drawing/2010/main" val="0"/>
-              </a:ext>
-              <a:ext uri="{96DAC541-7B7A-43D3-8B79-37D633B846F1}">
-                <asvg:svgBlip xmlns:asvg="http://schemas.microsoft.com/office/drawing/2016/SVG/main" r:embed="rId2"/>
-              </a:ext>
-            </a:extLst>
-          </a:blip>
-          <a:stretch>
-            <a:fillRect/>
-          </a:stretch>
-        </a:blipFill>
-        <a:ln>
-          <a:noFill/>
-        </a:ln>
-      </dgm:spPr>
-      <dgm:extLst>
-        <a:ext uri="{E40237B7-FDA0-4F09-8148-C483321AD2D9}">
-          <dgm14:cNvPr xmlns:dgm14="http://schemas.microsoft.com/office/drawing/2010/diagram" id="0" name="" descr="Syncing Cloud"/>
-        </a:ext>
-      </dgm:extLst>
-    </dgm:pt>
-    <dgm:pt modelId="{B3464F70-2FEB-456C-9DD5-D9ECA5BDAC49}" type="pres">
-      <dgm:prSet presAssocID="{45D24325-B9F0-45D6-8E89-F23C6917597B}" presName="spaceRect" presStyleCnt="0"/>
+    <dgm:pt modelId="{90BFE9F2-8042-4FD6-8EFD-A2F60BA283ED}" type="pres">
+      <dgm:prSet presAssocID="{45D24325-B9F0-45D6-8E89-F23C6917597B}" presName="vert1" presStyleCnt="0"/>
       <dgm:spPr/>
     </dgm:pt>
-    <dgm:pt modelId="{32843F4B-0AAC-4118-B32B-B56B2359205E}" type="pres">
-      <dgm:prSet presAssocID="{45D24325-B9F0-45D6-8E89-F23C6917597B}" presName="textRect" presStyleLbl="revTx" presStyleIdx="0" presStyleCnt="2">
-        <dgm:presLayoutVars>
-          <dgm:chMax val="1"/>
-          <dgm:chPref val="1"/>
-        </dgm:presLayoutVars>
-      </dgm:prSet>
+    <dgm:pt modelId="{A79A5D07-3E4A-4448-8D9A-9899736509B9}" type="pres">
+      <dgm:prSet presAssocID="{DA5939D9-D8D9-4405-8DB0-0189FB4215D8}" presName="thickLine" presStyleLbl="alignNode1" presStyleIdx="1" presStyleCnt="2"/>
       <dgm:spPr/>
     </dgm:pt>
-    <dgm:pt modelId="{FE368561-5001-4BCF-993C-1F3865BF0316}" type="pres">
-      <dgm:prSet presAssocID="{DDA49259-9168-4D3C-8170-6D4711A9FF3C}" presName="sibTrans" presStyleLbl="sibTrans2D1" presStyleIdx="0" presStyleCnt="0"/>
+    <dgm:pt modelId="{4A77F77B-9375-4122-9564-2A8815C6A929}" type="pres">
+      <dgm:prSet presAssocID="{DA5939D9-D8D9-4405-8DB0-0189FB4215D8}" presName="horz1" presStyleCnt="0"/>
       <dgm:spPr/>
     </dgm:pt>
-    <dgm:pt modelId="{54F96180-773B-4BC8-9AD5-124D008EE675}" type="pres">
-      <dgm:prSet presAssocID="{DA5939D9-D8D9-4405-8DB0-0189FB4215D8}" presName="compNode" presStyleCnt="0"/>
+    <dgm:pt modelId="{074DA93D-6D12-44FD-9B80-45648EF7BF1B}" type="pres">
+      <dgm:prSet presAssocID="{DA5939D9-D8D9-4405-8DB0-0189FB4215D8}" presName="tx1" presStyleLbl="revTx" presStyleIdx="1" presStyleCnt="2"/>
       <dgm:spPr/>
     </dgm:pt>
-    <dgm:pt modelId="{F11CBDAD-E7A4-45D9-9E8F-F538DF4C9DEA}" type="pres">
-      <dgm:prSet presAssocID="{DA5939D9-D8D9-4405-8DB0-0189FB4215D8}" presName="iconBgRect" presStyleLbl="bgShp" presStyleIdx="1" presStyleCnt="2"/>
-      <dgm:spPr/>
-    </dgm:pt>
-    <dgm:pt modelId="{9B91DBAE-2E9D-4B57-9085-1AFC42C2110E}" type="pres">
-      <dgm:prSet presAssocID="{DA5939D9-D8D9-4405-8DB0-0189FB4215D8}" presName="iconRect" presStyleLbl="node1" presStyleIdx="1" presStyleCnt="2"/>
-      <dgm:spPr>
-        <a:blipFill>
-          <a:blip xmlns:r="http://schemas.openxmlformats.org/officeDocument/2006/relationships" r:embed="rId3">
-            <a:extLst>
-              <a:ext uri="{28A0092B-C50C-407E-A947-70E740481C1C}">
-                <a14:useLocalDpi xmlns:a14="http://schemas.microsoft.com/office/drawing/2010/main" val="0"/>
-              </a:ext>
-              <a:ext uri="{96DAC541-7B7A-43D3-8B79-37D633B846F1}">
-                <asvg:svgBlip xmlns:asvg="http://schemas.microsoft.com/office/drawing/2016/SVG/main" r:embed="rId4"/>
-              </a:ext>
-            </a:extLst>
-          </a:blip>
-          <a:stretch>
-            <a:fillRect/>
-          </a:stretch>
-        </a:blipFill>
-        <a:ln>
-          <a:noFill/>
-        </a:ln>
-      </dgm:spPr>
-      <dgm:extLst>
-        <a:ext uri="{E40237B7-FDA0-4F09-8148-C483321AD2D9}">
-          <dgm14:cNvPr xmlns:dgm14="http://schemas.microsoft.com/office/drawing/2010/diagram" id="0" name="" descr="Citations"/>
-        </a:ext>
-      </dgm:extLst>
-    </dgm:pt>
-    <dgm:pt modelId="{1FBACBEA-A9A2-43EA-8163-38771456D5AB}" type="pres">
-      <dgm:prSet presAssocID="{DA5939D9-D8D9-4405-8DB0-0189FB4215D8}" presName="spaceRect" presStyleCnt="0"/>
-      <dgm:spPr/>
-    </dgm:pt>
-    <dgm:pt modelId="{00134227-8405-40E7-B772-9526C9BDD5BD}" type="pres">
-      <dgm:prSet presAssocID="{DA5939D9-D8D9-4405-8DB0-0189FB4215D8}" presName="textRect" presStyleLbl="revTx" presStyleIdx="1" presStyleCnt="2">
-        <dgm:presLayoutVars>
-          <dgm:chMax val="1"/>
-          <dgm:chPref val="1"/>
-        </dgm:presLayoutVars>
-      </dgm:prSet>
+    <dgm:pt modelId="{F8A8357A-DE17-472D-97B5-43BA63A154F3}" type="pres">
+      <dgm:prSet presAssocID="{DA5939D9-D8D9-4405-8DB0-0189FB4215D8}" presName="vert1" presStyleCnt="0"/>
       <dgm:spPr/>
     </dgm:pt>
   </dgm:ptLst>
   <dgm:cxnLst>
-    <dgm:cxn modelId="{658E1B09-84E6-4303-8319-6895ED49B383}" type="presOf" srcId="{450B7F6A-DA9E-4F4A-A457-2A9AE1F4C04C}" destId="{369BCF65-8DC8-4D0B-BD6E-115DEDD54273}" srcOrd="0" destOrd="0" presId="urn:microsoft.com/office/officeart/2018/2/layout/IconCircleList"/>
-    <dgm:cxn modelId="{260FB631-33E8-4702-8886-C3CFBAE61CFC}" type="presOf" srcId="{DA5939D9-D8D9-4405-8DB0-0189FB4215D8}" destId="{00134227-8405-40E7-B772-9526C9BDD5BD}" srcOrd="0" destOrd="0" presId="urn:microsoft.com/office/officeart/2018/2/layout/IconCircleList"/>
     <dgm:cxn modelId="{2D54BE34-9B8C-444A-8289-6C65C175E073}" srcId="{450B7F6A-DA9E-4F4A-A457-2A9AE1F4C04C}" destId="{DA5939D9-D8D9-4405-8DB0-0189FB4215D8}" srcOrd="1" destOrd="0" parTransId="{0DEBB307-86CB-4B4A-B4D5-9C30341B90E7}" sibTransId="{D19C4205-4CE4-4D90-99A0-A84DBE6C0721}"/>
+    <dgm:cxn modelId="{87F1453C-9D21-4CFB-BFFD-52B1ADC3504C}" type="presOf" srcId="{DA5939D9-D8D9-4405-8DB0-0189FB4215D8}" destId="{074DA93D-6D12-44FD-9B80-45648EF7BF1B}" srcOrd="0" destOrd="0" presId="urn:microsoft.com/office/officeart/2008/layout/LinedList"/>
     <dgm:cxn modelId="{CD3B595A-54A6-4F5C-8471-C9B768A2138C}" srcId="{450B7F6A-DA9E-4F4A-A457-2A9AE1F4C04C}" destId="{45D24325-B9F0-45D6-8E89-F23C6917597B}" srcOrd="0" destOrd="0" parTransId="{6D54427B-CAD2-4CA6-B090-F24E638D11B0}" sibTransId="{DDA49259-9168-4D3C-8170-6D4711A9FF3C}"/>
-    <dgm:cxn modelId="{85D0F5A2-37D5-485A-805A-3FBBB4241702}" type="presOf" srcId="{DDA49259-9168-4D3C-8170-6D4711A9FF3C}" destId="{FE368561-5001-4BCF-993C-1F3865BF0316}" srcOrd="0" destOrd="0" presId="urn:microsoft.com/office/officeart/2018/2/layout/IconCircleList"/>
-    <dgm:cxn modelId="{D05C18F5-7C1E-4518-8CCD-C73E3AEBAB14}" type="presOf" srcId="{45D24325-B9F0-45D6-8E89-F23C6917597B}" destId="{32843F4B-0AAC-4118-B32B-B56B2359205E}" srcOrd="0" destOrd="0" presId="urn:microsoft.com/office/officeart/2018/2/layout/IconCircleList"/>
-    <dgm:cxn modelId="{79A6BA86-D662-4A12-B308-944A885A9A0B}" type="presParOf" srcId="{369BCF65-8DC8-4D0B-BD6E-115DEDD54273}" destId="{39FB033E-3B55-424F-9DBA-B751B9900B5F}" srcOrd="0" destOrd="0" presId="urn:microsoft.com/office/officeart/2018/2/layout/IconCircleList"/>
-    <dgm:cxn modelId="{15C3C08C-4EFC-438B-B339-070081848A70}" type="presParOf" srcId="{39FB033E-3B55-424F-9DBA-B751B9900B5F}" destId="{CF993226-061C-4C93-AF8B-40B9242D8D24}" srcOrd="0" destOrd="0" presId="urn:microsoft.com/office/officeart/2018/2/layout/IconCircleList"/>
-    <dgm:cxn modelId="{9BA6F243-146A-4322-9A60-DF9F167C23F8}" type="presParOf" srcId="{CF993226-061C-4C93-AF8B-40B9242D8D24}" destId="{14DA8DAF-C79C-4E74-BFCC-8BC5734403D8}" srcOrd="0" destOrd="0" presId="urn:microsoft.com/office/officeart/2018/2/layout/IconCircleList"/>
-    <dgm:cxn modelId="{942EBE9F-AFBB-4635-B63E-57E8864B0E6C}" type="presParOf" srcId="{CF993226-061C-4C93-AF8B-40B9242D8D24}" destId="{FED46D31-A55D-4D27-974E-55C359CA70EB}" srcOrd="1" destOrd="0" presId="urn:microsoft.com/office/officeart/2018/2/layout/IconCircleList"/>
-    <dgm:cxn modelId="{01B8C4AB-4AF8-4DDB-89F6-6B3CD0C3AB6C}" type="presParOf" srcId="{CF993226-061C-4C93-AF8B-40B9242D8D24}" destId="{B3464F70-2FEB-456C-9DD5-D9ECA5BDAC49}" srcOrd="2" destOrd="0" presId="urn:microsoft.com/office/officeart/2018/2/layout/IconCircleList"/>
-    <dgm:cxn modelId="{73FECAA7-6702-4D1C-ACA2-FE7FAD734348}" type="presParOf" srcId="{CF993226-061C-4C93-AF8B-40B9242D8D24}" destId="{32843F4B-0AAC-4118-B32B-B56B2359205E}" srcOrd="3" destOrd="0" presId="urn:microsoft.com/office/officeart/2018/2/layout/IconCircleList"/>
-    <dgm:cxn modelId="{D6E44029-0CB0-4B24-A4EF-98BA51948858}" type="presParOf" srcId="{39FB033E-3B55-424F-9DBA-B751B9900B5F}" destId="{FE368561-5001-4BCF-993C-1F3865BF0316}" srcOrd="1" destOrd="0" presId="urn:microsoft.com/office/officeart/2018/2/layout/IconCircleList"/>
-    <dgm:cxn modelId="{269B77CA-C182-4B25-BE45-A208F1969475}" type="presParOf" srcId="{39FB033E-3B55-424F-9DBA-B751B9900B5F}" destId="{54F96180-773B-4BC8-9AD5-124D008EE675}" srcOrd="2" destOrd="0" presId="urn:microsoft.com/office/officeart/2018/2/layout/IconCircleList"/>
-    <dgm:cxn modelId="{418C3852-7CE2-48FD-BC1F-2D0BABAB6016}" type="presParOf" srcId="{54F96180-773B-4BC8-9AD5-124D008EE675}" destId="{F11CBDAD-E7A4-45D9-9E8F-F538DF4C9DEA}" srcOrd="0" destOrd="0" presId="urn:microsoft.com/office/officeart/2018/2/layout/IconCircleList"/>
-    <dgm:cxn modelId="{FD7175F5-990B-43BD-9B35-3485CE6A0677}" type="presParOf" srcId="{54F96180-773B-4BC8-9AD5-124D008EE675}" destId="{9B91DBAE-2E9D-4B57-9085-1AFC42C2110E}" srcOrd="1" destOrd="0" presId="urn:microsoft.com/office/officeart/2018/2/layout/IconCircleList"/>
-    <dgm:cxn modelId="{A92D5713-301E-42BF-9A86-1DAB72BCAF83}" type="presParOf" srcId="{54F96180-773B-4BC8-9AD5-124D008EE675}" destId="{1FBACBEA-A9A2-43EA-8163-38771456D5AB}" srcOrd="2" destOrd="0" presId="urn:microsoft.com/office/officeart/2018/2/layout/IconCircleList"/>
-    <dgm:cxn modelId="{1245F416-6C25-45F6-923D-D640F1003796}" type="presParOf" srcId="{54F96180-773B-4BC8-9AD5-124D008EE675}" destId="{00134227-8405-40E7-B772-9526C9BDD5BD}" srcOrd="3" destOrd="0" presId="urn:microsoft.com/office/officeart/2018/2/layout/IconCircleList"/>
+    <dgm:cxn modelId="{7312C7CB-B9CF-4499-8220-7D39634698B3}" type="presOf" srcId="{450B7F6A-DA9E-4F4A-A457-2A9AE1F4C04C}" destId="{A6DE590C-B924-42B3-BD24-2968E8DC36ED}" srcOrd="0" destOrd="0" presId="urn:microsoft.com/office/officeart/2008/layout/LinedList"/>
+    <dgm:cxn modelId="{60A9D9FC-7D7C-4A02-AB06-8BDE78A5C9E3}" type="presOf" srcId="{45D24325-B9F0-45D6-8E89-F23C6917597B}" destId="{115CA024-5F7F-442D-9A31-C818DACC4E6A}" srcOrd="0" destOrd="0" presId="urn:microsoft.com/office/officeart/2008/layout/LinedList"/>
+    <dgm:cxn modelId="{2ADD2E17-CE02-4F66-BFB9-88782C45AD32}" type="presParOf" srcId="{A6DE590C-B924-42B3-BD24-2968E8DC36ED}" destId="{B29A6206-27A0-44FB-9270-DC040207D706}" srcOrd="0" destOrd="0" presId="urn:microsoft.com/office/officeart/2008/layout/LinedList"/>
+    <dgm:cxn modelId="{6579061E-2A92-4EF1-81C8-834A62F1B874}" type="presParOf" srcId="{A6DE590C-B924-42B3-BD24-2968E8DC36ED}" destId="{1800E991-F702-4C27-BA27-DA278954B4F2}" srcOrd="1" destOrd="0" presId="urn:microsoft.com/office/officeart/2008/layout/LinedList"/>
+    <dgm:cxn modelId="{6961C51E-52E8-4F5F-84F7-855F0B734F6F}" type="presParOf" srcId="{1800E991-F702-4C27-BA27-DA278954B4F2}" destId="{115CA024-5F7F-442D-9A31-C818DACC4E6A}" srcOrd="0" destOrd="0" presId="urn:microsoft.com/office/officeart/2008/layout/LinedList"/>
+    <dgm:cxn modelId="{1F4DDCC3-3ADA-47EF-A8FB-9A5DE95322C5}" type="presParOf" srcId="{1800E991-F702-4C27-BA27-DA278954B4F2}" destId="{90BFE9F2-8042-4FD6-8EFD-A2F60BA283ED}" srcOrd="1" destOrd="0" presId="urn:microsoft.com/office/officeart/2008/layout/LinedList"/>
+    <dgm:cxn modelId="{A1F1C19E-0CD0-4CB4-A18D-E9B2E294DBB9}" type="presParOf" srcId="{A6DE590C-B924-42B3-BD24-2968E8DC36ED}" destId="{A79A5D07-3E4A-4448-8D9A-9899736509B9}" srcOrd="2" destOrd="0" presId="urn:microsoft.com/office/officeart/2008/layout/LinedList"/>
+    <dgm:cxn modelId="{D91E1E34-E3D9-4AAB-A136-ED4B8E1A1035}" type="presParOf" srcId="{A6DE590C-B924-42B3-BD24-2968E8DC36ED}" destId="{4A77F77B-9375-4122-9564-2A8815C6A929}" srcOrd="3" destOrd="0" presId="urn:microsoft.com/office/officeart/2008/layout/LinedList"/>
+    <dgm:cxn modelId="{E3580DD8-A9F5-4A96-A6F3-99DFC2821057}" type="presParOf" srcId="{4A77F77B-9375-4122-9564-2A8815C6A929}" destId="{074DA93D-6D12-44FD-9B80-45648EF7BF1B}" srcOrd="0" destOrd="0" presId="urn:microsoft.com/office/officeart/2008/layout/LinedList"/>
+    <dgm:cxn modelId="{EE29F014-2413-4EB8-8A78-C48A47A2AC75}" type="presParOf" srcId="{4A77F77B-9375-4122-9564-2A8815C6A929}" destId="{F8A8357A-DE17-472D-97B5-43BA63A154F3}" srcOrd="1" destOrd="0" presId="urn:microsoft.com/office/officeart/2008/layout/LinedList"/>
   </dgm:cxnLst>
   <dgm:bg/>
   <dgm:whole/>
   <dgm:extLst>
     <a:ext uri="http://schemas.microsoft.com/office/drawing/2008/diagram">
-      <dsp:dataModelExt xmlns:dsp="http://schemas.microsoft.com/office/drawing/2008/diagram" relId="rId6" minVer="http://schemas.openxmlformats.org/drawingml/2006/diagram"/>
+      <dsp:dataModelExt xmlns:dsp="http://schemas.microsoft.com/office/drawing/2008/diagram" relId="rId8" minVer="http://schemas.openxmlformats.org/drawingml/2006/diagram"/>
     </a:ext>
   </dgm:extLst>
 </dgm:dataModel>
@@ -8653,88 +8745,79 @@
       <dsp:cNvGrpSpPr/>
     </dsp:nvGrpSpPr>
     <dsp:grpSpPr/>
-    <dsp:sp modelId="{14DA8DAF-C79C-4E74-BFCC-8BC5734403D8}">
+    <dsp:sp modelId="{B29A6206-27A0-44FB-9270-DC040207D706}">
       <dsp:nvSpPr>
         <dsp:cNvPr id="0" name=""/>
         <dsp:cNvSpPr/>
       </dsp:nvSpPr>
       <dsp:spPr>
         <a:xfrm>
-          <a:off x="289845" y="1329752"/>
-          <a:ext cx="1375920" cy="1375920"/>
+          <a:off x="0" y="0"/>
+          <a:ext cx="4349198" cy="0"/>
         </a:xfrm>
-        <a:prstGeom prst="ellipse">
+        <a:prstGeom prst="line">
           <a:avLst/>
         </a:prstGeom>
-        <a:solidFill>
-          <a:schemeClr val="accent2">
-            <a:hueOff val="0"/>
-            <a:satOff val="0"/>
-            <a:lumOff val="0"/>
-            <a:alphaOff val="0"/>
-          </a:schemeClr>
-        </a:solidFill>
-        <a:ln>
-          <a:noFill/>
-        </a:ln>
-        <a:effectLst/>
-      </dsp:spPr>
-      <dsp:style>
-        <a:lnRef idx="0">
-          <a:scrgbClr r="0" g="0" b="0"/>
-        </a:lnRef>
-        <a:fillRef idx="1">
-          <a:scrgbClr r="0" g="0" b="0"/>
-        </a:fillRef>
-        <a:effectRef idx="0">
-          <a:scrgbClr r="0" g="0" b="0"/>
-        </a:effectRef>
-        <a:fontRef idx="minor"/>
-      </dsp:style>
-    </dsp:sp>
-    <dsp:sp modelId="{FED46D31-A55D-4D27-974E-55C359CA70EB}">
-      <dsp:nvSpPr>
-        <dsp:cNvPr id="0" name=""/>
-        <dsp:cNvSpPr/>
-      </dsp:nvSpPr>
-      <dsp:spPr>
-        <a:xfrm>
-          <a:off x="578788" y="1618695"/>
-          <a:ext cx="798033" cy="798033"/>
-        </a:xfrm>
-        <a:prstGeom prst="rect">
-          <a:avLst/>
-        </a:prstGeom>
-        <a:blipFill>
-          <a:blip xmlns:r="http://schemas.openxmlformats.org/officeDocument/2006/relationships" r:embed="rId1">
-            <a:extLst>
-              <a:ext uri="{28A0092B-C50C-407E-A947-70E740481C1C}">
-                <a14:useLocalDpi xmlns:a14="http://schemas.microsoft.com/office/drawing/2010/main" val="0"/>
-              </a:ext>
-              <a:ext uri="{96DAC541-7B7A-43D3-8B79-37D633B846F1}">
-                <asvg:svgBlip xmlns:asvg="http://schemas.microsoft.com/office/drawing/2016/SVG/main" r:embed="rId2"/>
-              </a:ext>
-            </a:extLst>
-          </a:blip>
-          <a:stretch>
-            <a:fillRect/>
-          </a:stretch>
-        </a:blipFill>
-        <a:ln w="12700" cap="flat" cmpd="sng" algn="ctr">
-          <a:noFill/>
+        <a:gradFill rotWithShape="0">
+          <a:gsLst>
+            <a:gs pos="0">
+              <a:schemeClr val="accent2">
+                <a:hueOff val="0"/>
+                <a:satOff val="0"/>
+                <a:lumOff val="0"/>
+                <a:alphaOff val="0"/>
+                <a:satMod val="103000"/>
+                <a:lumMod val="102000"/>
+                <a:tint val="94000"/>
+              </a:schemeClr>
+            </a:gs>
+            <a:gs pos="50000">
+              <a:schemeClr val="accent2">
+                <a:hueOff val="0"/>
+                <a:satOff val="0"/>
+                <a:lumOff val="0"/>
+                <a:alphaOff val="0"/>
+                <a:satMod val="110000"/>
+                <a:lumMod val="100000"/>
+                <a:shade val="100000"/>
+              </a:schemeClr>
+            </a:gs>
+            <a:gs pos="100000">
+              <a:schemeClr val="accent2">
+                <a:hueOff val="0"/>
+                <a:satOff val="0"/>
+                <a:lumOff val="0"/>
+                <a:alphaOff val="0"/>
+                <a:lumMod val="99000"/>
+                <a:satMod val="120000"/>
+                <a:shade val="78000"/>
+              </a:schemeClr>
+            </a:gs>
+          </a:gsLst>
+          <a:lin ang="5400000" scaled="0"/>
+        </a:gradFill>
+        <a:ln w="6350" cap="flat" cmpd="sng" algn="ctr">
+          <a:solidFill>
+            <a:schemeClr val="accent2">
+              <a:hueOff val="0"/>
+              <a:satOff val="0"/>
+              <a:lumOff val="0"/>
+              <a:alphaOff val="0"/>
+            </a:schemeClr>
+          </a:solidFill>
           <a:prstDash val="solid"/>
           <a:miter lim="800000"/>
         </a:ln>
         <a:effectLst/>
       </dsp:spPr>
       <dsp:style>
-        <a:lnRef idx="2">
+        <a:lnRef idx="1">
           <a:scrgbClr r="0" g="0" b="0"/>
         </a:lnRef>
-        <a:fillRef idx="1">
+        <a:fillRef idx="3">
           <a:scrgbClr r="0" g="0" b="0"/>
         </a:fillRef>
-        <a:effectRef idx="0">
+        <a:effectRef idx="2">
           <a:scrgbClr r="0" g="0" b="0"/>
         </a:effectRef>
         <a:fontRef idx="minor">
@@ -8742,15 +8825,15 @@
         </a:fontRef>
       </dsp:style>
     </dsp:sp>
-    <dsp:sp modelId="{32843F4B-0AAC-4118-B32B-B56B2359205E}">
+    <dsp:sp modelId="{115CA024-5F7F-442D-9A31-C818DACC4E6A}">
       <dsp:nvSpPr>
         <dsp:cNvPr id="0" name=""/>
         <dsp:cNvSpPr/>
       </dsp:nvSpPr>
       <dsp:spPr>
         <a:xfrm>
-          <a:off x="1960605" y="1329752"/>
-          <a:ext cx="3243239" cy="1375920"/>
+          <a:off x="0" y="0"/>
+          <a:ext cx="4349198" cy="2516510"/>
         </a:xfrm>
         <a:prstGeom prst="rect">
           <a:avLst/>
@@ -8774,14 +8857,14 @@
         <a:fontRef idx="minor"/>
       </dsp:style>
       <dsp:txBody>
-        <a:bodyPr spcFirstLastPara="0" vert="horz" wrap="square" lIns="0" tIns="0" rIns="0" bIns="0" numCol="1" spcCol="1270" anchor="ctr" anchorCtr="0">
+        <a:bodyPr spcFirstLastPara="0" vert="horz" wrap="square" lIns="125730" tIns="125730" rIns="125730" bIns="125730" numCol="1" spcCol="1270" anchor="t" anchorCtr="0">
           <a:noAutofit/>
         </a:bodyPr>
         <a:lstStyle/>
         <a:p>
-          <a:pPr marL="0" lvl="0" indent="0" algn="l" defTabSz="1066800">
+          <a:pPr marL="0" lvl="0" indent="0" algn="l" defTabSz="1466850">
             <a:lnSpc>
-              <a:spcPct val="90000"/>
+              <a:spcPct val="100000"/>
             </a:lnSpc>
             <a:spcBef>
               <a:spcPct val="0"/>
@@ -8792,99 +8875,90 @@
             <a:buNone/>
           </a:pPr>
           <a:r>
-            <a:rPr lang="fr-FR" sz="2400" b="0" i="0" kern="1200"/>
+            <a:rPr lang="fr-FR" sz="3300" b="0" i="0" kern="1200"/>
             <a:t>Le DNS, ou Domain Name System, est comme l’annuaire d’Internet. </a:t>
           </a:r>
-          <a:endParaRPr lang="en-US" sz="2400" kern="1200"/>
+          <a:endParaRPr lang="en-US" sz="3300" kern="1200"/>
         </a:p>
       </dsp:txBody>
       <dsp:txXfrm>
-        <a:off x="1960605" y="1329752"/>
-        <a:ext cx="3243239" cy="1375920"/>
+        <a:off x="0" y="0"/>
+        <a:ext cx="4349198" cy="2516510"/>
       </dsp:txXfrm>
     </dsp:sp>
-    <dsp:sp modelId="{F11CBDAD-E7A4-45D9-9E8F-F538DF4C9DEA}">
+    <dsp:sp modelId="{A79A5D07-3E4A-4448-8D9A-9899736509B9}">
       <dsp:nvSpPr>
         <dsp:cNvPr id="0" name=""/>
         <dsp:cNvSpPr/>
       </dsp:nvSpPr>
       <dsp:spPr>
         <a:xfrm>
-          <a:off x="5768955" y="1329752"/>
-          <a:ext cx="1375920" cy="1375920"/>
+          <a:off x="0" y="2516510"/>
+          <a:ext cx="4349198" cy="0"/>
         </a:xfrm>
-        <a:prstGeom prst="ellipse">
+        <a:prstGeom prst="line">
           <a:avLst/>
         </a:prstGeom>
-        <a:solidFill>
-          <a:schemeClr val="accent3">
-            <a:hueOff val="0"/>
-            <a:satOff val="0"/>
-            <a:lumOff val="0"/>
-            <a:alphaOff val="0"/>
-          </a:schemeClr>
-        </a:solidFill>
-        <a:ln>
-          <a:noFill/>
-        </a:ln>
-        <a:effectLst/>
-      </dsp:spPr>
-      <dsp:style>
-        <a:lnRef idx="0">
-          <a:scrgbClr r="0" g="0" b="0"/>
-        </a:lnRef>
-        <a:fillRef idx="1">
-          <a:scrgbClr r="0" g="0" b="0"/>
-        </a:fillRef>
-        <a:effectRef idx="0">
-          <a:scrgbClr r="0" g="0" b="0"/>
-        </a:effectRef>
-        <a:fontRef idx="minor"/>
-      </dsp:style>
-    </dsp:sp>
-    <dsp:sp modelId="{9B91DBAE-2E9D-4B57-9085-1AFC42C2110E}">
-      <dsp:nvSpPr>
-        <dsp:cNvPr id="0" name=""/>
-        <dsp:cNvSpPr/>
-      </dsp:nvSpPr>
-      <dsp:spPr>
-        <a:xfrm>
-          <a:off x="6057898" y="1618695"/>
-          <a:ext cx="798033" cy="798033"/>
-        </a:xfrm>
-        <a:prstGeom prst="rect">
-          <a:avLst/>
-        </a:prstGeom>
-        <a:blipFill>
-          <a:blip xmlns:r="http://schemas.openxmlformats.org/officeDocument/2006/relationships" r:embed="rId3">
-            <a:extLst>
-              <a:ext uri="{28A0092B-C50C-407E-A947-70E740481C1C}">
-                <a14:useLocalDpi xmlns:a14="http://schemas.microsoft.com/office/drawing/2010/main" val="0"/>
-              </a:ext>
-              <a:ext uri="{96DAC541-7B7A-43D3-8B79-37D633B846F1}">
-                <asvg:svgBlip xmlns:asvg="http://schemas.microsoft.com/office/drawing/2016/SVG/main" r:embed="rId4"/>
-              </a:ext>
-            </a:extLst>
-          </a:blip>
-          <a:stretch>
-            <a:fillRect/>
-          </a:stretch>
-        </a:blipFill>
-        <a:ln w="12700" cap="flat" cmpd="sng" algn="ctr">
-          <a:noFill/>
+        <a:gradFill rotWithShape="0">
+          <a:gsLst>
+            <a:gs pos="0">
+              <a:schemeClr val="accent2">
+                <a:hueOff val="0"/>
+                <a:satOff val="0"/>
+                <a:lumOff val="0"/>
+                <a:alphaOff val="0"/>
+                <a:satMod val="103000"/>
+                <a:lumMod val="102000"/>
+                <a:tint val="94000"/>
+              </a:schemeClr>
+            </a:gs>
+            <a:gs pos="50000">
+              <a:schemeClr val="accent2">
+                <a:hueOff val="0"/>
+                <a:satOff val="0"/>
+                <a:lumOff val="0"/>
+                <a:alphaOff val="0"/>
+                <a:satMod val="110000"/>
+                <a:lumMod val="100000"/>
+                <a:shade val="100000"/>
+              </a:schemeClr>
+            </a:gs>
+            <a:gs pos="100000">
+              <a:schemeClr val="accent2">
+                <a:hueOff val="0"/>
+                <a:satOff val="0"/>
+                <a:lumOff val="0"/>
+                <a:alphaOff val="0"/>
+                <a:lumMod val="99000"/>
+                <a:satMod val="120000"/>
+                <a:shade val="78000"/>
+              </a:schemeClr>
+            </a:gs>
+          </a:gsLst>
+          <a:lin ang="5400000" scaled="0"/>
+        </a:gradFill>
+        <a:ln w="6350" cap="flat" cmpd="sng" algn="ctr">
+          <a:solidFill>
+            <a:schemeClr val="accent2">
+              <a:hueOff val="0"/>
+              <a:satOff val="0"/>
+              <a:lumOff val="0"/>
+              <a:alphaOff val="0"/>
+            </a:schemeClr>
+          </a:solidFill>
           <a:prstDash val="solid"/>
           <a:miter lim="800000"/>
         </a:ln>
         <a:effectLst/>
       </dsp:spPr>
       <dsp:style>
-        <a:lnRef idx="2">
+        <a:lnRef idx="1">
           <a:scrgbClr r="0" g="0" b="0"/>
         </a:lnRef>
-        <a:fillRef idx="1">
+        <a:fillRef idx="3">
           <a:scrgbClr r="0" g="0" b="0"/>
         </a:fillRef>
-        <a:effectRef idx="0">
+        <a:effectRef idx="2">
           <a:scrgbClr r="0" g="0" b="0"/>
         </a:effectRef>
         <a:fontRef idx="minor">
@@ -8892,15 +8966,15 @@
         </a:fontRef>
       </dsp:style>
     </dsp:sp>
-    <dsp:sp modelId="{00134227-8405-40E7-B772-9526C9BDD5BD}">
+    <dsp:sp modelId="{074DA93D-6D12-44FD-9B80-45648EF7BF1B}">
       <dsp:nvSpPr>
         <dsp:cNvPr id="0" name=""/>
         <dsp:cNvSpPr/>
       </dsp:nvSpPr>
       <dsp:spPr>
         <a:xfrm>
-          <a:off x="7439715" y="1329752"/>
-          <a:ext cx="3243239" cy="1375920"/>
+          <a:off x="0" y="2516510"/>
+          <a:ext cx="4349198" cy="2516510"/>
         </a:xfrm>
         <a:prstGeom prst="rect">
           <a:avLst/>
@@ -8924,14 +8998,14 @@
         <a:fontRef idx="minor"/>
       </dsp:style>
       <dsp:txBody>
-        <a:bodyPr spcFirstLastPara="0" vert="horz" wrap="square" lIns="0" tIns="0" rIns="0" bIns="0" numCol="1" spcCol="1270" anchor="ctr" anchorCtr="0">
+        <a:bodyPr spcFirstLastPara="0" vert="horz" wrap="square" lIns="125730" tIns="125730" rIns="125730" bIns="125730" numCol="1" spcCol="1270" anchor="t" anchorCtr="0">
           <a:noAutofit/>
         </a:bodyPr>
         <a:lstStyle/>
         <a:p>
-          <a:pPr marL="0" lvl="0" indent="0" algn="l" defTabSz="1066800">
+          <a:pPr marL="0" lvl="0" indent="0" algn="l" defTabSz="1466850">
             <a:lnSpc>
-              <a:spcPct val="90000"/>
+              <a:spcPct val="100000"/>
             </a:lnSpc>
             <a:spcBef>
               <a:spcPct val="0"/>
@@ -8942,15 +9016,15 @@
             <a:buNone/>
           </a:pPr>
           <a:r>
-            <a:rPr lang="fr-FR" sz="2400" b="0" i="0" kern="1200"/>
+            <a:rPr lang="fr-FR" sz="3300" b="0" i="0" kern="1200"/>
             <a:t>Son role est de traduire les noms de domaine comme google en adresse IP</a:t>
           </a:r>
-          <a:endParaRPr lang="en-US" sz="2400" kern="1200"/>
+          <a:endParaRPr lang="en-US" sz="3300" kern="1200"/>
         </a:p>
       </dsp:txBody>
       <dsp:txXfrm>
-        <a:off x="7439715" y="1329752"/>
-        <a:ext cx="3243239" cy="1375920"/>
+        <a:off x="0" y="2516510"/>
+        <a:ext cx="4349198" cy="2516510"/>
       </dsp:txXfrm>
     </dsp:sp>
   </dsp:spTree>
@@ -10673,214 +10747,468 @@
 </file>
 
 <file path=ppt/diagrams/layout3.xml><?xml version="1.0" encoding="utf-8"?>
-<dgm:layoutDef xmlns:dgm="http://schemas.openxmlformats.org/drawingml/2006/diagram" xmlns:a="http://schemas.openxmlformats.org/drawingml/2006/main" uniqueId="urn:microsoft.com/office/officeart/2018/2/layout/IconCircleList">
-  <dgm:title val="Icon Circle List"/>
-  <dgm:desc val="Use to show non-sequential or grouped chunks of information accompanied by related visuals. Circular shapes can hold an icon or small picture and corresponding text box shows Level 1 text. Works best for icons or small pictures with medium-length descriptions."/>
+<dgm:layoutDef xmlns:dgm="http://schemas.openxmlformats.org/drawingml/2006/diagram" xmlns:a="http://schemas.openxmlformats.org/drawingml/2006/main" uniqueId="urn:microsoft.com/office/officeart/2008/layout/LinedList">
+  <dgm:title val=""/>
+  <dgm:desc val=""/>
   <dgm:catLst>
-    <dgm:cat type="icon" pri="500"/>
+    <dgm:cat type="hierarchy" pri="8000"/>
+    <dgm:cat type="list" pri="2500"/>
   </dgm:catLst>
-  <dgm:sampData useDef="1">
+  <dgm:sampData>
     <dgm:dataModel>
-      <dgm:ptLst/>
+      <dgm:ptLst>
+        <dgm:pt modelId="0" type="doc"/>
+        <dgm:pt modelId="1">
+          <dgm:prSet phldr="1"/>
+        </dgm:pt>
+        <dgm:pt modelId="11">
+          <dgm:prSet phldr="1"/>
+        </dgm:pt>
+        <dgm:pt modelId="12">
+          <dgm:prSet phldr="1"/>
+        </dgm:pt>
+        <dgm:pt modelId="13">
+          <dgm:prSet phldr="1"/>
+        </dgm:pt>
+      </dgm:ptLst>
+      <dgm:cxnLst>
+        <dgm:cxn modelId="2" srcId="0" destId="1" srcOrd="0" destOrd="0"/>
+        <dgm:cxn modelId="3" srcId="1" destId="11" srcOrd="0" destOrd="0"/>
+        <dgm:cxn modelId="4" srcId="1" destId="12" srcOrd="1" destOrd="0"/>
+        <dgm:cxn modelId="5" srcId="1" destId="13" srcOrd="2" destOrd="0"/>
+      </dgm:cxnLst>
       <dgm:bg/>
       <dgm:whole/>
     </dgm:dataModel>
   </dgm:sampData>
-  <dgm:styleData useDef="1">
+  <dgm:styleData>
     <dgm:dataModel>
-      <dgm:ptLst/>
+      <dgm:ptLst>
+        <dgm:pt modelId="0" type="doc"/>
+        <dgm:pt modelId="1">
+          <dgm:prSet phldr="1"/>
+        </dgm:pt>
+        <dgm:pt modelId="11">
+          <dgm:prSet phldr="1"/>
+        </dgm:pt>
+        <dgm:pt modelId="12">
+          <dgm:prSet phldr="1"/>
+        </dgm:pt>
+      </dgm:ptLst>
+      <dgm:cxnLst>
+        <dgm:cxn modelId="2" srcId="0" destId="1" srcOrd="0" destOrd="0"/>
+        <dgm:cxn modelId="3" srcId="1" destId="11" srcOrd="0" destOrd="0"/>
+        <dgm:cxn modelId="4" srcId="1" destId="12" srcOrd="1" destOrd="0"/>
+      </dgm:cxnLst>
       <dgm:bg/>
       <dgm:whole/>
     </dgm:dataModel>
   </dgm:styleData>
-  <dgm:clrData useDef="1">
+  <dgm:clrData>
     <dgm:dataModel>
-      <dgm:ptLst/>
+      <dgm:ptLst>
+        <dgm:pt modelId="0" type="doc"/>
+        <dgm:pt modelId="1">
+          <dgm:prSet phldr="1"/>
+        </dgm:pt>
+        <dgm:pt modelId="11">
+          <dgm:prSet phldr="1"/>
+        </dgm:pt>
+        <dgm:pt modelId="12">
+          <dgm:prSet phldr="1"/>
+        </dgm:pt>
+      </dgm:ptLst>
+      <dgm:cxnLst>
+        <dgm:cxn modelId="2" srcId="0" destId="1" srcOrd="0" destOrd="0"/>
+        <dgm:cxn modelId="3" srcId="1" destId="11" srcOrd="0" destOrd="0"/>
+        <dgm:cxn modelId="4" srcId="1" destId="12" srcOrd="1" destOrd="0"/>
+      </dgm:cxnLst>
       <dgm:bg/>
       <dgm:whole/>
     </dgm:dataModel>
   </dgm:clrData>
-  <dgm:layoutNode name="root">
+  <dgm:layoutNode name="vert0">
     <dgm:varLst>
       <dgm:dir/>
-      <dgm:resizeHandles val="exact"/>
+      <dgm:animOne val="branch"/>
+      <dgm:animLvl val="lvl"/>
     </dgm:varLst>
-    <dgm:alg type="sp"/>
+    <dgm:choose name="Name0">
+      <dgm:if name="Name1" func="var" arg="dir" op="equ" val="norm">
+        <dgm:alg type="lin">
+          <dgm:param type="linDir" val="fromT"/>
+          <dgm:param type="nodeHorzAlign" val="l"/>
+        </dgm:alg>
+      </dgm:if>
+      <dgm:else name="Name2">
+        <dgm:alg type="lin">
+          <dgm:param type="linDir" val="fromT"/>
+          <dgm:param type="nodeHorzAlign" val="r"/>
+        </dgm:alg>
+      </dgm:else>
+    </dgm:choose>
     <dgm:shape xmlns:r="http://schemas.openxmlformats.org/officeDocument/2006/relationships" r:blip="">
       <dgm:adjLst/>
     </dgm:shape>
     <dgm:presOf/>
-    <dgm:choose name="Name0">
-      <dgm:if name="Name1" axis="ch" ptType="node" func="cnt" op="lte" val="3">
-        <dgm:constrLst>
-          <dgm:constr type="w" for="ch" forName="container" refType="w"/>
-          <dgm:constr type="h" for="ch" forName="container" refType="h" fact="0.4"/>
-        </dgm:constrLst>
-      </dgm:if>
-      <dgm:else name="Name2">
-        <dgm:constrLst>
-          <dgm:constr type="w" for="ch" forName="container" refType="w"/>
-          <dgm:constr type="h" for="ch" forName="container" refType="h"/>
-        </dgm:constrLst>
-      </dgm:else>
-    </dgm:choose>
-    <dgm:ruleLst>
-      <dgm:rule type="h" for="ch" forName="container" val="INF" fact="NaN" max="NaN"/>
-    </dgm:ruleLst>
-    <dgm:layoutNode name="container">
-      <dgm:varLst>
-        <dgm:dir/>
-        <dgm:resizeHandles val="exact"/>
-      </dgm:varLst>
-      <dgm:choose name="Name3">
-        <dgm:if name="Name4" axis="self" func="var" arg="dir" op="equ" val="norm">
-          <dgm:alg type="snake">
-            <dgm:param type="grDir" val="tL"/>
-            <dgm:param type="flowDir" val="row"/>
-            <dgm:param type="contDir" val="sameDir"/>
+    <dgm:constrLst>
+      <dgm:constr type="w" for="ch" forName="horz1" refType="w"/>
+      <dgm:constr type="h" for="ch" forName="horz1" refType="h"/>
+      <dgm:constr type="h" for="des" forName="vert1" refType="h"/>
+      <dgm:constr type="h" for="des" forName="tx1" refType="h"/>
+      <dgm:constr type="h" for="des" forName="horz2" refType="h"/>
+      <dgm:constr type="h" for="des" forName="vert2" refType="h"/>
+      <dgm:constr type="h" for="des" forName="horz3" refType="h"/>
+      <dgm:constr type="h" for="des" forName="vert3" refType="h"/>
+      <dgm:constr type="h" for="des" forName="horz4" refType="h"/>
+      <dgm:constr type="h" for="des" ptType="node" refType="h"/>
+      <dgm:constr type="primFontSz" for="des" forName="tx1" op="equ" val="65"/>
+      <dgm:constr type="primFontSz" for="des" forName="tx2" op="equ" val="65"/>
+      <dgm:constr type="primFontSz" for="des" forName="tx3" op="equ" val="65"/>
+      <dgm:constr type="primFontSz" for="des" forName="tx4" op="equ" val="65"/>
+      <dgm:constr type="w" for="des" forName="thickLine" refType="w"/>
+      <dgm:constr type="h" for="des" forName="thickLine"/>
+      <dgm:constr type="h" for="des" forName="thinLine1"/>
+      <dgm:constr type="h" for="des" forName="thinLine2b"/>
+      <dgm:constr type="h" for="des" forName="thinLine3"/>
+      <dgm:constr type="h" for="des" forName="vertSpace2a" refType="h" fact="0.05"/>
+      <dgm:constr type="h" for="des" forName="vertSpace2b" refType="h" refFor="des" refForName="vertSpace2a"/>
+    </dgm:constrLst>
+    <dgm:forEach name="Name3" axis="ch" ptType="node">
+      <dgm:layoutNode name="thickLine" styleLbl="alignNode1">
+        <dgm:alg type="sp"/>
+        <dgm:shape xmlns:r="http://schemas.openxmlformats.org/officeDocument/2006/relationships" type="line" r:blip="">
+          <dgm:adjLst/>
+        </dgm:shape>
+        <dgm:presOf/>
+      </dgm:layoutNode>
+      <dgm:layoutNode name="horz1">
+        <dgm:choose name="Name4">
+          <dgm:if name="Name5" func="var" arg="dir" op="equ" val="norm">
+            <dgm:alg type="lin">
+              <dgm:param type="linDir" val="fromL"/>
+              <dgm:param type="nodeVertAlign" val="t"/>
+            </dgm:alg>
+          </dgm:if>
+          <dgm:else name="Name6">
+            <dgm:alg type="lin">
+              <dgm:param type="linDir" val="fromR"/>
+              <dgm:param type="nodeVertAlign" val="t"/>
+            </dgm:alg>
+          </dgm:else>
+        </dgm:choose>
+        <dgm:shape xmlns:r="http://schemas.openxmlformats.org/officeDocument/2006/relationships" r:blip="">
+          <dgm:adjLst/>
+        </dgm:shape>
+        <dgm:presOf/>
+        <dgm:choose name="Name7">
+          <dgm:if name="Name8" axis="root des" func="maxDepth" op="equ" val="1">
+            <dgm:constrLst>
+              <dgm:constr type="w" for="ch" forName="tx1" refType="w"/>
+            </dgm:constrLst>
+          </dgm:if>
+          <dgm:if name="Name9" axis="root des" func="maxDepth" op="equ" val="2">
+            <dgm:constrLst>
+              <dgm:constr type="w" for="ch" forName="tx1" refType="w" fact="0.2"/>
+              <dgm:constr type="w" for="des" forName="tx2" refType="w" fact="0.785"/>
+              <dgm:constr type="w" for="des" forName="horzSpace2" refType="w" fact="0.015"/>
+              <dgm:constr type="w" for="des" forName="thinLine2b" refType="w" fact="0.8"/>
+            </dgm:constrLst>
+          </dgm:if>
+          <dgm:if name="Name10" axis="root des" func="maxDepth" op="equ" val="3">
+            <dgm:constrLst>
+              <dgm:constr type="w" for="ch" forName="tx1" refType="w" fact="0.2"/>
+              <dgm:constr type="w" for="des" forName="tx2" refType="w" fact="0.385"/>
+              <dgm:constr type="w" for="des" forName="tx3" refType="w" fact="0.385"/>
+              <dgm:constr type="w" for="des" forName="horzSpace2" refType="w" fact="0.015"/>
+              <dgm:constr type="w" for="des" forName="horzSpace3" refType="w" fact="0.015"/>
+              <dgm:constr type="w" for="des" forName="thinLine2b" refType="w" fact="0.8"/>
+              <dgm:constr type="w" for="des" forName="thinLine3" refType="w" fact="0.385"/>
+            </dgm:constrLst>
+          </dgm:if>
+          <dgm:if name="Name11" axis="root des" func="maxDepth" op="gte" val="4">
+            <dgm:constrLst>
+              <dgm:constr type="w" for="ch" forName="tx1" refType="w" fact="0.2"/>
+              <dgm:constr type="w" for="des" forName="tx2" refType="w" fact="0.2516"/>
+              <dgm:constr type="w" for="des" forName="tx3" refType="w" fact="0.2516"/>
+              <dgm:constr type="w" for="des" forName="tx4" refType="w" fact="0.2516"/>
+              <dgm:constr type="w" for="des" forName="horzSpace2" refType="w" fact="0.015"/>
+              <dgm:constr type="w" for="des" forName="horzSpace3" refType="w" fact="0.015"/>
+              <dgm:constr type="w" for="des" forName="horzSpace4" refType="w" fact="0.015"/>
+              <dgm:constr type="w" for="des" forName="thinLine2b" refType="w" fact="0.8"/>
+              <dgm:constr type="w" for="des" forName="thinLine3" refType="w" fact="0.5332"/>
+            </dgm:constrLst>
+          </dgm:if>
+          <dgm:else name="Name12"/>
+        </dgm:choose>
+        <dgm:layoutNode name="tx1" styleLbl="revTx">
+          <dgm:alg type="tx">
+            <dgm:param type="parTxLTRAlign" val="l"/>
+            <dgm:param type="parTxRTLAlign" val="r"/>
+            <dgm:param type="txAnchorVert" val="t"/>
           </dgm:alg>
-        </dgm:if>
-        <dgm:else name="Name5">
-          <dgm:alg type="snake">
-            <dgm:param type="grDir" val="tR"/>
-            <dgm:param type="flowDir" val="row"/>
-            <dgm:param type="contDir" val="sameDir"/>
-          </dgm:alg>
-        </dgm:else>
-      </dgm:choose>
-      <dgm:shape xmlns:r="http://schemas.openxmlformats.org/officeDocument/2006/relationships" r:blip="">
-        <dgm:adjLst/>
-      </dgm:shape>
-      <dgm:presOf/>
-      <dgm:constrLst>
-        <dgm:constr type="w" for="ch" forName="compNode" refType="w"/>
-        <dgm:constr type="h" for="ch" forName="compNode" refType="w" fact="0.28"/>
-        <dgm:constr type="w" for="ch" forName="sibTrans" refType="w" refFor="ch" refForName="compNode" fact="0.115"/>
-        <dgm:constr type="sp" refType="h" op="equ" fact="0.17"/>
-        <dgm:constr type="primFontSz" for="des" ptType="node" op="equ" val="24"/>
-        <dgm:constr type="h" for="des" forName="compNode" op="equ"/>
-        <dgm:constr type="h" for="des" forName="iconBgRect" op="equ"/>
-      </dgm:constrLst>
-      <dgm:ruleLst>
-        <dgm:rule type="w" for="ch" forName="compNode" val="60" fact="NaN" max="NaN"/>
-      </dgm:ruleLst>
-      <dgm:forEach name="Name6" axis="ch" ptType="node">
-        <dgm:layoutNode name="compNode">
-          <dgm:alg type="composite"/>
-          <dgm:shape xmlns:r="http://schemas.openxmlformats.org/officeDocument/2006/relationships" r:blip="">
+          <dgm:shape xmlns:r="http://schemas.openxmlformats.org/officeDocument/2006/relationships" type="rect" r:blip="">
             <dgm:adjLst/>
           </dgm:shape>
           <dgm:presOf axis="self"/>
           <dgm:constrLst>
-            <dgm:constr type="w" for="ch" forName="iconBgRect" refType="w" fact="0.28"/>
-            <dgm:constr type="h" for="ch" forName="iconBgRect" refType="w" refFor="ch" refForName="iconBgRect"/>
-            <dgm:constr type="t" for="ch" forName="iconBgRect"/>
-            <dgm:constr type="l" for="ch" forName="iconBgRect"/>
-            <dgm:constr type="w" for="ch" forName="iconRect" refType="w" refFor="ch" refForName="iconBgRect" fact="0.58"/>
-            <dgm:constr type="h" for="ch" forName="iconRect" refType="w" refFor="ch" refForName="iconRect"/>
-            <dgm:constr type="ctrX" for="ch" forName="iconRect" refType="ctrX" refFor="ch" refForName="iconBgRect"/>
-            <dgm:constr type="ctrY" for="ch" forName="iconRect" refType="ctrY" refFor="ch" refForName="iconBgRect"/>
-            <dgm:constr type="w" for="ch" forName="spaceRect" refType="w" fact="0.06"/>
-            <dgm:constr type="h" for="ch" forName="spaceRect" refType="h" refFor="ch" refForName="iconBgRect"/>
-            <dgm:constr type="t" for="ch" forName="spaceRect" refType="t" refFor="ch" refForName="iconBgRect"/>
-            <dgm:constr type="l" for="ch" forName="spaceRect" refType="r" refFor="ch" refForName="iconBgRect"/>
-            <dgm:constr type="h" for="ch" forName="textRect" refType="h" refFor="ch" refForName="iconBgRect"/>
-            <dgm:constr type="t" for="ch" forName="textRect" refType="t" refFor="ch" refForName="iconBgRect"/>
-            <dgm:constr type="l" for="ch" forName="textRect" refType="r" refFor="ch" refForName="spaceRect"/>
+            <dgm:constr type="tMarg" refType="primFontSz" fact="0.3"/>
+            <dgm:constr type="bMarg" refType="primFontSz" fact="0.3"/>
+            <dgm:constr type="lMarg" refType="primFontSz" fact="0.3"/>
+            <dgm:constr type="rMarg" refType="primFontSz" fact="0.3"/>
           </dgm:constrLst>
-          <dgm:ruleLst/>
-          <dgm:layoutNode name="iconBgRect" styleLbl="bgShp">
-            <dgm:alg type="sp"/>
-            <dgm:shape xmlns:r="http://schemas.openxmlformats.org/officeDocument/2006/relationships" type="ellipse" r:blip="">
-              <dgm:adjLst/>
-            </dgm:shape>
-            <dgm:presOf/>
-            <dgm:constrLst/>
-            <dgm:ruleLst/>
-          </dgm:layoutNode>
-          <dgm:layoutNode name="iconRect" styleLbl="node1">
-            <dgm:alg type="sp"/>
-            <dgm:shape xmlns:r="http://schemas.openxmlformats.org/officeDocument/2006/relationships" type="rect" r:blip="" blipPhldr="1">
-              <dgm:adjLst/>
-            </dgm:shape>
-            <dgm:presOf/>
-            <dgm:constrLst/>
-            <dgm:ruleLst/>
-          </dgm:layoutNode>
-          <dgm:layoutNode name="spaceRect">
-            <dgm:alg type="sp"/>
-            <dgm:shape xmlns:r="http://schemas.openxmlformats.org/officeDocument/2006/relationships" r:blip="">
-              <dgm:adjLst/>
-            </dgm:shape>
-            <dgm:presOf/>
-            <dgm:constrLst/>
-            <dgm:ruleLst/>
-          </dgm:layoutNode>
-          <dgm:layoutNode name="textRect" styleLbl="revTx">
-            <dgm:varLst>
-              <dgm:chMax val="1"/>
-              <dgm:chPref val="1"/>
-            </dgm:varLst>
-            <dgm:choose name="Name7">
-              <dgm:if name="Name8" func="var" arg="dir" op="equ" val="norm">
+          <dgm:ruleLst>
+            <dgm:rule type="primFontSz" val="5" fact="NaN" max="NaN"/>
+          </dgm:ruleLst>
+        </dgm:layoutNode>
+        <dgm:layoutNode name="vert1">
+          <dgm:choose name="Name13">
+            <dgm:if name="Name14" func="var" arg="dir" op="equ" val="norm">
+              <dgm:alg type="lin">
+                <dgm:param type="linDir" val="fromT"/>
+                <dgm:param type="nodeHorzAlign" val="l"/>
+              </dgm:alg>
+            </dgm:if>
+            <dgm:else name="Name15">
+              <dgm:alg type="lin">
+                <dgm:param type="linDir" val="fromT"/>
+                <dgm:param type="nodeHorzAlign" val="r"/>
+              </dgm:alg>
+            </dgm:else>
+          </dgm:choose>
+          <dgm:shape xmlns:r="http://schemas.openxmlformats.org/officeDocument/2006/relationships" r:blip="">
+            <dgm:adjLst/>
+          </dgm:shape>
+          <dgm:presOf/>
+          <dgm:forEach name="Name16" axis="ch" ptType="node">
+            <dgm:choose name="Name17">
+              <dgm:if name="Name18" axis="self" ptType="node" func="pos" op="equ" val="1">
+                <dgm:layoutNode name="vertSpace2a">
+                  <dgm:alg type="sp"/>
+                  <dgm:shape xmlns:r="http://schemas.openxmlformats.org/officeDocument/2006/relationships" r:blip="">
+                    <dgm:adjLst/>
+                  </dgm:shape>
+                  <dgm:presOf/>
+                </dgm:layoutNode>
+              </dgm:if>
+              <dgm:else name="Name19"/>
+            </dgm:choose>
+            <dgm:layoutNode name="horz2">
+              <dgm:choose name="Name20">
+                <dgm:if name="Name21" func="var" arg="dir" op="equ" val="norm">
+                  <dgm:alg type="lin">
+                    <dgm:param type="linDir" val="fromL"/>
+                    <dgm:param type="nodeVertAlign" val="t"/>
+                  </dgm:alg>
+                </dgm:if>
+                <dgm:else name="Name22">
+                  <dgm:alg type="lin">
+                    <dgm:param type="linDir" val="fromR"/>
+                    <dgm:param type="nodeVertAlign" val="t"/>
+                  </dgm:alg>
+                </dgm:else>
+              </dgm:choose>
+              <dgm:shape xmlns:r="http://schemas.openxmlformats.org/officeDocument/2006/relationships" r:blip="">
+                <dgm:adjLst/>
+              </dgm:shape>
+              <dgm:presOf/>
+              <dgm:layoutNode name="horzSpace2">
+                <dgm:alg type="sp"/>
+                <dgm:shape xmlns:r="http://schemas.openxmlformats.org/officeDocument/2006/relationships" r:blip="">
+                  <dgm:adjLst/>
+                </dgm:shape>
+                <dgm:presOf/>
+              </dgm:layoutNode>
+              <dgm:layoutNode name="tx2" styleLbl="revTx">
                 <dgm:alg type="tx">
-                  <dgm:param type="txAnchorVert" val="mid"/>
                   <dgm:param type="parTxLTRAlign" val="l"/>
-                  <dgm:param type="shpTxLTRAlignCh" val="l"/>
-                  <dgm:param type="parTxRTLAlign" val="l"/>
-                  <dgm:param type="shpTxRTLAlignCh" val="l"/>
+                  <dgm:param type="parTxRTLAlign" val="r"/>
+                  <dgm:param type="txAnchorVert" val="t"/>
                 </dgm:alg>
-              </dgm:if>
-              <dgm:else name="Name9">
-                <dgm:alg type="tx">
-                  <dgm:param type="txAnchorVert" val="mid"/>
-                  <dgm:param type="parTxLTRAlign" val="r"/>
-                  <dgm:param type="shpTxLTRAlignCh" val="r"/>
-                  <dgm:param type="parTxRTLAlign" val="r"/>
-                  <dgm:param type="shpTxRTLAlignCh" val="r"/>
-                </dgm:alg>
-              </dgm:else>
-            </dgm:choose>
-            <dgm:shape xmlns:r="http://schemas.openxmlformats.org/officeDocument/2006/relationships" type="rect" r:blip="">
-              <dgm:adjLst/>
-            </dgm:shape>
-            <dgm:presOf axis="self" ptType="node"/>
-            <dgm:constrLst>
-              <dgm:constr type="lMarg"/>
-              <dgm:constr type="rMarg"/>
-              <dgm:constr type="tMarg"/>
-              <dgm:constr type="bMarg"/>
-            </dgm:constrLst>
-            <dgm:ruleLst>
-              <dgm:rule type="primFontSz" val="11" fact="NaN" max="NaN"/>
-            </dgm:ruleLst>
-          </dgm:layoutNode>
+                <dgm:shape xmlns:r="http://schemas.openxmlformats.org/officeDocument/2006/relationships" type="rect" r:blip="">
+                  <dgm:adjLst/>
+                </dgm:shape>
+                <dgm:presOf axis="self"/>
+                <dgm:constrLst>
+                  <dgm:constr type="tMarg" refType="primFontSz" fact="0.3"/>
+                  <dgm:constr type="bMarg" refType="primFontSz" fact="0.3"/>
+                  <dgm:constr type="lMarg" refType="primFontSz" fact="0.3"/>
+                  <dgm:constr type="rMarg" refType="primFontSz" fact="0.3"/>
+                </dgm:constrLst>
+                <dgm:ruleLst>
+                  <dgm:rule type="primFontSz" val="5" fact="NaN" max="NaN"/>
+                </dgm:ruleLst>
+              </dgm:layoutNode>
+              <dgm:layoutNode name="vert2">
+                <dgm:choose name="Name23">
+                  <dgm:if name="Name24" func="var" arg="dir" op="equ" val="norm">
+                    <dgm:alg type="lin">
+                      <dgm:param type="linDir" val="fromT"/>
+                      <dgm:param type="nodeHorzAlign" val="l"/>
+                    </dgm:alg>
+                  </dgm:if>
+                  <dgm:else name="Name25">
+                    <dgm:alg type="lin">
+                      <dgm:param type="linDir" val="fromT"/>
+                      <dgm:param type="nodeHorzAlign" val="r"/>
+                    </dgm:alg>
+                  </dgm:else>
+                </dgm:choose>
+                <dgm:shape xmlns:r="http://schemas.openxmlformats.org/officeDocument/2006/relationships" r:blip="">
+                  <dgm:adjLst/>
+                </dgm:shape>
+                <dgm:presOf/>
+                <dgm:forEach name="Name26" axis="ch" ptType="node">
+                  <dgm:layoutNode name="horz3">
+                    <dgm:choose name="Name27">
+                      <dgm:if name="Name28" func="var" arg="dir" op="equ" val="norm">
+                        <dgm:alg type="lin">
+                          <dgm:param type="linDir" val="fromL"/>
+                          <dgm:param type="nodeVertAlign" val="t"/>
+                        </dgm:alg>
+                      </dgm:if>
+                      <dgm:else name="Name29">
+                        <dgm:alg type="lin">
+                          <dgm:param type="linDir" val="fromR"/>
+                          <dgm:param type="nodeVertAlign" val="t"/>
+                        </dgm:alg>
+                      </dgm:else>
+                    </dgm:choose>
+                    <dgm:shape xmlns:r="http://schemas.openxmlformats.org/officeDocument/2006/relationships" r:blip="">
+                      <dgm:adjLst/>
+                    </dgm:shape>
+                    <dgm:presOf/>
+                    <dgm:layoutNode name="horzSpace3">
+                      <dgm:alg type="sp"/>
+                      <dgm:shape xmlns:r="http://schemas.openxmlformats.org/officeDocument/2006/relationships" r:blip="">
+                        <dgm:adjLst/>
+                      </dgm:shape>
+                      <dgm:presOf/>
+                    </dgm:layoutNode>
+                    <dgm:layoutNode name="tx3" styleLbl="revTx">
+                      <dgm:alg type="tx">
+                        <dgm:param type="parTxLTRAlign" val="l"/>
+                        <dgm:param type="parTxRTLAlign" val="r"/>
+                        <dgm:param type="txAnchorVert" val="t"/>
+                      </dgm:alg>
+                      <dgm:shape xmlns:r="http://schemas.openxmlformats.org/officeDocument/2006/relationships" type="rect" r:blip="">
+                        <dgm:adjLst/>
+                      </dgm:shape>
+                      <dgm:presOf axis="self"/>
+                      <dgm:constrLst>
+                        <dgm:constr type="tMarg" refType="primFontSz" fact="0.3"/>
+                        <dgm:constr type="bMarg" refType="primFontSz" fact="0.3"/>
+                        <dgm:constr type="lMarg" refType="primFontSz" fact="0.3"/>
+                        <dgm:constr type="rMarg" refType="primFontSz" fact="0.3"/>
+                      </dgm:constrLst>
+                      <dgm:ruleLst>
+                        <dgm:rule type="primFontSz" val="5" fact="NaN" max="NaN"/>
+                      </dgm:ruleLst>
+                    </dgm:layoutNode>
+                    <dgm:layoutNode name="vert3">
+                      <dgm:choose name="Name30">
+                        <dgm:if name="Name31" func="var" arg="dir" op="equ" val="norm">
+                          <dgm:alg type="lin">
+                            <dgm:param type="linDir" val="fromT"/>
+                            <dgm:param type="nodeHorzAlign" val="l"/>
+                          </dgm:alg>
+                        </dgm:if>
+                        <dgm:else name="Name32">
+                          <dgm:alg type="lin">
+                            <dgm:param type="linDir" val="fromT"/>
+                            <dgm:param type="nodeHorzAlign" val="r"/>
+                          </dgm:alg>
+                        </dgm:else>
+                      </dgm:choose>
+                      <dgm:shape xmlns:r="http://schemas.openxmlformats.org/officeDocument/2006/relationships" r:blip="">
+                        <dgm:adjLst/>
+                      </dgm:shape>
+                      <dgm:presOf/>
+                      <dgm:forEach name="Name33" axis="ch" ptType="node">
+                        <dgm:layoutNode name="horz4">
+                          <dgm:choose name="Name34">
+                            <dgm:if name="Name35" func="var" arg="dir" op="equ" val="norm">
+                              <dgm:alg type="lin">
+                                <dgm:param type="linDir" val="fromL"/>
+                                <dgm:param type="nodeVertAlign" val="t"/>
+                              </dgm:alg>
+                            </dgm:if>
+                            <dgm:else name="Name36">
+                              <dgm:alg type="lin">
+                                <dgm:param type="linDir" val="fromR"/>
+                                <dgm:param type="nodeVertAlign" val="t"/>
+                              </dgm:alg>
+                            </dgm:else>
+                          </dgm:choose>
+                          <dgm:shape xmlns:r="http://schemas.openxmlformats.org/officeDocument/2006/relationships" r:blip="">
+                            <dgm:adjLst/>
+                          </dgm:shape>
+                          <dgm:presOf/>
+                          <dgm:layoutNode name="horzSpace4">
+                            <dgm:alg type="sp"/>
+                            <dgm:shape xmlns:r="http://schemas.openxmlformats.org/officeDocument/2006/relationships" r:blip="">
+                              <dgm:adjLst/>
+                            </dgm:shape>
+                            <dgm:presOf/>
+                          </dgm:layoutNode>
+                          <dgm:layoutNode name="tx4" styleLbl="revTx">
+                            <dgm:varLst>
+                              <dgm:bulletEnabled val="1"/>
+                            </dgm:varLst>
+                            <dgm:alg type="tx">
+                              <dgm:param type="parTxLTRAlign" val="l"/>
+                              <dgm:param type="parTxRTLAlign" val="r"/>
+                              <dgm:param type="txAnchorVert" val="t"/>
+                            </dgm:alg>
+                            <dgm:shape xmlns:r="http://schemas.openxmlformats.org/officeDocument/2006/relationships" type="rect" r:blip="">
+                              <dgm:adjLst/>
+                            </dgm:shape>
+                            <dgm:presOf axis="desOrSelf" ptType="node"/>
+                            <dgm:constrLst>
+                              <dgm:constr type="tMarg" refType="primFontSz" fact="0.3"/>
+                              <dgm:constr type="bMarg" refType="primFontSz" fact="0.3"/>
+                              <dgm:constr type="lMarg" refType="primFontSz" fact="0.3"/>
+                              <dgm:constr type="rMarg" refType="primFontSz" fact="0.3"/>
+                            </dgm:constrLst>
+                            <dgm:ruleLst>
+                              <dgm:rule type="primFontSz" val="5" fact="NaN" max="NaN"/>
+                            </dgm:ruleLst>
+                          </dgm:layoutNode>
+                        </dgm:layoutNode>
+                      </dgm:forEach>
+                    </dgm:layoutNode>
+                  </dgm:layoutNode>
+                  <dgm:forEach name="Name37" axis="followSib" ptType="sibTrans" cnt="1">
+                    <dgm:layoutNode name="thinLine3" styleLbl="callout">
+                      <dgm:alg type="sp"/>
+                      <dgm:shape xmlns:r="http://schemas.openxmlformats.org/officeDocument/2006/relationships" type="line" r:blip="">
+                        <dgm:adjLst/>
+                      </dgm:shape>
+                      <dgm:presOf/>
+                    </dgm:layoutNode>
+                  </dgm:forEach>
+                </dgm:forEach>
+              </dgm:layoutNode>
+            </dgm:layoutNode>
+            <dgm:layoutNode name="thinLine2b" styleLbl="callout">
+              <dgm:alg type="sp"/>
+              <dgm:shape xmlns:r="http://schemas.openxmlformats.org/officeDocument/2006/relationships" type="line" r:blip="">
+                <dgm:adjLst/>
+              </dgm:shape>
+              <dgm:presOf/>
+            </dgm:layoutNode>
+            <dgm:layoutNode name="vertSpace2b">
+              <dgm:alg type="sp"/>
+              <dgm:shape xmlns:r="http://schemas.openxmlformats.org/officeDocument/2006/relationships" r:blip="">
+                <dgm:adjLst/>
+              </dgm:shape>
+              <dgm:presOf/>
+            </dgm:layoutNode>
+          </dgm:forEach>
         </dgm:layoutNode>
-        <dgm:forEach name="Name10" axis="followSib" ptType="sibTrans" cnt="1">
-          <dgm:layoutNode name="sibTrans">
-            <dgm:alg type="sp"/>
-            <dgm:shape xmlns:r="http://schemas.openxmlformats.org/officeDocument/2006/relationships" type="rect" r:blip="" hideGeom="1">
-              <dgm:adjLst/>
-            </dgm:shape>
-            <dgm:presOf axis="self"/>
-            <dgm:constrLst/>
-            <dgm:ruleLst/>
-          </dgm:layoutNode>
-        </dgm:forEach>
-      </dgm:forEach>
-    </dgm:layoutNode>
+      </dgm:layoutNode>
+    </dgm:forEach>
   </dgm:layoutNode>
-  <dgm:extLst>
-    <a:ext uri="{68A01E43-0DF5-4B5B-8FA6-DAF915123BFB}">
-      <dgm1612:lstStyle xmlns:dgm1612="http://schemas.microsoft.com/office/drawing/2016/12/diagram">
-        <a:lvl1pPr>
-          <a:lnSpc>
-            <a:spcPct val="100000"/>
-          </a:lnSpc>
-        </a:lvl1pPr>
-      </dgm1612:lstStyle>
-    </a:ext>
-  </dgm:extLst>
 </dgm:layoutDef>
 </file>
 
@@ -14000,11 +14328,11 @@
 </file>
 
 <file path=ppt/diagrams/quickStyle3.xml><?xml version="1.0" encoding="utf-8"?>
-<dgm:styleDef xmlns:dgm="http://schemas.openxmlformats.org/drawingml/2006/diagram" xmlns:a="http://schemas.openxmlformats.org/drawingml/2006/main" uniqueId="urn:microsoft.com/office/officeart/2005/8/quickstyle/simple1">
+<dgm:styleDef xmlns:dgm="http://schemas.openxmlformats.org/drawingml/2006/diagram" xmlns:a="http://schemas.openxmlformats.org/drawingml/2006/main" uniqueId="urn:microsoft.com/office/officeart/2005/8/quickstyle/simple4">
   <dgm:title val=""/>
   <dgm:desc val=""/>
   <dgm:catLst>
-    <dgm:cat type="simple" pri="10100"/>
+    <dgm:cat type="simple" pri="10400"/>
   </dgm:catLst>
   <dgm:scene3d>
     <a:camera prst="orthographicFront"/>
@@ -14018,13 +14346,13 @@
     <dgm:sp3d/>
     <dgm:txPr/>
     <dgm:style>
-      <a:lnRef idx="2">
+      <a:lnRef idx="0">
         <a:scrgbClr r="0" g="0" b="0"/>
       </a:lnRef>
-      <a:fillRef idx="1">
+      <a:fillRef idx="3">
         <a:scrgbClr r="0" g="0" b="0"/>
       </a:fillRef>
-      <a:effectRef idx="0">
+      <a:effectRef idx="2">
         <a:scrgbClr r="0" g="0" b="0"/>
       </a:effectRef>
       <a:fontRef idx="minor">
@@ -14040,13 +14368,13 @@
     <dgm:sp3d/>
     <dgm:txPr/>
     <dgm:style>
-      <a:lnRef idx="2">
+      <a:lnRef idx="1">
         <a:scrgbClr r="0" g="0" b="0"/>
       </a:lnRef>
-      <a:fillRef idx="1">
+      <a:fillRef idx="3">
         <a:scrgbClr r="0" g="0" b="0"/>
       </a:fillRef>
-      <a:effectRef idx="0">
+      <a:effectRef idx="2">
         <a:scrgbClr r="0" g="0" b="0"/>
       </a:effectRef>
       <a:fontRef idx="minor">
@@ -14062,10 +14390,10 @@
     <dgm:sp3d/>
     <dgm:txPr/>
     <dgm:style>
-      <a:lnRef idx="2">
+      <a:lnRef idx="0">
         <a:scrgbClr r="0" g="0" b="0"/>
       </a:lnRef>
-      <a:fillRef idx="1">
+      <a:fillRef idx="3">
         <a:scrgbClr r="0" g="0" b="0"/>
       </a:fillRef>
       <a:effectRef idx="0">
@@ -14084,13 +14412,13 @@
     <dgm:sp3d/>
     <dgm:txPr/>
     <dgm:style>
-      <a:lnRef idx="2">
+      <a:lnRef idx="1">
         <a:scrgbClr r="0" g="0" b="0"/>
       </a:lnRef>
-      <a:fillRef idx="1">
+      <a:fillRef idx="3">
         <a:scrgbClr r="0" g="0" b="0"/>
       </a:fillRef>
-      <a:effectRef idx="0">
+      <a:effectRef idx="2">
         <a:scrgbClr r="0" g="0" b="0"/>
       </a:effectRef>
       <a:fontRef idx="minor">
@@ -14106,13 +14434,13 @@
     <dgm:sp3d/>
     <dgm:txPr/>
     <dgm:style>
-      <a:lnRef idx="2">
+      <a:lnRef idx="0">
         <a:scrgbClr r="0" g="0" b="0"/>
       </a:lnRef>
-      <a:fillRef idx="1">
+      <a:fillRef idx="3">
         <a:scrgbClr r="0" g="0" b="0"/>
       </a:fillRef>
-      <a:effectRef idx="0">
+      <a:effectRef idx="2">
         <a:scrgbClr r="0" g="0" b="0"/>
       </a:effectRef>
       <a:fontRef idx="minor">
@@ -14128,13 +14456,13 @@
     <dgm:sp3d/>
     <dgm:txPr/>
     <dgm:style>
-      <a:lnRef idx="2">
+      <a:lnRef idx="0">
         <a:scrgbClr r="0" g="0" b="0"/>
       </a:lnRef>
-      <a:fillRef idx="1">
+      <a:fillRef idx="3">
         <a:scrgbClr r="0" g="0" b="0"/>
       </a:fillRef>
-      <a:effectRef idx="0">
+      <a:effectRef idx="2">
         <a:scrgbClr r="0" g="0" b="0"/>
       </a:effectRef>
       <a:fontRef idx="minor">
@@ -14150,13 +14478,13 @@
     <dgm:sp3d/>
     <dgm:txPr/>
     <dgm:style>
-      <a:lnRef idx="2">
+      <a:lnRef idx="0">
         <a:scrgbClr r="0" g="0" b="0"/>
       </a:lnRef>
-      <a:fillRef idx="1">
+      <a:fillRef idx="3">
         <a:scrgbClr r="0" g="0" b="0"/>
       </a:fillRef>
-      <a:effectRef idx="0">
+      <a:effectRef idx="2">
         <a:scrgbClr r="0" g="0" b="0"/>
       </a:effectRef>
       <a:fontRef idx="minor">
@@ -14172,13 +14500,13 @@
     <dgm:sp3d/>
     <dgm:txPr/>
     <dgm:style>
-      <a:lnRef idx="2">
+      <a:lnRef idx="0">
         <a:scrgbClr r="0" g="0" b="0"/>
       </a:lnRef>
-      <a:fillRef idx="1">
+      <a:fillRef idx="3">
         <a:scrgbClr r="0" g="0" b="0"/>
       </a:fillRef>
-      <a:effectRef idx="0">
+      <a:effectRef idx="2">
         <a:scrgbClr r="0" g="0" b="0"/>
       </a:effectRef>
       <a:fontRef idx="minor">
@@ -14194,13 +14522,13 @@
     <dgm:sp3d/>
     <dgm:txPr/>
     <dgm:style>
-      <a:lnRef idx="2">
+      <a:lnRef idx="0">
         <a:scrgbClr r="0" g="0" b="0"/>
       </a:lnRef>
       <a:fillRef idx="1">
         <a:scrgbClr r="0" g="0" b="0"/>
       </a:fillRef>
-      <a:effectRef idx="0">
+      <a:effectRef idx="2">
         <a:scrgbClr r="0" g="0" b="0"/>
       </a:effectRef>
       <a:fontRef idx="minor"/>
@@ -14214,13 +14542,13 @@
     <dgm:sp3d/>
     <dgm:txPr/>
     <dgm:style>
-      <a:lnRef idx="2">
+      <a:lnRef idx="0">
         <a:scrgbClr r="0" g="0" b="0"/>
       </a:lnRef>
       <a:fillRef idx="1">
         <a:scrgbClr r="0" g="0" b="0"/>
       </a:fillRef>
-      <a:effectRef idx="0">
+      <a:effectRef idx="2">
         <a:scrgbClr r="0" g="0" b="0"/>
       </a:effectRef>
       <a:fontRef idx="minor"/>
@@ -14234,13 +14562,13 @@
     <dgm:sp3d/>
     <dgm:txPr/>
     <dgm:style>
-      <a:lnRef idx="2">
+      <a:lnRef idx="0">
         <a:scrgbClr r="0" g="0" b="0"/>
       </a:lnRef>
       <a:fillRef idx="1">
         <a:scrgbClr r="0" g="0" b="0"/>
       </a:fillRef>
-      <a:effectRef idx="0">
+      <a:effectRef idx="2">
         <a:scrgbClr r="0" g="0" b="0"/>
       </a:effectRef>
       <a:fontRef idx="minor"/>
@@ -14257,10 +14585,10 @@
       <a:lnRef idx="0">
         <a:scrgbClr r="0" g="0" b="0"/>
       </a:lnRef>
-      <a:fillRef idx="1">
+      <a:fillRef idx="3">
         <a:scrgbClr r="0" g="0" b="0"/>
       </a:fillRef>
-      <a:effectRef idx="0">
+      <a:effectRef idx="2">
         <a:scrgbClr r="0" g="0" b="0"/>
       </a:effectRef>
       <a:fontRef idx="minor">
@@ -14279,10 +14607,10 @@
       <a:lnRef idx="0">
         <a:scrgbClr r="0" g="0" b="0"/>
       </a:lnRef>
-      <a:fillRef idx="1">
+      <a:fillRef idx="3">
         <a:scrgbClr r="0" g="0" b="0"/>
       </a:fillRef>
-      <a:effectRef idx="0">
+      <a:effectRef idx="2">
         <a:scrgbClr r="0" g="0" b="0"/>
       </a:effectRef>
       <a:fontRef idx="minor">
@@ -14301,10 +14629,10 @@
       <a:lnRef idx="0">
         <a:scrgbClr r="0" g="0" b="0"/>
       </a:lnRef>
-      <a:fillRef idx="1">
+      <a:fillRef idx="3">
         <a:scrgbClr r="0" g="0" b="0"/>
       </a:fillRef>
-      <a:effectRef idx="0">
+      <a:effectRef idx="2">
         <a:scrgbClr r="0" g="0" b="0"/>
       </a:effectRef>
       <a:fontRef idx="minor">
@@ -14346,7 +14674,7 @@
       <a:fillRef idx="1">
         <a:scrgbClr r="0" g="0" b="0"/>
       </a:fillRef>
-      <a:effectRef idx="0">
+      <a:effectRef idx="1">
         <a:scrgbClr r="0" g="0" b="0"/>
       </a:effectRef>
       <a:fontRef idx="minor"/>
@@ -14360,13 +14688,13 @@
     <dgm:sp3d/>
     <dgm:txPr/>
     <dgm:style>
-      <a:lnRef idx="2">
+      <a:lnRef idx="0">
         <a:scrgbClr r="0" g="0" b="0"/>
       </a:lnRef>
-      <a:fillRef idx="1">
+      <a:fillRef idx="3">
         <a:scrgbClr r="0" g="0" b="0"/>
       </a:fillRef>
-      <a:effectRef idx="0">
+      <a:effectRef idx="2">
         <a:scrgbClr r="0" g="0" b="0"/>
       </a:effectRef>
       <a:fontRef idx="minor">
@@ -14382,13 +14710,13 @@
     <dgm:sp3d/>
     <dgm:txPr/>
     <dgm:style>
-      <a:lnRef idx="2">
+      <a:lnRef idx="0">
         <a:scrgbClr r="0" g="0" b="0"/>
       </a:lnRef>
-      <a:fillRef idx="1">
+      <a:fillRef idx="3">
         <a:scrgbClr r="0" g="0" b="0"/>
       </a:fillRef>
-      <a:effectRef idx="0">
+      <a:effectRef idx="2">
         <a:scrgbClr r="0" g="0" b="0"/>
       </a:effectRef>
       <a:fontRef idx="minor">
@@ -14404,13 +14732,13 @@
     <dgm:sp3d/>
     <dgm:txPr/>
     <dgm:style>
-      <a:lnRef idx="2">
+      <a:lnRef idx="0">
         <a:scrgbClr r="0" g="0" b="0"/>
       </a:lnRef>
-      <a:fillRef idx="1">
+      <a:fillRef idx="3">
         <a:scrgbClr r="0" g="0" b="0"/>
       </a:fillRef>
-      <a:effectRef idx="0">
+      <a:effectRef idx="2">
         <a:scrgbClr r="0" g="0" b="0"/>
       </a:effectRef>
       <a:fontRef idx="minor">
@@ -14426,13 +14754,13 @@
     <dgm:sp3d/>
     <dgm:txPr/>
     <dgm:style>
-      <a:lnRef idx="2">
+      <a:lnRef idx="0">
         <a:scrgbClr r="0" g="0" b="0"/>
       </a:lnRef>
-      <a:fillRef idx="1">
+      <a:fillRef idx="3">
         <a:scrgbClr r="0" g="0" b="0"/>
       </a:fillRef>
-      <a:effectRef idx="0">
+      <a:effectRef idx="2">
         <a:scrgbClr r="0" g="0" b="0"/>
       </a:effectRef>
       <a:fontRef idx="minor">
@@ -14448,13 +14776,13 @@
     <dgm:sp3d/>
     <dgm:txPr/>
     <dgm:style>
-      <a:lnRef idx="2">
+      <a:lnRef idx="0">
         <a:scrgbClr r="0" g="0" b="0"/>
       </a:lnRef>
-      <a:fillRef idx="1">
+      <a:fillRef idx="3">
         <a:scrgbClr r="0" g="0" b="0"/>
       </a:fillRef>
-      <a:effectRef idx="0">
+      <a:effectRef idx="2">
         <a:scrgbClr r="0" g="0" b="0"/>
       </a:effectRef>
       <a:fontRef idx="minor">
@@ -14470,13 +14798,13 @@
     <dgm:sp3d/>
     <dgm:txPr/>
     <dgm:style>
-      <a:lnRef idx="2">
+      <a:lnRef idx="0">
         <a:scrgbClr r="0" g="0" b="0"/>
       </a:lnRef>
-      <a:fillRef idx="1">
+      <a:fillRef idx="3">
         <a:scrgbClr r="0" g="0" b="0"/>
       </a:fillRef>
-      <a:effectRef idx="0">
+      <a:effectRef idx="2">
         <a:scrgbClr r="0" g="0" b="0"/>
       </a:effectRef>
       <a:fontRef idx="minor">
@@ -14492,13 +14820,13 @@
     <dgm:sp3d/>
     <dgm:txPr/>
     <dgm:style>
-      <a:lnRef idx="2">
+      <a:lnRef idx="0">
         <a:scrgbClr r="0" g="0" b="0"/>
       </a:lnRef>
-      <a:fillRef idx="1">
+      <a:fillRef idx="3">
         <a:scrgbClr r="0" g="0" b="0"/>
       </a:fillRef>
-      <a:effectRef idx="0">
+      <a:effectRef idx="2">
         <a:scrgbClr r="0" g="0" b="0"/>
       </a:effectRef>
       <a:fontRef idx="minor">
@@ -14514,13 +14842,13 @@
     <dgm:sp3d/>
     <dgm:txPr/>
     <dgm:style>
-      <a:lnRef idx="2">
+      <a:lnRef idx="1">
         <a:scrgbClr r="0" g="0" b="0"/>
       </a:lnRef>
-      <a:fillRef idx="1">
+      <a:fillRef idx="3">
         <a:scrgbClr r="0" g="0" b="0"/>
       </a:fillRef>
-      <a:effectRef idx="0">
+      <a:effectRef idx="2">
         <a:scrgbClr r="0" g="0" b="0"/>
       </a:effectRef>
       <a:fontRef idx="minor">
@@ -14536,13 +14864,13 @@
     <dgm:sp3d/>
     <dgm:txPr/>
     <dgm:style>
-      <a:lnRef idx="2">
+      <a:lnRef idx="1">
         <a:scrgbClr r="0" g="0" b="0"/>
       </a:lnRef>
-      <a:fillRef idx="1">
+      <a:fillRef idx="3">
         <a:scrgbClr r="0" g="0" b="0"/>
       </a:fillRef>
-      <a:effectRef idx="0">
+      <a:effectRef idx="2">
         <a:scrgbClr r="0" g="0" b="0"/>
       </a:effectRef>
       <a:fontRef idx="minor">
@@ -14558,7 +14886,7 @@
     <dgm:sp3d/>
     <dgm:txPr/>
     <dgm:style>
-      <a:lnRef idx="2">
+      <a:lnRef idx="1">
         <a:scrgbClr r="0" g="0" b="0"/>
       </a:lnRef>
       <a:fillRef idx="0">
@@ -14578,7 +14906,7 @@
     <dgm:sp3d/>
     <dgm:txPr/>
     <dgm:style>
-      <a:lnRef idx="2">
+      <a:lnRef idx="1">
         <a:scrgbClr r="0" g="0" b="0"/>
       </a:lnRef>
       <a:fillRef idx="0">
@@ -14598,7 +14926,7 @@
     <dgm:sp3d/>
     <dgm:txPr/>
     <dgm:style>
-      <a:lnRef idx="2">
+      <a:lnRef idx="1">
         <a:scrgbClr r="0" g="0" b="0"/>
       </a:lnRef>
       <a:fillRef idx="0">
@@ -14618,7 +14946,7 @@
     <dgm:sp3d/>
     <dgm:txPr/>
     <dgm:style>
-      <a:lnRef idx="2">
+      <a:lnRef idx="1">
         <a:scrgbClr r="0" g="0" b="0"/>
       </a:lnRef>
       <a:fillRef idx="0">
@@ -14638,7 +14966,7 @@
     <dgm:sp3d/>
     <dgm:txPr/>
     <dgm:style>
-      <a:lnRef idx="2">
+      <a:lnRef idx="1">
         <a:scrgbClr r="0" g="0" b="0"/>
       </a:lnRef>
       <a:fillRef idx="1">
@@ -14658,7 +14986,7 @@
     <dgm:sp3d/>
     <dgm:txPr/>
     <dgm:style>
-      <a:lnRef idx="2">
+      <a:lnRef idx="1">
         <a:scrgbClr r="0" g="0" b="0"/>
       </a:lnRef>
       <a:fillRef idx="1">
@@ -14678,7 +15006,7 @@
     <dgm:sp3d/>
     <dgm:txPr/>
     <dgm:style>
-      <a:lnRef idx="2">
+      <a:lnRef idx="1">
         <a:scrgbClr r="0" g="0" b="0"/>
       </a:lnRef>
       <a:fillRef idx="1">
@@ -14718,7 +15046,7 @@
     <dgm:sp3d/>
     <dgm:txPr/>
     <dgm:style>
-      <a:lnRef idx="2">
+      <a:lnRef idx="1">
         <a:scrgbClr r="0" g="0" b="0"/>
       </a:lnRef>
       <a:fillRef idx="1">
@@ -14738,7 +15066,7 @@
     <dgm:sp3d/>
     <dgm:txPr/>
     <dgm:style>
-      <a:lnRef idx="2">
+      <a:lnRef idx="1">
         <a:scrgbClr r="0" g="0" b="0"/>
       </a:lnRef>
       <a:fillRef idx="1">
@@ -14758,7 +15086,7 @@
     <dgm:sp3d/>
     <dgm:txPr/>
     <dgm:style>
-      <a:lnRef idx="2">
+      <a:lnRef idx="1">
         <a:scrgbClr r="0" g="0" b="0"/>
       </a:lnRef>
       <a:fillRef idx="1">
@@ -14778,7 +15106,7 @@
     <dgm:sp3d/>
     <dgm:txPr/>
     <dgm:style>
-      <a:lnRef idx="2">
+      <a:lnRef idx="1">
         <a:scrgbClr r="0" g="0" b="0"/>
       </a:lnRef>
       <a:fillRef idx="1">
@@ -14798,7 +15126,7 @@
     <dgm:sp3d/>
     <dgm:txPr/>
     <dgm:style>
-      <a:lnRef idx="2">
+      <a:lnRef idx="1">
         <a:scrgbClr r="0" g="0" b="0"/>
       </a:lnRef>
       <a:fillRef idx="1">
@@ -14818,7 +15146,7 @@
     <dgm:sp3d/>
     <dgm:txPr/>
     <dgm:style>
-      <a:lnRef idx="2">
+      <a:lnRef idx="1">
         <a:scrgbClr r="0" g="0" b="0"/>
       </a:lnRef>
       <a:fillRef idx="1">
@@ -14838,7 +15166,7 @@
     <dgm:sp3d/>
     <dgm:txPr/>
     <dgm:style>
-      <a:lnRef idx="2">
+      <a:lnRef idx="1">
         <a:scrgbClr r="0" g="0" b="0"/>
       </a:lnRef>
       <a:fillRef idx="1">
@@ -14858,7 +15186,7 @@
     <dgm:sp3d/>
     <dgm:txPr/>
     <dgm:style>
-      <a:lnRef idx="2">
+      <a:lnRef idx="1">
         <a:scrgbClr r="0" g="0" b="0"/>
       </a:lnRef>
       <a:fillRef idx="1">
@@ -14878,7 +15206,7 @@
     <dgm:sp3d/>
     <dgm:txPr/>
     <dgm:style>
-      <a:lnRef idx="2">
+      <a:lnRef idx="1">
         <a:scrgbClr r="0" g="0" b="0"/>
       </a:lnRef>
       <a:fillRef idx="1">
@@ -14898,7 +15226,7 @@
     <dgm:sp3d/>
     <dgm:txPr/>
     <dgm:style>
-      <a:lnRef idx="2">
+      <a:lnRef idx="1">
         <a:scrgbClr r="0" g="0" b="0"/>
       </a:lnRef>
       <a:fillRef idx="1">
@@ -14918,7 +15246,7 @@
     <dgm:sp3d/>
     <dgm:txPr/>
     <dgm:style>
-      <a:lnRef idx="2">
+      <a:lnRef idx="1">
         <a:scrgbClr r="0" g="0" b="0"/>
       </a:lnRef>
       <a:fillRef idx="1">
@@ -14944,7 +15272,7 @@
       <a:fillRef idx="1">
         <a:scrgbClr r="0" g="0" b="0"/>
       </a:fillRef>
-      <a:effectRef idx="0">
+      <a:effectRef idx="2">
         <a:scrgbClr r="0" g="0" b="0"/>
       </a:effectRef>
       <a:fontRef idx="minor"/>
@@ -14964,7 +15292,7 @@
       <a:fillRef idx="1">
         <a:scrgbClr r="0" g="0" b="0"/>
       </a:fillRef>
-      <a:effectRef idx="0">
+      <a:effectRef idx="2">
         <a:scrgbClr r="0" g="0" b="0"/>
       </a:effectRef>
       <a:fontRef idx="minor"/>
@@ -14998,13 +15326,13 @@
     <dgm:sp3d/>
     <dgm:txPr/>
     <dgm:style>
-      <a:lnRef idx="2">
+      <a:lnRef idx="0">
         <a:scrgbClr r="0" g="0" b="0"/>
       </a:lnRef>
-      <a:fillRef idx="1">
+      <a:fillRef idx="3">
         <a:scrgbClr r="0" g="0" b="0"/>
       </a:fillRef>
-      <a:effectRef idx="0">
+      <a:effectRef idx="2">
         <a:scrgbClr r="0" g="0" b="0"/>
       </a:effectRef>
       <a:fontRef idx="minor"/>
@@ -18133,6 +18461,523 @@
     </dgm:style>
   </dgm:styleLbl>
 </dgm:styleDef>
+</file>
+
+<file path=ppt/notesMasters/notesMaster1.xml><?xml version="1.0" encoding="utf-8"?>
+<p:notesMaster xmlns:a="http://schemas.openxmlformats.org/drawingml/2006/main" xmlns:r="http://schemas.openxmlformats.org/officeDocument/2006/relationships" xmlns:p="http://schemas.openxmlformats.org/presentationml/2006/main">
+  <p:cSld>
+    <p:bg>
+      <p:bgRef idx="1001">
+        <a:schemeClr val="bg1"/>
+      </p:bgRef>
+    </p:bg>
+    <p:spTree>
+      <p:nvGrpSpPr>
+        <p:cNvPr id="1" name=""/>
+        <p:cNvGrpSpPr/>
+        <p:nvPr/>
+      </p:nvGrpSpPr>
+      <p:grpSpPr>
+        <a:xfrm>
+          <a:off x="0" y="0"/>
+          <a:ext cx="0" cy="0"/>
+          <a:chOff x="0" y="0"/>
+          <a:chExt cx="0" cy="0"/>
+        </a:xfrm>
+      </p:grpSpPr>
+      <p:sp>
+        <p:nvSpPr>
+          <p:cNvPr id="2" name="Espace réservé de l'en-tête 1"/>
+          <p:cNvSpPr>
+            <a:spLocks noGrp="1"/>
+          </p:cNvSpPr>
+          <p:nvPr>
+            <p:ph type="hdr" sz="quarter"/>
+          </p:nvPr>
+        </p:nvSpPr>
+        <p:spPr>
+          <a:xfrm>
+            <a:off x="0" y="0"/>
+            <a:ext cx="2971800" cy="458788"/>
+          </a:xfrm>
+          <a:prstGeom prst="rect">
+            <a:avLst/>
+          </a:prstGeom>
+        </p:spPr>
+        <p:txBody>
+          <a:bodyPr vert="horz" lIns="91440" tIns="45720" rIns="91440" bIns="45720" rtlCol="0"/>
+          <a:lstStyle>
+            <a:lvl1pPr algn="l">
+              <a:defRPr sz="1200"/>
+            </a:lvl1pPr>
+          </a:lstStyle>
+          <a:p>
+            <a:endParaRPr lang="fr-FR"/>
+          </a:p>
+        </p:txBody>
+      </p:sp>
+      <p:sp>
+        <p:nvSpPr>
+          <p:cNvPr id="3" name="Espace réservé de la date 2"/>
+          <p:cNvSpPr>
+            <a:spLocks noGrp="1"/>
+          </p:cNvSpPr>
+          <p:nvPr>
+            <p:ph type="dt" idx="1"/>
+          </p:nvPr>
+        </p:nvSpPr>
+        <p:spPr>
+          <a:xfrm>
+            <a:off x="3884613" y="0"/>
+            <a:ext cx="2971800" cy="458788"/>
+          </a:xfrm>
+          <a:prstGeom prst="rect">
+            <a:avLst/>
+          </a:prstGeom>
+        </p:spPr>
+        <p:txBody>
+          <a:bodyPr vert="horz" lIns="91440" tIns="45720" rIns="91440" bIns="45720" rtlCol="0"/>
+          <a:lstStyle>
+            <a:lvl1pPr algn="r">
+              <a:defRPr sz="1200"/>
+            </a:lvl1pPr>
+          </a:lstStyle>
+          <a:p>
+            <a:fld id="{03188B61-0AAA-464A-8F01-F13441F772F7}" type="datetimeFigureOut">
+              <a:rPr lang="fr-FR" smtClean="0"/>
+              <a:t>27/05/2025</a:t>
+            </a:fld>
+            <a:endParaRPr lang="fr-FR"/>
+          </a:p>
+        </p:txBody>
+      </p:sp>
+      <p:sp>
+        <p:nvSpPr>
+          <p:cNvPr id="4" name="Espace réservé de l'image des diapositives 3"/>
+          <p:cNvSpPr>
+            <a:spLocks noGrp="1" noRot="1" noChangeAspect="1"/>
+          </p:cNvSpPr>
+          <p:nvPr>
+            <p:ph type="sldImg" idx="2"/>
+          </p:nvPr>
+        </p:nvSpPr>
+        <p:spPr>
+          <a:xfrm>
+            <a:off x="685800" y="1143000"/>
+            <a:ext cx="5486400" cy="3086100"/>
+          </a:xfrm>
+          <a:prstGeom prst="rect">
+            <a:avLst/>
+          </a:prstGeom>
+          <a:noFill/>
+          <a:ln w="12700">
+            <a:solidFill>
+              <a:prstClr val="black"/>
+            </a:solidFill>
+          </a:ln>
+        </p:spPr>
+        <p:txBody>
+          <a:bodyPr vert="horz" lIns="91440" tIns="45720" rIns="91440" bIns="45720" rtlCol="0" anchor="ctr"/>
+          <a:lstStyle/>
+          <a:p>
+            <a:endParaRPr lang="fr-FR"/>
+          </a:p>
+        </p:txBody>
+      </p:sp>
+      <p:sp>
+        <p:nvSpPr>
+          <p:cNvPr id="5" name="Espace réservé des notes 4"/>
+          <p:cNvSpPr>
+            <a:spLocks noGrp="1"/>
+          </p:cNvSpPr>
+          <p:nvPr>
+            <p:ph type="body" sz="quarter" idx="3"/>
+          </p:nvPr>
+        </p:nvSpPr>
+        <p:spPr>
+          <a:xfrm>
+            <a:off x="685800" y="4400550"/>
+            <a:ext cx="5486400" cy="3600450"/>
+          </a:xfrm>
+          <a:prstGeom prst="rect">
+            <a:avLst/>
+          </a:prstGeom>
+        </p:spPr>
+        <p:txBody>
+          <a:bodyPr vert="horz" lIns="91440" tIns="45720" rIns="91440" bIns="45720" rtlCol="0"/>
+          <a:lstStyle/>
+          <a:p>
+            <a:pPr lvl="0"/>
+            <a:r>
+              <a:rPr lang="fr-FR"/>
+              <a:t>Cliquez pour modifier les styles du texte du masque</a:t>
+            </a:r>
+          </a:p>
+          <a:p>
+            <a:pPr lvl="1"/>
+            <a:r>
+              <a:rPr lang="fr-FR"/>
+              <a:t>Deuxième niveau</a:t>
+            </a:r>
+          </a:p>
+          <a:p>
+            <a:pPr lvl="2"/>
+            <a:r>
+              <a:rPr lang="fr-FR"/>
+              <a:t>Troisième niveau</a:t>
+            </a:r>
+          </a:p>
+          <a:p>
+            <a:pPr lvl="3"/>
+            <a:r>
+              <a:rPr lang="fr-FR"/>
+              <a:t>Quatrième niveau</a:t>
+            </a:r>
+          </a:p>
+          <a:p>
+            <a:pPr lvl="4"/>
+            <a:r>
+              <a:rPr lang="fr-FR"/>
+              <a:t>Cinquième niveau</a:t>
+            </a:r>
+          </a:p>
+        </p:txBody>
+      </p:sp>
+      <p:sp>
+        <p:nvSpPr>
+          <p:cNvPr id="6" name="Espace réservé du pied de page 5"/>
+          <p:cNvSpPr>
+            <a:spLocks noGrp="1"/>
+          </p:cNvSpPr>
+          <p:nvPr>
+            <p:ph type="ftr" sz="quarter" idx="4"/>
+          </p:nvPr>
+        </p:nvSpPr>
+        <p:spPr>
+          <a:xfrm>
+            <a:off x="0" y="8685213"/>
+            <a:ext cx="2971800" cy="458787"/>
+          </a:xfrm>
+          <a:prstGeom prst="rect">
+            <a:avLst/>
+          </a:prstGeom>
+        </p:spPr>
+        <p:txBody>
+          <a:bodyPr vert="horz" lIns="91440" tIns="45720" rIns="91440" bIns="45720" rtlCol="0" anchor="b"/>
+          <a:lstStyle>
+            <a:lvl1pPr algn="l">
+              <a:defRPr sz="1200"/>
+            </a:lvl1pPr>
+          </a:lstStyle>
+          <a:p>
+            <a:endParaRPr lang="fr-FR"/>
+          </a:p>
+        </p:txBody>
+      </p:sp>
+      <p:sp>
+        <p:nvSpPr>
+          <p:cNvPr id="7" name="Espace réservé du numéro de diapositive 6"/>
+          <p:cNvSpPr>
+            <a:spLocks noGrp="1"/>
+          </p:cNvSpPr>
+          <p:nvPr>
+            <p:ph type="sldNum" sz="quarter" idx="5"/>
+          </p:nvPr>
+        </p:nvSpPr>
+        <p:spPr>
+          <a:xfrm>
+            <a:off x="3884613" y="8685213"/>
+            <a:ext cx="2971800" cy="458787"/>
+          </a:xfrm>
+          <a:prstGeom prst="rect">
+            <a:avLst/>
+          </a:prstGeom>
+        </p:spPr>
+        <p:txBody>
+          <a:bodyPr vert="horz" lIns="91440" tIns="45720" rIns="91440" bIns="45720" rtlCol="0" anchor="b"/>
+          <a:lstStyle>
+            <a:lvl1pPr algn="r">
+              <a:defRPr sz="1200"/>
+            </a:lvl1pPr>
+          </a:lstStyle>
+          <a:p>
+            <a:fld id="{15090964-0CB3-436D-BAF2-B2187384C2E8}" type="slidenum">
+              <a:rPr lang="fr-FR" smtClean="0"/>
+              <a:t>‹N°›</a:t>
+            </a:fld>
+            <a:endParaRPr lang="fr-FR"/>
+          </a:p>
+        </p:txBody>
+      </p:sp>
+    </p:spTree>
+    <p:extLst>
+      <p:ext uri="{BB962C8B-B14F-4D97-AF65-F5344CB8AC3E}">
+        <p14:creationId xmlns:p14="http://schemas.microsoft.com/office/powerpoint/2010/main" val="411728295"/>
+      </p:ext>
+    </p:extLst>
+  </p:cSld>
+  <p:clrMap bg1="lt1" tx1="dk1" bg2="lt2" tx2="dk2" accent1="accent1" accent2="accent2" accent3="accent3" accent4="accent4" accent5="accent5" accent6="accent6" hlink="hlink" folHlink="folHlink"/>
+  <p:notesStyle>
+    <a:lvl1pPr marL="0" algn="l" defTabSz="914400" rtl="0" eaLnBrk="1" latinLnBrk="0" hangingPunct="1">
+      <a:defRPr sz="1200" kern="1200">
+        <a:solidFill>
+          <a:schemeClr val="tx1"/>
+        </a:solidFill>
+        <a:latin typeface="+mn-lt"/>
+        <a:ea typeface="+mn-ea"/>
+        <a:cs typeface="+mn-cs"/>
+      </a:defRPr>
+    </a:lvl1pPr>
+    <a:lvl2pPr marL="457200" algn="l" defTabSz="914400" rtl="0" eaLnBrk="1" latinLnBrk="0" hangingPunct="1">
+      <a:defRPr sz="1200" kern="1200">
+        <a:solidFill>
+          <a:schemeClr val="tx1"/>
+        </a:solidFill>
+        <a:latin typeface="+mn-lt"/>
+        <a:ea typeface="+mn-ea"/>
+        <a:cs typeface="+mn-cs"/>
+      </a:defRPr>
+    </a:lvl2pPr>
+    <a:lvl3pPr marL="914400" algn="l" defTabSz="914400" rtl="0" eaLnBrk="1" latinLnBrk="0" hangingPunct="1">
+      <a:defRPr sz="1200" kern="1200">
+        <a:solidFill>
+          <a:schemeClr val="tx1"/>
+        </a:solidFill>
+        <a:latin typeface="+mn-lt"/>
+        <a:ea typeface="+mn-ea"/>
+        <a:cs typeface="+mn-cs"/>
+      </a:defRPr>
+    </a:lvl3pPr>
+    <a:lvl4pPr marL="1371600" algn="l" defTabSz="914400" rtl="0" eaLnBrk="1" latinLnBrk="0" hangingPunct="1">
+      <a:defRPr sz="1200" kern="1200">
+        <a:solidFill>
+          <a:schemeClr val="tx1"/>
+        </a:solidFill>
+        <a:latin typeface="+mn-lt"/>
+        <a:ea typeface="+mn-ea"/>
+        <a:cs typeface="+mn-cs"/>
+      </a:defRPr>
+    </a:lvl4pPr>
+    <a:lvl5pPr marL="1828800" algn="l" defTabSz="914400" rtl="0" eaLnBrk="1" latinLnBrk="0" hangingPunct="1">
+      <a:defRPr sz="1200" kern="1200">
+        <a:solidFill>
+          <a:schemeClr val="tx1"/>
+        </a:solidFill>
+        <a:latin typeface="+mn-lt"/>
+        <a:ea typeface="+mn-ea"/>
+        <a:cs typeface="+mn-cs"/>
+      </a:defRPr>
+    </a:lvl5pPr>
+    <a:lvl6pPr marL="2286000" algn="l" defTabSz="914400" rtl="0" eaLnBrk="1" latinLnBrk="0" hangingPunct="1">
+      <a:defRPr sz="1200" kern="1200">
+        <a:solidFill>
+          <a:schemeClr val="tx1"/>
+        </a:solidFill>
+        <a:latin typeface="+mn-lt"/>
+        <a:ea typeface="+mn-ea"/>
+        <a:cs typeface="+mn-cs"/>
+      </a:defRPr>
+    </a:lvl6pPr>
+    <a:lvl7pPr marL="2743200" algn="l" defTabSz="914400" rtl="0" eaLnBrk="1" latinLnBrk="0" hangingPunct="1">
+      <a:defRPr sz="1200" kern="1200">
+        <a:solidFill>
+          <a:schemeClr val="tx1"/>
+        </a:solidFill>
+        <a:latin typeface="+mn-lt"/>
+        <a:ea typeface="+mn-ea"/>
+        <a:cs typeface="+mn-cs"/>
+      </a:defRPr>
+    </a:lvl7pPr>
+    <a:lvl8pPr marL="3200400" algn="l" defTabSz="914400" rtl="0" eaLnBrk="1" latinLnBrk="0" hangingPunct="1">
+      <a:defRPr sz="1200" kern="1200">
+        <a:solidFill>
+          <a:schemeClr val="tx1"/>
+        </a:solidFill>
+        <a:latin typeface="+mn-lt"/>
+        <a:ea typeface="+mn-ea"/>
+        <a:cs typeface="+mn-cs"/>
+      </a:defRPr>
+    </a:lvl8pPr>
+    <a:lvl9pPr marL="3657600" algn="l" defTabSz="914400" rtl="0" eaLnBrk="1" latinLnBrk="0" hangingPunct="1">
+      <a:defRPr sz="1200" kern="1200">
+        <a:solidFill>
+          <a:schemeClr val="tx1"/>
+        </a:solidFill>
+        <a:latin typeface="+mn-lt"/>
+        <a:ea typeface="+mn-ea"/>
+        <a:cs typeface="+mn-cs"/>
+      </a:defRPr>
+    </a:lvl9pPr>
+  </p:notesStyle>
+</p:notesMaster>
+</file>
+
+<file path=ppt/notesSlides/notesSlide1.xml><?xml version="1.0" encoding="utf-8"?>
+<p:notes xmlns:a="http://schemas.openxmlformats.org/drawingml/2006/main" xmlns:r="http://schemas.openxmlformats.org/officeDocument/2006/relationships" xmlns:p="http://schemas.openxmlformats.org/presentationml/2006/main">
+  <p:cSld>
+    <p:spTree>
+      <p:nvGrpSpPr>
+        <p:cNvPr id="1" name=""/>
+        <p:cNvGrpSpPr/>
+        <p:nvPr/>
+      </p:nvGrpSpPr>
+      <p:grpSpPr>
+        <a:xfrm>
+          <a:off x="0" y="0"/>
+          <a:ext cx="0" cy="0"/>
+          <a:chOff x="0" y="0"/>
+          <a:chExt cx="0" cy="0"/>
+        </a:xfrm>
+      </p:grpSpPr>
+      <p:sp>
+        <p:nvSpPr>
+          <p:cNvPr id="2" name="Espace réservé de l'image des diapositives 1"/>
+          <p:cNvSpPr>
+            <a:spLocks noGrp="1" noRot="1" noChangeAspect="1"/>
+          </p:cNvSpPr>
+          <p:nvPr>
+            <p:ph type="sldImg"/>
+          </p:nvPr>
+        </p:nvSpPr>
+        <p:spPr/>
+      </p:sp>
+      <p:sp>
+        <p:nvSpPr>
+          <p:cNvPr id="3" name="Espace réservé des notes 2"/>
+          <p:cNvSpPr>
+            <a:spLocks noGrp="1"/>
+          </p:cNvSpPr>
+          <p:nvPr>
+            <p:ph type="body" idx="1"/>
+          </p:nvPr>
+        </p:nvSpPr>
+        <p:spPr/>
+        <p:txBody>
+          <a:bodyPr/>
+          <a:lstStyle/>
+          <a:p>
+            <a:endParaRPr lang="fr-FR" dirty="0"/>
+          </a:p>
+        </p:txBody>
+      </p:sp>
+      <p:sp>
+        <p:nvSpPr>
+          <p:cNvPr id="4" name="Espace réservé du numéro de diapositive 3"/>
+          <p:cNvSpPr>
+            <a:spLocks noGrp="1"/>
+          </p:cNvSpPr>
+          <p:nvPr>
+            <p:ph type="sldNum" sz="quarter" idx="5"/>
+          </p:nvPr>
+        </p:nvSpPr>
+        <p:spPr/>
+        <p:txBody>
+          <a:bodyPr/>
+          <a:lstStyle/>
+          <a:p>
+            <a:fld id="{15090964-0CB3-436D-BAF2-B2187384C2E8}" type="slidenum">
+              <a:rPr lang="fr-FR" smtClean="0"/>
+              <a:t>1</a:t>
+            </a:fld>
+            <a:endParaRPr lang="fr-FR"/>
+          </a:p>
+        </p:txBody>
+      </p:sp>
+    </p:spTree>
+    <p:extLst>
+      <p:ext uri="{BB962C8B-B14F-4D97-AF65-F5344CB8AC3E}">
+        <p14:creationId xmlns:p14="http://schemas.microsoft.com/office/powerpoint/2010/main" val="1078813962"/>
+      </p:ext>
+    </p:extLst>
+  </p:cSld>
+  <p:clrMapOvr>
+    <a:masterClrMapping/>
+  </p:clrMapOvr>
+</p:notes>
+</file>
+
+<file path=ppt/notesSlides/notesSlide2.xml><?xml version="1.0" encoding="utf-8"?>
+<p:notes xmlns:a="http://schemas.openxmlformats.org/drawingml/2006/main" xmlns:r="http://schemas.openxmlformats.org/officeDocument/2006/relationships" xmlns:p="http://schemas.openxmlformats.org/presentationml/2006/main">
+  <p:cSld>
+    <p:spTree>
+      <p:nvGrpSpPr>
+        <p:cNvPr id="1" name=""/>
+        <p:cNvGrpSpPr/>
+        <p:nvPr/>
+      </p:nvGrpSpPr>
+      <p:grpSpPr>
+        <a:xfrm>
+          <a:off x="0" y="0"/>
+          <a:ext cx="0" cy="0"/>
+          <a:chOff x="0" y="0"/>
+          <a:chExt cx="0" cy="0"/>
+        </a:xfrm>
+      </p:grpSpPr>
+      <p:sp>
+        <p:nvSpPr>
+          <p:cNvPr id="2" name="Espace réservé de l'image des diapositives 1"/>
+          <p:cNvSpPr>
+            <a:spLocks noGrp="1" noRot="1" noChangeAspect="1"/>
+          </p:cNvSpPr>
+          <p:nvPr>
+            <p:ph type="sldImg"/>
+          </p:nvPr>
+        </p:nvSpPr>
+        <p:spPr/>
+      </p:sp>
+      <p:sp>
+        <p:nvSpPr>
+          <p:cNvPr id="3" name="Espace réservé des notes 2"/>
+          <p:cNvSpPr>
+            <a:spLocks noGrp="1"/>
+          </p:cNvSpPr>
+          <p:nvPr>
+            <p:ph type="body" idx="1"/>
+          </p:nvPr>
+        </p:nvSpPr>
+        <p:spPr/>
+        <p:txBody>
+          <a:bodyPr/>
+          <a:lstStyle/>
+          <a:p>
+            <a:endParaRPr lang="fr-FR" dirty="0"/>
+          </a:p>
+        </p:txBody>
+      </p:sp>
+      <p:sp>
+        <p:nvSpPr>
+          <p:cNvPr id="4" name="Espace réservé du numéro de diapositive 3"/>
+          <p:cNvSpPr>
+            <a:spLocks noGrp="1"/>
+          </p:cNvSpPr>
+          <p:nvPr>
+            <p:ph type="sldNum" sz="quarter" idx="5"/>
+          </p:nvPr>
+        </p:nvSpPr>
+        <p:spPr/>
+        <p:txBody>
+          <a:bodyPr/>
+          <a:lstStyle/>
+          <a:p>
+            <a:fld id="{15090964-0CB3-436D-BAF2-B2187384C2E8}" type="slidenum">
+              <a:rPr lang="fr-FR" smtClean="0"/>
+              <a:t>8</a:t>
+            </a:fld>
+            <a:endParaRPr lang="fr-FR"/>
+          </a:p>
+        </p:txBody>
+      </p:sp>
+    </p:spTree>
+    <p:extLst>
+      <p:ext uri="{BB962C8B-B14F-4D97-AF65-F5344CB8AC3E}">
+        <p14:creationId xmlns:p14="http://schemas.microsoft.com/office/powerpoint/2010/main" val="303027109"/>
+      </p:ext>
+    </p:extLst>
+  </p:cSld>
+  <p:clrMapOvr>
+    <a:masterClrMapping/>
+  </p:clrMapOvr>
+</p:notes>
 </file>
 
 <file path=ppt/slideLayouts/slideLayout1.xml><?xml version="1.0" encoding="utf-8"?>
@@ -18288,7 +19133,7 @@
           <a:p>
             <a:fld id="{79C5A860-F335-4252-AA00-24FB67ED2982}" type="datetime1">
               <a:rPr lang="en-US" smtClean="0"/>
-              <a:t>5/26/2025</a:t>
+              <a:t>5/27/2025</a:t>
             </a:fld>
             <a:endParaRPr lang="en-US"/>
           </a:p>
@@ -18487,7 +19332,7 @@
           <a:p>
             <a:fld id="{46AB1048-0047-48CA-88BA-D69B470942CF}" type="datetime1">
               <a:rPr lang="en-US" smtClean="0"/>
-              <a:t>5/26/2025</a:t>
+              <a:t>5/27/2025</a:t>
             </a:fld>
             <a:endParaRPr lang="en-US"/>
           </a:p>
@@ -18697,7 +19542,7 @@
           <a:p>
             <a:fld id="{5BD83879-648C-49A9-81A2-0EF5946532D0}" type="datetime1">
               <a:rPr lang="en-US" smtClean="0"/>
-              <a:t>5/26/2025</a:t>
+              <a:t>5/27/2025</a:t>
             </a:fld>
             <a:endParaRPr lang="en-US"/>
           </a:p>
@@ -18895,7 +19740,7 @@
           <a:p>
             <a:fld id="{D04BC802-30E3-4658-9CCA-F873646FEC67}" type="datetime1">
               <a:rPr lang="en-US" smtClean="0"/>
-              <a:t>5/26/2025</a:t>
+              <a:t>5/27/2025</a:t>
             </a:fld>
             <a:endParaRPr lang="en-US"/>
           </a:p>
@@ -19173,7 +20018,7 @@
           <a:p>
             <a:fld id="{0AB227A3-19CE-4153-81CE-64EB7AB094B3}" type="datetime1">
               <a:rPr lang="en-US" smtClean="0"/>
-              <a:t>5/26/2025</a:t>
+              <a:t>5/27/2025</a:t>
             </a:fld>
             <a:endParaRPr lang="en-US"/>
           </a:p>
@@ -19440,7 +20285,7 @@
           <a:p>
             <a:fld id="{B819A100-10F6-477E-8847-29D479EF1C92}" type="datetime1">
               <a:rPr lang="en-US" smtClean="0"/>
-              <a:t>5/26/2025</a:t>
+              <a:t>5/27/2025</a:t>
             </a:fld>
             <a:endParaRPr lang="en-US"/>
           </a:p>
@@ -19854,7 +20699,7 @@
           <a:p>
             <a:fld id="{5DF128AB-198A-495F-8475-FDB360C9873F}" type="datetime1">
               <a:rPr lang="en-US" smtClean="0"/>
-              <a:t>5/26/2025</a:t>
+              <a:t>5/27/2025</a:t>
             </a:fld>
             <a:endParaRPr lang="en-US"/>
           </a:p>
@@ -19995,7 +20840,7 @@
           <a:p>
             <a:fld id="{021A235E-F8FD-479F-9FC7-18BE84110877}" type="datetime1">
               <a:rPr lang="en-US" smtClean="0"/>
-              <a:t>5/26/2025</a:t>
+              <a:t>5/27/2025</a:t>
             </a:fld>
             <a:endParaRPr lang="en-US"/>
           </a:p>
@@ -20108,7 +20953,7 @@
           <a:p>
             <a:fld id="{E890F09B-68DA-462E-9DB4-4C9ADAB8CBCC}" type="datetime1">
               <a:rPr lang="en-US" smtClean="0"/>
-              <a:t>5/26/2025</a:t>
+              <a:t>5/27/2025</a:t>
             </a:fld>
             <a:endParaRPr lang="en-US"/>
           </a:p>
@@ -20427,7 +21272,7 @@
           <a:p>
             <a:fld id="{17AC4E36-FABE-47EB-AA7F-C19A93824617}" type="datetime1">
               <a:rPr lang="en-US" smtClean="0"/>
-              <a:t>5/26/2025</a:t>
+              <a:t>5/27/2025</a:t>
             </a:fld>
             <a:endParaRPr lang="en-US"/>
           </a:p>
@@ -20724,7 +21569,7 @@
           <a:p>
             <a:fld id="{F199CE6B-5DE6-4A2D-B72E-5E8969F9F56F}" type="datetime1">
               <a:rPr lang="en-US" smtClean="0"/>
-              <a:t>5/26/2025</a:t>
+              <a:t>5/27/2025</a:t>
             </a:fld>
             <a:endParaRPr lang="en-US"/>
           </a:p>
@@ -21582,7 +22427,7 @@
           <a:p>
             <a:fld id="{F481A142-DA77-4A5F-AD1F-14E6C18F0F5F}" type="datetime1">
               <a:rPr lang="en-US" smtClean="0"/>
-              <a:t>5/26/2025</a:t>
+              <a:t>5/27/2025</a:t>
             </a:fld>
             <a:endParaRPr lang="en-US" dirty="0"/>
           </a:p>
@@ -22238,7 +23083,7 @@
           <p:nvPr/>
         </p:nvPicPr>
         <p:blipFill>
-          <a:blip r:embed="rId2"/>
+          <a:blip r:embed="rId3"/>
           <a:srcRect l="34315"/>
           <a:stretch>
             <a:fillRect/>
@@ -25553,6 +26398,109 @@
 <file path=ppt/slides/slide15.xml><?xml version="1.0" encoding="utf-8"?>
 <p:sld xmlns:a="http://schemas.openxmlformats.org/drawingml/2006/main" xmlns:r="http://schemas.openxmlformats.org/officeDocument/2006/relationships" xmlns:p="http://schemas.openxmlformats.org/presentationml/2006/main">
   <p:cSld>
+    <p:spTree>
+      <p:nvGrpSpPr>
+        <p:cNvPr id="1" name=""/>
+        <p:cNvGrpSpPr/>
+        <p:nvPr/>
+      </p:nvGrpSpPr>
+      <p:grpSpPr>
+        <a:xfrm>
+          <a:off x="0" y="0"/>
+          <a:ext cx="0" cy="0"/>
+          <a:chOff x="0" y="0"/>
+          <a:chExt cx="0" cy="0"/>
+        </a:xfrm>
+      </p:grpSpPr>
+      <p:sp>
+        <p:nvSpPr>
+          <p:cNvPr id="2" name="Titre 1">
+            <a:extLst>
+              <a:ext uri="{FF2B5EF4-FFF2-40B4-BE49-F238E27FC236}">
+                <a16:creationId xmlns:a16="http://schemas.microsoft.com/office/drawing/2014/main" id="{6CF0962A-1ACF-FF84-1B64-88F0705DE702}"/>
+              </a:ext>
+            </a:extLst>
+          </p:cNvPr>
+          <p:cNvSpPr>
+            <a:spLocks noGrp="1"/>
+          </p:cNvSpPr>
+          <p:nvPr>
+            <p:ph type="title"/>
+          </p:nvPr>
+        </p:nvSpPr>
+        <p:spPr/>
+        <p:txBody>
+          <a:bodyPr/>
+          <a:lstStyle/>
+          <a:p>
+            <a:endParaRPr lang="fr-FR"/>
+          </a:p>
+        </p:txBody>
+      </p:sp>
+      <p:pic>
+        <p:nvPicPr>
+          <p:cNvPr id="4" name="Picture 4">
+            <a:extLst>
+              <a:ext uri="{FF2B5EF4-FFF2-40B4-BE49-F238E27FC236}">
+                <a16:creationId xmlns:a16="http://schemas.microsoft.com/office/drawing/2014/main" id="{ED28ACCB-1C3D-500A-F8DF-0E2FBFDD3BD2}"/>
+              </a:ext>
+            </a:extLst>
+          </p:cNvPr>
+          <p:cNvPicPr>
+            <a:picLocks noGrp="1" noChangeAspect="1" noChangeArrowheads="1"/>
+          </p:cNvPicPr>
+          <p:nvPr>
+            <p:ph idx="1"/>
+          </p:nvPr>
+        </p:nvPicPr>
+        <p:blipFill>
+          <a:blip r:embed="rId2">
+            <a:extLst>
+              <a:ext uri="{28A0092B-C50C-407E-A947-70E740481C1C}">
+                <a14:useLocalDpi xmlns:a14="http://schemas.microsoft.com/office/drawing/2010/main" val="0"/>
+              </a:ext>
+            </a:extLst>
+          </a:blip>
+          <a:stretch>
+            <a:fillRect/>
+          </a:stretch>
+        </p:blipFill>
+        <p:spPr bwMode="auto">
+          <a:xfrm>
+            <a:off x="3481387" y="2176463"/>
+            <a:ext cx="5229225" cy="3895725"/>
+          </a:xfrm>
+          <a:prstGeom prst="rect">
+            <a:avLst/>
+          </a:prstGeom>
+          <a:noFill/>
+          <a:extLst>
+            <a:ext uri="{909E8E84-426E-40DD-AFC4-6F175D3DCCD1}">
+              <a14:hiddenFill xmlns:a14="http://schemas.microsoft.com/office/drawing/2010/main">
+                <a:solidFill>
+                  <a:srgbClr val="FFFFFF"/>
+                </a:solidFill>
+              </a14:hiddenFill>
+            </a:ext>
+          </a:extLst>
+        </p:spPr>
+      </p:pic>
+    </p:spTree>
+    <p:extLst>
+      <p:ext uri="{BB962C8B-B14F-4D97-AF65-F5344CB8AC3E}">
+        <p14:creationId xmlns:p14="http://schemas.microsoft.com/office/powerpoint/2010/main" val="633046837"/>
+      </p:ext>
+    </p:extLst>
+  </p:cSld>
+  <p:clrMapOvr>
+    <a:masterClrMapping/>
+  </p:clrMapOvr>
+</p:sld>
+</file>
+
+<file path=ppt/slides/slide16.xml><?xml version="1.0" encoding="utf-8"?>
+<p:sld xmlns:a="http://schemas.openxmlformats.org/drawingml/2006/main" xmlns:r="http://schemas.openxmlformats.org/officeDocument/2006/relationships" xmlns:p="http://schemas.openxmlformats.org/presentationml/2006/main">
+  <p:cSld>
     <p:bg>
       <p:bgPr>
         <a:solidFill>
@@ -25577,7 +26525,7 @@
       </p:grpSpPr>
       <p:sp useBgFill="1">
         <p:nvSpPr>
-          <p:cNvPr id="8" name="Background Fill">
+          <p:cNvPr id="1040" name="Background Fill">
             <a:extLst>
               <a:ext uri="{FF2B5EF4-FFF2-40B4-BE49-F238E27FC236}">
                 <a16:creationId xmlns:a16="http://schemas.microsoft.com/office/drawing/2014/main" id="{B937640E-EF7A-4A6C-A950-D12B7D5C923E}"/>
@@ -25637,10 +26585,10 @@
       </p:sp>
       <p:sp>
         <p:nvSpPr>
-          <p:cNvPr id="10" name="Rectangle 9">
+          <p:cNvPr id="1042" name="Rectangle 1041">
             <a:extLst>
               <a:ext uri="{FF2B5EF4-FFF2-40B4-BE49-F238E27FC236}">
-                <a16:creationId xmlns:a16="http://schemas.microsoft.com/office/drawing/2014/main" id="{A172EFE5-DDB5-41BC-B3F4-19D747119AEA}"/>
+                <a16:creationId xmlns:a16="http://schemas.microsoft.com/office/drawing/2014/main" id="{876BDF4D-4826-490A-8307-7247A295E282}"/>
               </a:ext>
               <a:ext uri="{C183D7F6-B498-43B3-948B-1728B52AA6E4}">
                 <adec:decorative xmlns:adec="http://schemas.microsoft.com/office/drawing/2017/decorative" val="1"/>
@@ -25702,10 +26650,10 @@
       </p:sp>
       <p:sp>
         <p:nvSpPr>
-          <p:cNvPr id="12" name="Freeform: Shape 11">
+          <p:cNvPr id="1044" name="Freeform: Shape 1043">
             <a:extLst>
               <a:ext uri="{FF2B5EF4-FFF2-40B4-BE49-F238E27FC236}">
-                <a16:creationId xmlns:a16="http://schemas.microsoft.com/office/drawing/2014/main" id="{B77B4CB6-64B7-4C1D-B623-F1EC02FCCBCE}"/>
+                <a16:creationId xmlns:a16="http://schemas.microsoft.com/office/drawing/2014/main" id="{2E0FF4CF-25CB-4537-9BBF-28B36C76BEED}"/>
               </a:ext>
               <a:ext uri="{C183D7F6-B498-43B3-948B-1728B52AA6E4}">
                 <adec:decorative xmlns:adec="http://schemas.microsoft.com/office/drawing/2017/decorative" val="1"/>
@@ -25725,70 +26673,78 @@
         </p:nvSpPr>
         <p:spPr>
           <a:xfrm>
-            <a:off x="0" y="-1"/>
-            <a:ext cx="12192000" cy="5937866"/>
+            <a:off x="4365328" y="1352190"/>
+            <a:ext cx="7823624" cy="5505810"/>
           </a:xfrm>
           <a:custGeom>
             <a:avLst/>
             <a:gdLst>
-              <a:gd name="connsiteX0" fmla="*/ 8930642 w 12192000"/>
-              <a:gd name="connsiteY0" fmla="*/ 5494299 h 5937866"/>
-              <a:gd name="connsiteX1" fmla="*/ 9143134 w 12192000"/>
-              <a:gd name="connsiteY1" fmla="*/ 5616927 h 5937866"/>
-              <a:gd name="connsiteX2" fmla="*/ 9043549 w 12192000"/>
-              <a:gd name="connsiteY2" fmla="*/ 5914543 h 5937866"/>
-              <a:gd name="connsiteX3" fmla="*/ 8745984 w 12192000"/>
-              <a:gd name="connsiteY3" fmla="*/ 5814814 h 5937866"/>
-              <a:gd name="connsiteX4" fmla="*/ 8845568 w 12192000"/>
-              <a:gd name="connsiteY4" fmla="*/ 5517199 h 5937866"/>
-              <a:gd name="connsiteX5" fmla="*/ 8930642 w 12192000"/>
-              <a:gd name="connsiteY5" fmla="*/ 5494299 h 5937866"/>
-              <a:gd name="connsiteX6" fmla="*/ 9842642 w 12192000"/>
-              <a:gd name="connsiteY6" fmla="*/ 4939308 h 5937866"/>
-              <a:gd name="connsiteX7" fmla="*/ 10272210 w 12192000"/>
-              <a:gd name="connsiteY7" fmla="*/ 5187210 h 5937866"/>
-              <a:gd name="connsiteX8" fmla="*/ 10070896 w 12192000"/>
-              <a:gd name="connsiteY8" fmla="*/ 5788857 h 5937866"/>
-              <a:gd name="connsiteX9" fmla="*/ 9469346 w 12192000"/>
-              <a:gd name="connsiteY9" fmla="*/ 5587251 h 5937866"/>
-              <a:gd name="connsiteX10" fmla="*/ 9670660 w 12192000"/>
-              <a:gd name="connsiteY10" fmla="*/ 4985603 h 5937866"/>
-              <a:gd name="connsiteX11" fmla="*/ 9842642 w 12192000"/>
-              <a:gd name="connsiteY11" fmla="*/ 4939308 h 5937866"/>
-              <a:gd name="connsiteX12" fmla="*/ 0 w 12192000"/>
-              <a:gd name="connsiteY12" fmla="*/ 0 h 5937866"/>
-              <a:gd name="connsiteX13" fmla="*/ 12188952 w 12192000"/>
-              <a:gd name="connsiteY13" fmla="*/ 0 h 5937866"/>
-              <a:gd name="connsiteX14" fmla="*/ 12188952 w 12192000"/>
-              <a:gd name="connsiteY14" fmla="*/ 1220565 h 5937866"/>
-              <a:gd name="connsiteX15" fmla="*/ 12192000 w 12192000"/>
-              <a:gd name="connsiteY15" fmla="*/ 1220565 h 5937866"/>
-              <a:gd name="connsiteX16" fmla="*/ 12192000 w 12192000"/>
-              <a:gd name="connsiteY16" fmla="*/ 4590456 h 5937866"/>
-              <a:gd name="connsiteX17" fmla="*/ 12124015 w 12192000"/>
-              <a:gd name="connsiteY17" fmla="*/ 4631278 h 5937866"/>
-              <a:gd name="connsiteX18" fmla="*/ 11077457 w 12192000"/>
-              <a:gd name="connsiteY18" fmla="*/ 4722290 h 5937866"/>
-              <a:gd name="connsiteX19" fmla="*/ 9867246 w 12192000"/>
-              <a:gd name="connsiteY19" fmla="*/ 4572157 h 5937866"/>
-              <a:gd name="connsiteX20" fmla="*/ 8994802 w 12192000"/>
-              <a:gd name="connsiteY20" fmla="*/ 5098943 h 5937866"/>
-              <a:gd name="connsiteX21" fmla="*/ 6994655 w 12192000"/>
-              <a:gd name="connsiteY21" fmla="*/ 5556202 h 5937866"/>
-              <a:gd name="connsiteX22" fmla="*/ 6287534 w 12192000"/>
-              <a:gd name="connsiteY22" fmla="*/ 4934764 h 5937866"/>
-              <a:gd name="connsiteX23" fmla="*/ 4392596 w 12192000"/>
-              <a:gd name="connsiteY23" fmla="*/ 4612909 h 5937866"/>
-              <a:gd name="connsiteX24" fmla="*/ 3014500 w 12192000"/>
-              <a:gd name="connsiteY24" fmla="*/ 5320787 h 5937866"/>
-              <a:gd name="connsiteX25" fmla="*/ 86414 w 12192000"/>
-              <a:gd name="connsiteY25" fmla="*/ 5123870 h 5937866"/>
-              <a:gd name="connsiteX26" fmla="*/ 0 w 12192000"/>
-              <a:gd name="connsiteY26" fmla="*/ 5061131 h 5937866"/>
-              <a:gd name="connsiteX27" fmla="*/ 0 w 12192000"/>
-              <a:gd name="connsiteY27" fmla="*/ 3267075 h 5937866"/>
-              <a:gd name="connsiteX28" fmla="*/ 0 w 12192000"/>
-              <a:gd name="connsiteY28" fmla="*/ 1220565 h 5937866"/>
+              <a:gd name="connsiteX0" fmla="*/ 7676365 w 7823624"/>
+              <a:gd name="connsiteY0" fmla="*/ 583688 h 5505810"/>
+              <a:gd name="connsiteX1" fmla="*/ 7807957 w 7823624"/>
+              <a:gd name="connsiteY1" fmla="*/ 609260 h 5505810"/>
+              <a:gd name="connsiteX2" fmla="*/ 7823624 w 7823624"/>
+              <a:gd name="connsiteY2" fmla="*/ 618028 h 5505810"/>
+              <a:gd name="connsiteX3" fmla="*/ 7823624 w 7823624"/>
+              <a:gd name="connsiteY3" fmla="*/ 1356037 h 5505810"/>
+              <a:gd name="connsiteX4" fmla="*/ 7783921 w 7823624"/>
+              <a:gd name="connsiteY4" fmla="*/ 1367061 h 5505810"/>
+              <a:gd name="connsiteX5" fmla="*/ 7685829 w 7823624"/>
+              <a:gd name="connsiteY5" fmla="*/ 1364631 h 5505810"/>
+              <a:gd name="connsiteX6" fmla="*/ 7556041 w 7823624"/>
+              <a:gd name="connsiteY6" fmla="*/ 1308528 h 5505810"/>
+              <a:gd name="connsiteX7" fmla="*/ 7412440 w 7823624"/>
+              <a:gd name="connsiteY7" fmla="*/ 765688 h 5505810"/>
+              <a:gd name="connsiteX8" fmla="*/ 7676365 w 7823624"/>
+              <a:gd name="connsiteY8" fmla="*/ 583688 h 5505810"/>
+              <a:gd name="connsiteX9" fmla="*/ 7062857 w 7823624"/>
+              <a:gd name="connsiteY9" fmla="*/ 396783 h 5505810"/>
+              <a:gd name="connsiteX10" fmla="*/ 7127059 w 7823624"/>
+              <a:gd name="connsiteY10" fmla="*/ 424535 h 5505810"/>
+              <a:gd name="connsiteX11" fmla="*/ 7198094 w 7823624"/>
+              <a:gd name="connsiteY11" fmla="*/ 693059 h 5505810"/>
+              <a:gd name="connsiteX12" fmla="*/ 7099157 w 7823624"/>
+              <a:gd name="connsiteY12" fmla="*/ 778505 h 5505810"/>
+              <a:gd name="connsiteX13" fmla="*/ 7034998 w 7823624"/>
+              <a:gd name="connsiteY13" fmla="*/ 780480 h 5505810"/>
+              <a:gd name="connsiteX14" fmla="*/ 6970795 w 7823624"/>
+              <a:gd name="connsiteY14" fmla="*/ 752727 h 5505810"/>
+              <a:gd name="connsiteX15" fmla="*/ 6899760 w 7823624"/>
+              <a:gd name="connsiteY15" fmla="*/ 484203 h 5505810"/>
+              <a:gd name="connsiteX16" fmla="*/ 7062857 w 7823624"/>
+              <a:gd name="connsiteY16" fmla="*/ 396783 h 5505810"/>
+              <a:gd name="connsiteX17" fmla="*/ 1780739 w 7823624"/>
+              <a:gd name="connsiteY17" fmla="*/ 1190 h 5505810"/>
+              <a:gd name="connsiteX18" fmla="*/ 2850847 w 7823624"/>
+              <a:gd name="connsiteY18" fmla="*/ 384530 h 5505810"/>
+              <a:gd name="connsiteX19" fmla="*/ 3809413 w 7823624"/>
+              <a:gd name="connsiteY19" fmla="*/ 1153764 h 5505810"/>
+              <a:gd name="connsiteX20" fmla="*/ 5160376 w 7823624"/>
+              <a:gd name="connsiteY20" fmla="*/ 1003825 h 5505810"/>
+              <a:gd name="connsiteX21" fmla="*/ 5677238 w 7823624"/>
+              <a:gd name="connsiteY21" fmla="*/ 480424 h 5505810"/>
+              <a:gd name="connsiteX22" fmla="*/ 7082965 w 7823624"/>
+              <a:gd name="connsiteY22" fmla="*/ 1065272 h 5505810"/>
+              <a:gd name="connsiteX23" fmla="*/ 7687818 w 7823624"/>
+              <a:gd name="connsiteY23" fmla="*/ 1625585 h 5505810"/>
+              <a:gd name="connsiteX24" fmla="*/ 7823624 w 7823624"/>
+              <a:gd name="connsiteY24" fmla="*/ 1633445 h 5505810"/>
+              <a:gd name="connsiteX25" fmla="*/ 7823624 w 7823624"/>
+              <a:gd name="connsiteY25" fmla="*/ 5505810 h 5505810"/>
+              <a:gd name="connsiteX26" fmla="*/ 1419133 w 7823624"/>
+              <a:gd name="connsiteY26" fmla="*/ 5505810 h 5505810"/>
+              <a:gd name="connsiteX27" fmla="*/ 1422753 w 7823624"/>
+              <a:gd name="connsiteY27" fmla="*/ 5488656 h 5505810"/>
+              <a:gd name="connsiteX28" fmla="*/ 1543078 w 7823624"/>
+              <a:gd name="connsiteY28" fmla="*/ 4961644 h 5505810"/>
+              <a:gd name="connsiteX29" fmla="*/ 1334564 w 7823624"/>
+              <a:gd name="connsiteY29" fmla="*/ 4133160 h 5505810"/>
+              <a:gd name="connsiteX30" fmla="*/ 670875 w 7823624"/>
+              <a:gd name="connsiteY30" fmla="*/ 3489628 h 5505810"/>
+              <a:gd name="connsiteX31" fmla="*/ 499515 w 7823624"/>
+              <a:gd name="connsiteY31" fmla="*/ 578153 h 5505810"/>
+              <a:gd name="connsiteX32" fmla="*/ 1780739 w 7823624"/>
+              <a:gd name="connsiteY32" fmla="*/ 1190 h 5505810"/>
             </a:gdLst>
             <a:ahLst/>
             <a:cxnLst>
@@ -25879,135 +26835,169 @@
               <a:cxn ang="0">
                 <a:pos x="connsiteX28" y="connsiteY28"/>
               </a:cxn>
+              <a:cxn ang="0">
+                <a:pos x="connsiteX29" y="connsiteY29"/>
+              </a:cxn>
+              <a:cxn ang="0">
+                <a:pos x="connsiteX30" y="connsiteY30"/>
+              </a:cxn>
+              <a:cxn ang="0">
+                <a:pos x="connsiteX31" y="connsiteY31"/>
+              </a:cxn>
+              <a:cxn ang="0">
+                <a:pos x="connsiteX32" y="connsiteY32"/>
+              </a:cxn>
             </a:cxnLst>
             <a:rect l="l" t="t" r="r" b="b"/>
             <a:pathLst>
-              <a:path w="12192000" h="5937866">
+              <a:path w="7823624" h="5505810">
                 <a:moveTo>
-                  <a:pt x="8930642" y="5494299"/>
+                  <a:pt x="7676365" y="583688"/>
                 </a:moveTo>
                 <a:cubicBezTo>
-                  <a:pt x="9016941" y="5488946"/>
-                  <a:pt x="9102130" y="5534635"/>
-                  <a:pt x="9143134" y="5616927"/>
-                </a:cubicBezTo>
-                <a:cubicBezTo>
-                  <a:pt x="9197806" y="5726652"/>
-                  <a:pt x="9153221" y="5859898"/>
-                  <a:pt x="9043549" y="5914543"/>
-                </a:cubicBezTo>
-                <a:cubicBezTo>
-                  <a:pt x="8933879" y="5969187"/>
-                  <a:pt x="8800655" y="5924538"/>
-                  <a:pt x="8745984" y="5814814"/>
-                </a:cubicBezTo>
-                <a:cubicBezTo>
-                  <a:pt x="8691311" y="5705090"/>
-                  <a:pt x="8735897" y="5571844"/>
-                  <a:pt x="8845568" y="5517199"/>
-                </a:cubicBezTo>
-                <a:cubicBezTo>
-                  <a:pt x="8872986" y="5503538"/>
-                  <a:pt x="8901875" y="5496082"/>
-                  <a:pt x="8930642" y="5494299"/>
+                  <a:pt x="7719804" y="582304"/>
+                  <a:pt x="7764489" y="590613"/>
+                  <a:pt x="7807957" y="609260"/>
+                </a:cubicBezTo>
+                <a:lnTo>
+                  <a:pt x="7823624" y="618028"/>
+                </a:lnTo>
+                <a:lnTo>
+                  <a:pt x="7823624" y="1356037"/>
+                </a:lnTo>
+                <a:lnTo>
+                  <a:pt x="7783921" y="1367061"/>
+                </a:lnTo>
+                <a:cubicBezTo>
+                  <a:pt x="7751926" y="1371702"/>
+                  <a:pt x="7718882" y="1370985"/>
+                  <a:pt x="7685829" y="1364631"/>
+                </a:cubicBezTo>
+                <a:cubicBezTo>
+                  <a:pt x="7641760" y="1356162"/>
+                  <a:pt x="7597675" y="1337676"/>
+                  <a:pt x="7556041" y="1308528"/>
+                </a:cubicBezTo>
+                <a:cubicBezTo>
+                  <a:pt x="7389499" y="1191936"/>
+                  <a:pt x="7325207" y="948898"/>
+                  <a:pt x="7412440" y="765688"/>
+                </a:cubicBezTo>
+                <a:cubicBezTo>
+                  <a:pt x="7466961" y="651183"/>
+                  <a:pt x="7567768" y="587147"/>
+                  <a:pt x="7676365" y="583688"/>
                 </a:cubicBezTo>
                 <a:close/>
                 <a:moveTo>
-                  <a:pt x="9842642" y="4939308"/>
+                  <a:pt x="7062857" y="396783"/>
                 </a:moveTo>
                 <a:cubicBezTo>
-                  <a:pt x="10017101" y="4928488"/>
-                  <a:pt x="10189318" y="5020851"/>
-                  <a:pt x="10272210" y="5187210"/>
-                </a:cubicBezTo>
-                <a:cubicBezTo>
-                  <a:pt x="10382732" y="5409023"/>
-                  <a:pt x="10292600" y="5678390"/>
-                  <a:pt x="10070896" y="5788857"/>
-                </a:cubicBezTo>
-                <a:cubicBezTo>
-                  <a:pt x="9849191" y="5899325"/>
-                  <a:pt x="9579867" y="5809063"/>
-                  <a:pt x="9469346" y="5587251"/>
-                </a:cubicBezTo>
-                <a:cubicBezTo>
-                  <a:pt x="9358824" y="5365438"/>
-                  <a:pt x="9448956" y="5096071"/>
-                  <a:pt x="9670660" y="4985603"/>
-                </a:cubicBezTo>
-                <a:cubicBezTo>
-                  <a:pt x="9726087" y="4957986"/>
-                  <a:pt x="9784490" y="4942914"/>
-                  <a:pt x="9842642" y="4939308"/>
+                  <a:pt x="7084657" y="400973"/>
+                  <a:pt x="7106463" y="410117"/>
+                  <a:pt x="7127059" y="424535"/>
+                </a:cubicBezTo>
+                <a:cubicBezTo>
+                  <a:pt x="7209442" y="482209"/>
+                  <a:pt x="7241245" y="602433"/>
+                  <a:pt x="7198094" y="693059"/>
+                </a:cubicBezTo>
+                <a:cubicBezTo>
+                  <a:pt x="7176519" y="738373"/>
+                  <a:pt x="7140289" y="767709"/>
+                  <a:pt x="7099157" y="778505"/>
+                </a:cubicBezTo>
+                <a:cubicBezTo>
+                  <a:pt x="7078590" y="783905"/>
+                  <a:pt x="7056797" y="784670"/>
+                  <a:pt x="7034998" y="780480"/>
+                </a:cubicBezTo>
+                <a:cubicBezTo>
+                  <a:pt x="7013198" y="776289"/>
+                  <a:pt x="6991391" y="767146"/>
+                  <a:pt x="6970795" y="752727"/>
+                </a:cubicBezTo>
+                <a:cubicBezTo>
+                  <a:pt x="6888412" y="695052"/>
+                  <a:pt x="6856608" y="574829"/>
+                  <a:pt x="6899760" y="484203"/>
+                </a:cubicBezTo>
+                <a:cubicBezTo>
+                  <a:pt x="6932124" y="416232"/>
+                  <a:pt x="6997458" y="384213"/>
+                  <a:pt x="7062857" y="396783"/>
                 </a:cubicBezTo>
                 <a:close/>
                 <a:moveTo>
-                  <a:pt x="0" y="0"/>
+                  <a:pt x="1780739" y="1190"/>
                 </a:moveTo>
+                <a:cubicBezTo>
+                  <a:pt x="2129768" y="14988"/>
+                  <a:pt x="2488852" y="148495"/>
+                  <a:pt x="2850847" y="384530"/>
+                </a:cubicBezTo>
+                <a:cubicBezTo>
+                  <a:pt x="3184362" y="601036"/>
+                  <a:pt x="3487788" y="901267"/>
+                  <a:pt x="3809413" y="1153764"/>
+                </a:cubicBezTo>
+                <a:cubicBezTo>
+                  <a:pt x="4262448" y="1508236"/>
+                  <a:pt x="4750558" y="1545992"/>
+                  <a:pt x="5160376" y="1003825"/>
+                </a:cubicBezTo>
+                <a:cubicBezTo>
+                  <a:pt x="5313232" y="801671"/>
+                  <a:pt x="5481196" y="587300"/>
+                  <a:pt x="5677238" y="480424"/>
+                </a:cubicBezTo>
+                <a:cubicBezTo>
+                  <a:pt x="6182723" y="204840"/>
+                  <a:pt x="6667481" y="431193"/>
+                  <a:pt x="7082965" y="1065272"/>
+                </a:cubicBezTo>
+                <a:cubicBezTo>
+                  <a:pt x="7249706" y="1319645"/>
+                  <a:pt x="7421998" y="1601453"/>
+                  <a:pt x="7687818" y="1625585"/>
+                </a:cubicBezTo>
                 <a:lnTo>
-                  <a:pt x="12188952" y="0"/>
+                  <a:pt x="7823624" y="1633445"/>
                 </a:lnTo>
                 <a:lnTo>
-                  <a:pt x="12188952" y="1220565"/>
+                  <a:pt x="7823624" y="5505810"/>
                 </a:lnTo>
                 <a:lnTo>
-                  <a:pt x="12192000" y="1220565"/>
+                  <a:pt x="1419133" y="5505810"/>
                 </a:lnTo>
                 <a:lnTo>
-                  <a:pt x="12192000" y="4590456"/>
+                  <a:pt x="1422753" y="5488656"/>
                 </a:lnTo>
-                <a:lnTo>
-                  <a:pt x="12124015" y="4631278"/>
-                </a:lnTo>
-                <a:cubicBezTo>
-                  <a:pt x="11792041" y="4802103"/>
-                  <a:pt x="11443617" y="4797817"/>
-                  <a:pt x="11077457" y="4722290"/>
-                </a:cubicBezTo>
-                <a:cubicBezTo>
-                  <a:pt x="10679189" y="4640425"/>
-                  <a:pt x="10271734" y="4578846"/>
-                  <a:pt x="9867246" y="4572157"/>
-                </a:cubicBezTo>
-                <a:cubicBezTo>
-                  <a:pt x="9492336" y="4566176"/>
-                  <a:pt x="9239136" y="4846894"/>
-                  <a:pt x="8994802" y="5098943"/>
-                </a:cubicBezTo>
-                <a:cubicBezTo>
-                  <a:pt x="8385954" y="5727243"/>
-                  <a:pt x="7695268" y="5911307"/>
-                  <a:pt x="6994655" y="5556202"/>
-                </a:cubicBezTo>
-                <a:cubicBezTo>
-                  <a:pt x="6722938" y="5418487"/>
-                  <a:pt x="6494843" y="5169191"/>
-                  <a:pt x="6287534" y="4934764"/>
-                </a:cubicBezTo>
-                <a:cubicBezTo>
-                  <a:pt x="5731733" y="4306056"/>
-                  <a:pt x="5043559" y="4288064"/>
-                  <a:pt x="4392596" y="4612909"/>
-                </a:cubicBezTo>
-                <a:cubicBezTo>
-                  <a:pt x="3930423" y="4844432"/>
-                  <a:pt x="3492022" y="5129169"/>
-                  <a:pt x="3014500" y="5320787"/>
-                </a:cubicBezTo>
-                <a:cubicBezTo>
-                  <a:pt x="1977820" y="5738974"/>
-                  <a:pt x="973242" y="5720051"/>
-                  <a:pt x="86414" y="5123870"/>
-                </a:cubicBezTo>
-                <a:lnTo>
-                  <a:pt x="0" y="5061131"/>
-                </a:lnTo>
-                <a:lnTo>
-                  <a:pt x="0" y="3267075"/>
-                </a:lnTo>
-                <a:lnTo>
-                  <a:pt x="0" y="1220565"/>
-                </a:lnTo>
+                <a:cubicBezTo>
+                  <a:pt x="1462649" y="5312984"/>
+                  <a:pt x="1506176" y="5138278"/>
+                  <a:pt x="1543078" y="4961644"/>
+                </a:cubicBezTo>
+                <a:cubicBezTo>
+                  <a:pt x="1609806" y="4640258"/>
+                  <a:pt x="1539760" y="4343419"/>
+                  <a:pt x="1334564" y="4133160"/>
+                </a:cubicBezTo>
+                <a:cubicBezTo>
+                  <a:pt x="1117562" y="3910930"/>
+                  <a:pt x="900716" y="3685928"/>
+                  <a:pt x="670875" y="3489628"/>
+                </a:cubicBezTo>
+                <a:cubicBezTo>
+                  <a:pt x="-321639" y="2642174"/>
+                  <a:pt x="-67393" y="1165752"/>
+                  <a:pt x="499515" y="578153"/>
+                </a:cubicBezTo>
+                <a:cubicBezTo>
+                  <a:pt x="899852" y="163598"/>
+                  <a:pt x="1331986" y="-16550"/>
+                  <a:pt x="1780739" y="1190"/>
+                </a:cubicBezTo>
                 <a:close/>
               </a:path>
             </a:pathLst>
@@ -26064,12 +27054,12 @@
         </p:nvSpPr>
         <p:spPr>
           <a:xfrm>
-            <a:off x="609600" y="557784"/>
-            <a:ext cx="4400550" cy="3414141"/>
+            <a:off x="609600" y="552783"/>
+            <a:ext cx="10972800" cy="1570804"/>
           </a:xfrm>
         </p:spPr>
         <p:txBody>
-          <a:bodyPr anchor="t">
+          <a:bodyPr>
             <a:normAutofit/>
           </a:bodyPr>
           <a:lstStyle/>
@@ -26100,12 +27090,12 @@
         </p:nvSpPr>
         <p:spPr>
           <a:xfrm>
-            <a:off x="5657850" y="557785"/>
-            <a:ext cx="5924550" cy="1295730"/>
+            <a:off x="609599" y="2397689"/>
+            <a:ext cx="3750023" cy="3445893"/>
           </a:xfrm>
         </p:spPr>
         <p:txBody>
-          <a:bodyPr anchor="t">
+          <a:bodyPr>
             <a:normAutofit/>
           </a:bodyPr>
           <a:lstStyle/>
@@ -26130,7 +27120,7 @@
 </p:sld>
 </file>
 
-<file path=ppt/slides/slide16.xml><?xml version="1.0" encoding="utf-8"?>
+<file path=ppt/slides/slide17.xml><?xml version="1.0" encoding="utf-8"?>
 <p:sld xmlns:a="http://schemas.openxmlformats.org/drawingml/2006/main" xmlns:r="http://schemas.openxmlformats.org/officeDocument/2006/relationships" xmlns:p="http://schemas.openxmlformats.org/presentationml/2006/main">
   <p:cSld>
     <p:spTree>
@@ -26301,7 +27291,7 @@
 </p:sld>
 </file>
 
-<file path=ppt/slides/slide17.xml><?xml version="1.0" encoding="utf-8"?>
+<file path=ppt/slides/slide18.xml><?xml version="1.0" encoding="utf-8"?>
 <p:sld xmlns:a="http://schemas.openxmlformats.org/drawingml/2006/main" xmlns:r="http://schemas.openxmlformats.org/officeDocument/2006/relationships" xmlns:p="http://schemas.openxmlformats.org/presentationml/2006/main">
   <p:cSld>
     <p:bg>
@@ -27508,7 +28498,7 @@
 </p:sld>
 </file>
 
-<file path=ppt/slides/slide18.xml><?xml version="1.0" encoding="utf-8"?>
+<file path=ppt/slides/slide19.xml><?xml version="1.0" encoding="utf-8"?>
 <p:sld xmlns:a="http://schemas.openxmlformats.org/drawingml/2006/main" xmlns:r="http://schemas.openxmlformats.org/officeDocument/2006/relationships" xmlns:p="http://schemas.openxmlformats.org/presentationml/2006/main">
   <p:cSld>
     <p:spTree>
@@ -27917,7 +28907,93 @@
 </p:sld>
 </file>
 
-<file path=ppt/slides/slide19.xml><?xml version="1.0" encoding="utf-8"?>
+<file path=ppt/slides/slide2.xml><?xml version="1.0" encoding="utf-8"?>
+<p:sld xmlns:a="http://schemas.openxmlformats.org/drawingml/2006/main" xmlns:r="http://schemas.openxmlformats.org/officeDocument/2006/relationships" xmlns:p="http://schemas.openxmlformats.org/presentationml/2006/main">
+  <p:cSld>
+    <p:spTree>
+      <p:nvGrpSpPr>
+        <p:cNvPr id="1" name=""/>
+        <p:cNvGrpSpPr/>
+        <p:nvPr/>
+      </p:nvGrpSpPr>
+      <p:grpSpPr>
+        <a:xfrm>
+          <a:off x="0" y="0"/>
+          <a:ext cx="0" cy="0"/>
+          <a:chOff x="0" y="0"/>
+          <a:chExt cx="0" cy="0"/>
+        </a:xfrm>
+      </p:grpSpPr>
+      <p:sp>
+        <p:nvSpPr>
+          <p:cNvPr id="2" name="Titre 1">
+            <a:extLst>
+              <a:ext uri="{FF2B5EF4-FFF2-40B4-BE49-F238E27FC236}">
+                <a16:creationId xmlns:a16="http://schemas.microsoft.com/office/drawing/2014/main" id="{9A7EB3DC-7797-92F8-5093-86F6B87D08E0}"/>
+              </a:ext>
+            </a:extLst>
+          </p:cNvPr>
+          <p:cNvSpPr>
+            <a:spLocks noGrp="1"/>
+          </p:cNvSpPr>
+          <p:nvPr>
+            <p:ph type="ctrTitle"/>
+          </p:nvPr>
+        </p:nvSpPr>
+        <p:spPr/>
+        <p:txBody>
+          <a:bodyPr/>
+          <a:lstStyle/>
+          <a:p>
+            <a:r>
+              <a:rPr lang="fr-FR" dirty="0"/>
+              <a:t>Définition </a:t>
+            </a:r>
+          </a:p>
+        </p:txBody>
+      </p:sp>
+      <p:sp>
+        <p:nvSpPr>
+          <p:cNvPr id="3" name="Sous-titre 2">
+            <a:extLst>
+              <a:ext uri="{FF2B5EF4-FFF2-40B4-BE49-F238E27FC236}">
+                <a16:creationId xmlns:a16="http://schemas.microsoft.com/office/drawing/2014/main" id="{BDE31E21-E8D5-A0E2-6C84-4904EEF0E608}"/>
+              </a:ext>
+            </a:extLst>
+          </p:cNvPr>
+          <p:cNvSpPr>
+            <a:spLocks noGrp="1"/>
+          </p:cNvSpPr>
+          <p:nvPr>
+            <p:ph type="subTitle" idx="1"/>
+          </p:nvPr>
+        </p:nvSpPr>
+        <p:spPr/>
+        <p:txBody>
+          <a:bodyPr/>
+          <a:lstStyle/>
+          <a:p>
+            <a:r>
+              <a:rPr lang="fr-FR" dirty="0"/>
+              <a:t>Un protocole qui permet la communication entre les clients et les serveurs web, facilitant l’échange de pages web et de données</a:t>
+            </a:r>
+          </a:p>
+        </p:txBody>
+      </p:sp>
+    </p:spTree>
+    <p:extLst>
+      <p:ext uri="{BB962C8B-B14F-4D97-AF65-F5344CB8AC3E}">
+        <p14:creationId xmlns:p14="http://schemas.microsoft.com/office/powerpoint/2010/main" val="151950841"/>
+      </p:ext>
+    </p:extLst>
+  </p:cSld>
+  <p:clrMapOvr>
+    <a:masterClrMapping/>
+  </p:clrMapOvr>
+</p:sld>
+</file>
+
+<file path=ppt/slides/slide20.xml><?xml version="1.0" encoding="utf-8"?>
 <p:sld xmlns:a="http://schemas.openxmlformats.org/drawingml/2006/main" xmlns:r="http://schemas.openxmlformats.org/officeDocument/2006/relationships" xmlns:p="http://schemas.openxmlformats.org/presentationml/2006/main">
   <p:cSld>
     <p:bg>
@@ -28575,93 +29651,7 @@
 </p:sld>
 </file>
 
-<file path=ppt/slides/slide2.xml><?xml version="1.0" encoding="utf-8"?>
-<p:sld xmlns:a="http://schemas.openxmlformats.org/drawingml/2006/main" xmlns:r="http://schemas.openxmlformats.org/officeDocument/2006/relationships" xmlns:p="http://schemas.openxmlformats.org/presentationml/2006/main">
-  <p:cSld>
-    <p:spTree>
-      <p:nvGrpSpPr>
-        <p:cNvPr id="1" name=""/>
-        <p:cNvGrpSpPr/>
-        <p:nvPr/>
-      </p:nvGrpSpPr>
-      <p:grpSpPr>
-        <a:xfrm>
-          <a:off x="0" y="0"/>
-          <a:ext cx="0" cy="0"/>
-          <a:chOff x="0" y="0"/>
-          <a:chExt cx="0" cy="0"/>
-        </a:xfrm>
-      </p:grpSpPr>
-      <p:sp>
-        <p:nvSpPr>
-          <p:cNvPr id="2" name="Titre 1">
-            <a:extLst>
-              <a:ext uri="{FF2B5EF4-FFF2-40B4-BE49-F238E27FC236}">
-                <a16:creationId xmlns:a16="http://schemas.microsoft.com/office/drawing/2014/main" id="{9A7EB3DC-7797-92F8-5093-86F6B87D08E0}"/>
-              </a:ext>
-            </a:extLst>
-          </p:cNvPr>
-          <p:cNvSpPr>
-            <a:spLocks noGrp="1"/>
-          </p:cNvSpPr>
-          <p:nvPr>
-            <p:ph type="ctrTitle"/>
-          </p:nvPr>
-        </p:nvSpPr>
-        <p:spPr/>
-        <p:txBody>
-          <a:bodyPr/>
-          <a:lstStyle/>
-          <a:p>
-            <a:r>
-              <a:rPr lang="fr-FR" dirty="0"/>
-              <a:t>Définition </a:t>
-            </a:r>
-          </a:p>
-        </p:txBody>
-      </p:sp>
-      <p:sp>
-        <p:nvSpPr>
-          <p:cNvPr id="3" name="Sous-titre 2">
-            <a:extLst>
-              <a:ext uri="{FF2B5EF4-FFF2-40B4-BE49-F238E27FC236}">
-                <a16:creationId xmlns:a16="http://schemas.microsoft.com/office/drawing/2014/main" id="{BDE31E21-E8D5-A0E2-6C84-4904EEF0E608}"/>
-              </a:ext>
-            </a:extLst>
-          </p:cNvPr>
-          <p:cNvSpPr>
-            <a:spLocks noGrp="1"/>
-          </p:cNvSpPr>
-          <p:nvPr>
-            <p:ph type="subTitle" idx="1"/>
-          </p:nvPr>
-        </p:nvSpPr>
-        <p:spPr/>
-        <p:txBody>
-          <a:bodyPr/>
-          <a:lstStyle/>
-          <a:p>
-            <a:r>
-              <a:rPr lang="fr-FR" dirty="0"/>
-              <a:t>Un protocole qui permet la communication entre les clients et les serveurs web, facilitant l’échange de pages web et de données</a:t>
-            </a:r>
-          </a:p>
-        </p:txBody>
-      </p:sp>
-    </p:spTree>
-    <p:extLst>
-      <p:ext uri="{BB962C8B-B14F-4D97-AF65-F5344CB8AC3E}">
-        <p14:creationId xmlns:p14="http://schemas.microsoft.com/office/powerpoint/2010/main" val="151950841"/>
-      </p:ext>
-    </p:extLst>
-  </p:cSld>
-  <p:clrMapOvr>
-    <a:masterClrMapping/>
-  </p:clrMapOvr>
-</p:sld>
-</file>
-
-<file path=ppt/slides/slide20.xml><?xml version="1.0" encoding="utf-8"?>
+<file path=ppt/slides/slide21.xml><?xml version="1.0" encoding="utf-8"?>
 <p:sld xmlns:a="http://schemas.openxmlformats.org/drawingml/2006/main" xmlns:r="http://schemas.openxmlformats.org/officeDocument/2006/relationships" xmlns:p="http://schemas.openxmlformats.org/presentationml/2006/main">
   <p:cSld>
     <p:bg>
@@ -29368,7 +30358,7 @@
 </p:sld>
 </file>
 
-<file path=ppt/slides/slide21.xml><?xml version="1.0" encoding="utf-8"?>
+<file path=ppt/slides/slide22.xml><?xml version="1.0" encoding="utf-8"?>
 <p:sld xmlns:a="http://schemas.openxmlformats.org/drawingml/2006/main" xmlns:r="http://schemas.openxmlformats.org/officeDocument/2006/relationships" xmlns:p="http://schemas.openxmlformats.org/presentationml/2006/main">
   <p:cSld>
     <p:bg>
@@ -30820,7 +31810,7 @@
 </p:sld>
 </file>
 
-<file path=ppt/slides/slide22.xml><?xml version="1.0" encoding="utf-8"?>
+<file path=ppt/slides/slide23.xml><?xml version="1.0" encoding="utf-8"?>
 <p:sld xmlns:a="http://schemas.openxmlformats.org/drawingml/2006/main" xmlns:r="http://schemas.openxmlformats.org/officeDocument/2006/relationships" xmlns:p="http://schemas.openxmlformats.org/presentationml/2006/main">
   <p:cSld>
     <p:bg>
@@ -31958,7 +32948,7 @@
 </p:sld>
 </file>
 
-<file path=ppt/slides/slide23.xml><?xml version="1.0" encoding="utf-8"?>
+<file path=ppt/slides/slide24.xml><?xml version="1.0" encoding="utf-8"?>
 <p:sld xmlns:a="http://schemas.openxmlformats.org/drawingml/2006/main" xmlns:r="http://schemas.openxmlformats.org/officeDocument/2006/relationships" xmlns:p="http://schemas.openxmlformats.org/presentationml/2006/main">
   <p:cSld>
     <p:bg>
@@ -34850,7 +35840,7 @@
         </p:blipFill>
         <p:spPr>
           <a:xfrm>
-            <a:off x="4453169" y="3051020"/>
+            <a:off x="4453169" y="3070898"/>
             <a:ext cx="3285661" cy="3285661"/>
           </a:xfrm>
           <a:prstGeom prst="rect">
@@ -34898,7 +35888,7 @@
       </p:grpSpPr>
       <p:sp useBgFill="1">
         <p:nvSpPr>
-          <p:cNvPr id="9" name="Background Fill">
+          <p:cNvPr id="1045" name="Background Fill">
             <a:extLst>
               <a:ext uri="{FF2B5EF4-FFF2-40B4-BE49-F238E27FC236}">
                 <a16:creationId xmlns:a16="http://schemas.microsoft.com/office/drawing/2014/main" id="{B937640E-EF7A-4A6C-A950-D12B7D5C923E}"/>
@@ -34958,10 +35948,10 @@
       </p:sp>
       <p:sp>
         <p:nvSpPr>
-          <p:cNvPr id="11" name="Rectangle 10">
+          <p:cNvPr id="1046" name="Rectangle 1045">
             <a:extLst>
               <a:ext uri="{FF2B5EF4-FFF2-40B4-BE49-F238E27FC236}">
-                <a16:creationId xmlns:a16="http://schemas.microsoft.com/office/drawing/2014/main" id="{FFF975DA-2F73-4697-B7A9-A2E834712394}"/>
+                <a16:creationId xmlns:a16="http://schemas.microsoft.com/office/drawing/2014/main" id="{39796C61-3902-4C2A-AD60-D926667F530C}"/>
               </a:ext>
               <a:ext uri="{C183D7F6-B498-43B3-948B-1728B52AA6E4}">
                 <adec:decorative xmlns:adec="http://schemas.microsoft.com/office/drawing/2017/decorative" val="1"/>
@@ -35023,6 +36013,362 @@
       </p:sp>
       <p:sp>
         <p:nvSpPr>
+          <p:cNvPr id="1047" name="Freeform: Shape 1034">
+            <a:extLst>
+              <a:ext uri="{FF2B5EF4-FFF2-40B4-BE49-F238E27FC236}">
+                <a16:creationId xmlns:a16="http://schemas.microsoft.com/office/drawing/2014/main" id="{36A49EC6-053B-4ACB-9913-5C4B245E913B}"/>
+              </a:ext>
+              <a:ext uri="{C183D7F6-B498-43B3-948B-1728B52AA6E4}">
+                <adec:decorative xmlns:adec="http://schemas.microsoft.com/office/drawing/2017/decorative" val="1"/>
+              </a:ext>
+            </a:extLst>
+          </p:cNvPr>
+          <p:cNvSpPr>
+            <a:spLocks noGrp="1" noRot="1" noChangeAspect="1" noMove="1" noResize="1" noEditPoints="1" noAdjustHandles="1" noChangeArrowheads="1" noChangeShapeType="1" noTextEdit="1"/>
+          </p:cNvSpPr>
+          <p:nvPr>
+            <p:extLst>
+              <p:ext uri="{386F3935-93C4-4BCD-93E2-E3B085C9AB24}">
+                <p16:designElem xmlns:p16="http://schemas.microsoft.com/office/powerpoint/2015/main" val="1"/>
+              </p:ext>
+            </p:extLst>
+          </p:nvPr>
+        </p:nvSpPr>
+        <p:spPr>
+          <a:xfrm flipV="1">
+            <a:off x="-9474" y="2353584"/>
+            <a:ext cx="7276966" cy="4504413"/>
+          </a:xfrm>
+          <a:custGeom>
+            <a:avLst/>
+            <a:gdLst>
+              <a:gd name="connsiteX0" fmla="*/ 1412408 w 8831334"/>
+              <a:gd name="connsiteY0" fmla="*/ 4231273 h 4923095"/>
+              <a:gd name="connsiteX1" fmla="*/ 1480115 w 8831334"/>
+              <a:gd name="connsiteY1" fmla="*/ 4255873 h 4923095"/>
+              <a:gd name="connsiteX2" fmla="*/ 1555026 w 8831334"/>
+              <a:gd name="connsiteY2" fmla="*/ 4493895 h 4923095"/>
+              <a:gd name="connsiteX3" fmla="*/ 1315323 w 8831334"/>
+              <a:gd name="connsiteY3" fmla="*/ 4546785 h 4923095"/>
+              <a:gd name="connsiteX4" fmla="*/ 1240411 w 8831334"/>
+              <a:gd name="connsiteY4" fmla="*/ 4308763 h 4923095"/>
+              <a:gd name="connsiteX5" fmla="*/ 1344748 w 8831334"/>
+              <a:gd name="connsiteY5" fmla="*/ 4233023 h 4923095"/>
+              <a:gd name="connsiteX6" fmla="*/ 1412408 w 8831334"/>
+              <a:gd name="connsiteY6" fmla="*/ 4231273 h 4923095"/>
+              <a:gd name="connsiteX7" fmla="*/ 622613 w 8831334"/>
+              <a:gd name="connsiteY7" fmla="*/ 3711323 h 4923095"/>
+              <a:gd name="connsiteX8" fmla="*/ 726058 w 8831334"/>
+              <a:gd name="connsiteY8" fmla="*/ 3713477 h 4923095"/>
+              <a:gd name="connsiteX9" fmla="*/ 862930 w 8831334"/>
+              <a:gd name="connsiteY9" fmla="*/ 3763207 h 4923095"/>
+              <a:gd name="connsiteX10" fmla="*/ 1014368 w 8831334"/>
+              <a:gd name="connsiteY10" fmla="*/ 4244384 h 4923095"/>
+              <a:gd name="connsiteX11" fmla="*/ 529792 w 8831334"/>
+              <a:gd name="connsiteY11" fmla="*/ 4351304 h 4923095"/>
+              <a:gd name="connsiteX12" fmla="*/ 378355 w 8831334"/>
+              <a:gd name="connsiteY12" fmla="*/ 3870127 h 4923095"/>
+              <a:gd name="connsiteX13" fmla="*/ 622613 w 8831334"/>
+              <a:gd name="connsiteY13" fmla="*/ 3711323 h 4923095"/>
+              <a:gd name="connsiteX14" fmla="*/ 0 w 8831334"/>
+              <a:gd name="connsiteY14" fmla="*/ 0 h 4923095"/>
+              <a:gd name="connsiteX15" fmla="*/ 7345477 w 8831334"/>
+              <a:gd name="connsiteY15" fmla="*/ 0 h 4923095"/>
+              <a:gd name="connsiteX16" fmla="*/ 7330937 w 8831334"/>
+              <a:gd name="connsiteY16" fmla="*/ 57909 h 4923095"/>
+              <a:gd name="connsiteX17" fmla="*/ 7204045 w 8831334"/>
+              <a:gd name="connsiteY17" fmla="*/ 525057 h 4923095"/>
+              <a:gd name="connsiteX18" fmla="*/ 7423939 w 8831334"/>
+              <a:gd name="connsiteY18" fmla="*/ 1259431 h 4923095"/>
+              <a:gd name="connsiteX19" fmla="*/ 8123848 w 8831334"/>
+              <a:gd name="connsiteY19" fmla="*/ 1829863 h 4923095"/>
+              <a:gd name="connsiteX20" fmla="*/ 8304560 w 8831334"/>
+              <a:gd name="connsiteY20" fmla="*/ 4410617 h 4923095"/>
+              <a:gd name="connsiteX21" fmla="*/ 5824906 w 8831334"/>
+              <a:gd name="connsiteY21" fmla="*/ 4582246 h 4923095"/>
+              <a:gd name="connsiteX22" fmla="*/ 4814027 w 8831334"/>
+              <a:gd name="connsiteY22" fmla="*/ 3900391 h 4923095"/>
+              <a:gd name="connsiteX23" fmla="*/ 3389336 w 8831334"/>
+              <a:gd name="connsiteY23" fmla="*/ 4033298 h 4923095"/>
+              <a:gd name="connsiteX24" fmla="*/ 2844266 w 8831334"/>
+              <a:gd name="connsiteY24" fmla="*/ 4497245 h 4923095"/>
+              <a:gd name="connsiteX25" fmla="*/ 1361823 w 8831334"/>
+              <a:gd name="connsiteY25" fmla="*/ 3978831 h 4923095"/>
+              <a:gd name="connsiteX26" fmla="*/ 723961 w 8831334"/>
+              <a:gd name="connsiteY26" fmla="*/ 3482165 h 4923095"/>
+              <a:gd name="connsiteX27" fmla="*/ 41451 w 8831334"/>
+              <a:gd name="connsiteY27" fmla="*/ 3495177 h 4923095"/>
+              <a:gd name="connsiteX28" fmla="*/ 0 w 8831334"/>
+              <a:gd name="connsiteY28" fmla="*/ 3499960 h 4923095"/>
+            </a:gdLst>
+            <a:ahLst/>
+            <a:cxnLst>
+              <a:cxn ang="0">
+                <a:pos x="connsiteX0" y="connsiteY0"/>
+              </a:cxn>
+              <a:cxn ang="0">
+                <a:pos x="connsiteX1" y="connsiteY1"/>
+              </a:cxn>
+              <a:cxn ang="0">
+                <a:pos x="connsiteX2" y="connsiteY2"/>
+              </a:cxn>
+              <a:cxn ang="0">
+                <a:pos x="connsiteX3" y="connsiteY3"/>
+              </a:cxn>
+              <a:cxn ang="0">
+                <a:pos x="connsiteX4" y="connsiteY4"/>
+              </a:cxn>
+              <a:cxn ang="0">
+                <a:pos x="connsiteX5" y="connsiteY5"/>
+              </a:cxn>
+              <a:cxn ang="0">
+                <a:pos x="connsiteX6" y="connsiteY6"/>
+              </a:cxn>
+              <a:cxn ang="0">
+                <a:pos x="connsiteX7" y="connsiteY7"/>
+              </a:cxn>
+              <a:cxn ang="0">
+                <a:pos x="connsiteX8" y="connsiteY8"/>
+              </a:cxn>
+              <a:cxn ang="0">
+                <a:pos x="connsiteX9" y="connsiteY9"/>
+              </a:cxn>
+              <a:cxn ang="0">
+                <a:pos x="connsiteX10" y="connsiteY10"/>
+              </a:cxn>
+              <a:cxn ang="0">
+                <a:pos x="connsiteX11" y="connsiteY11"/>
+              </a:cxn>
+              <a:cxn ang="0">
+                <a:pos x="connsiteX12" y="connsiteY12"/>
+              </a:cxn>
+              <a:cxn ang="0">
+                <a:pos x="connsiteX13" y="connsiteY13"/>
+              </a:cxn>
+              <a:cxn ang="0">
+                <a:pos x="connsiteX14" y="connsiteY14"/>
+              </a:cxn>
+              <a:cxn ang="0">
+                <a:pos x="connsiteX15" y="connsiteY15"/>
+              </a:cxn>
+              <a:cxn ang="0">
+                <a:pos x="connsiteX16" y="connsiteY16"/>
+              </a:cxn>
+              <a:cxn ang="0">
+                <a:pos x="connsiteX17" y="connsiteY17"/>
+              </a:cxn>
+              <a:cxn ang="0">
+                <a:pos x="connsiteX18" y="connsiteY18"/>
+              </a:cxn>
+              <a:cxn ang="0">
+                <a:pos x="connsiteX19" y="connsiteY19"/>
+              </a:cxn>
+              <a:cxn ang="0">
+                <a:pos x="connsiteX20" y="connsiteY20"/>
+              </a:cxn>
+              <a:cxn ang="0">
+                <a:pos x="connsiteX21" y="connsiteY21"/>
+              </a:cxn>
+              <a:cxn ang="0">
+                <a:pos x="connsiteX22" y="connsiteY22"/>
+              </a:cxn>
+              <a:cxn ang="0">
+                <a:pos x="connsiteX23" y="connsiteY23"/>
+              </a:cxn>
+              <a:cxn ang="0">
+                <a:pos x="connsiteX24" y="connsiteY24"/>
+              </a:cxn>
+              <a:cxn ang="0">
+                <a:pos x="connsiteX25" y="connsiteY25"/>
+              </a:cxn>
+              <a:cxn ang="0">
+                <a:pos x="connsiteX26" y="connsiteY26"/>
+              </a:cxn>
+              <a:cxn ang="0">
+                <a:pos x="connsiteX27" y="connsiteY27"/>
+              </a:cxn>
+              <a:cxn ang="0">
+                <a:pos x="connsiteX28" y="connsiteY28"/>
+              </a:cxn>
+            </a:cxnLst>
+            <a:rect l="l" t="t" r="r" b="b"/>
+            <a:pathLst>
+              <a:path w="8831334" h="4923095">
+                <a:moveTo>
+                  <a:pt x="1412408" y="4231273"/>
+                </a:moveTo>
+                <a:cubicBezTo>
+                  <a:pt x="1435398" y="4234988"/>
+                  <a:pt x="1458395" y="4243092"/>
+                  <a:pt x="1480115" y="4255873"/>
+                </a:cubicBezTo>
+                <a:cubicBezTo>
+                  <a:pt x="1566994" y="4306997"/>
+                  <a:pt x="1600533" y="4413563"/>
+                  <a:pt x="1555026" y="4493895"/>
+                </a:cubicBezTo>
+                <a:cubicBezTo>
+                  <a:pt x="1509520" y="4574228"/>
+                  <a:pt x="1402201" y="4597907"/>
+                  <a:pt x="1315323" y="4546785"/>
+                </a:cubicBezTo>
+                <a:cubicBezTo>
+                  <a:pt x="1228444" y="4495662"/>
+                  <a:pt x="1194905" y="4389095"/>
+                  <a:pt x="1240411" y="4308763"/>
+                </a:cubicBezTo>
+                <a:cubicBezTo>
+                  <a:pt x="1263164" y="4268597"/>
+                  <a:pt x="1301371" y="4242593"/>
+                  <a:pt x="1344748" y="4233023"/>
+                </a:cubicBezTo>
+                <a:cubicBezTo>
+                  <a:pt x="1366437" y="4228237"/>
+                  <a:pt x="1389419" y="4227559"/>
+                  <a:pt x="1412408" y="4231273"/>
+                </a:cubicBezTo>
+                <a:close/>
+                <a:moveTo>
+                  <a:pt x="622613" y="3711323"/>
+                </a:moveTo>
+                <a:cubicBezTo>
+                  <a:pt x="656354" y="3707209"/>
+                  <a:pt x="691202" y="3707845"/>
+                  <a:pt x="726058" y="3713477"/>
+                </a:cubicBezTo>
+                <a:cubicBezTo>
+                  <a:pt x="772533" y="3720984"/>
+                  <a:pt x="819023" y="3737370"/>
+                  <a:pt x="862930" y="3763207"/>
+                </a:cubicBezTo>
+                <a:cubicBezTo>
+                  <a:pt x="1038560" y="3866555"/>
+                  <a:pt x="1106361" y="4081986"/>
+                  <a:pt x="1014368" y="4244384"/>
+                </a:cubicBezTo>
+                <a:cubicBezTo>
+                  <a:pt x="922373" y="4406782"/>
+                  <a:pt x="705422" y="4454653"/>
+                  <a:pt x="529792" y="4351304"/>
+                </a:cubicBezTo>
+                <a:cubicBezTo>
+                  <a:pt x="354162" y="4247957"/>
+                  <a:pt x="286361" y="4032525"/>
+                  <a:pt x="378355" y="3870127"/>
+                </a:cubicBezTo>
+                <a:cubicBezTo>
+                  <a:pt x="430102" y="3778778"/>
+                  <a:pt x="521385" y="3723667"/>
+                  <a:pt x="622613" y="3711323"/>
+                </a:cubicBezTo>
+                <a:close/>
+                <a:moveTo>
+                  <a:pt x="0" y="0"/>
+                </a:moveTo>
+                <a:lnTo>
+                  <a:pt x="7345477" y="0"/>
+                </a:lnTo>
+                <a:lnTo>
+                  <a:pt x="7330937" y="57909"/>
+                </a:lnTo>
+                <a:cubicBezTo>
+                  <a:pt x="7288864" y="213626"/>
+                  <a:pt x="7242961" y="368487"/>
+                  <a:pt x="7204045" y="525057"/>
+                </a:cubicBezTo>
+                <a:cubicBezTo>
+                  <a:pt x="7133676" y="809936"/>
+                  <a:pt x="7207545" y="1073056"/>
+                  <a:pt x="7423939" y="1259431"/>
+                </a:cubicBezTo>
+                <a:cubicBezTo>
+                  <a:pt x="7652783" y="1456418"/>
+                  <a:pt x="7881464" y="1655861"/>
+                  <a:pt x="8123848" y="1829863"/>
+                </a:cubicBezTo>
+                <a:cubicBezTo>
+                  <a:pt x="9170527" y="2581053"/>
+                  <a:pt x="8902406" y="3889765"/>
+                  <a:pt x="8304560" y="4410617"/>
+                </a:cubicBezTo>
+                <a:cubicBezTo>
+                  <a:pt x="7554009" y="5063887"/>
+                  <a:pt x="6697479" y="5060469"/>
+                  <a:pt x="5824906" y="4582246"/>
+                </a:cubicBezTo>
+                <a:cubicBezTo>
+                  <a:pt x="5473190" y="4390333"/>
+                  <a:pt x="5153204" y="4124206"/>
+                  <a:pt x="4814027" y="3900391"/>
+                </a:cubicBezTo>
+                <a:cubicBezTo>
+                  <a:pt x="4336267" y="3586184"/>
+                  <a:pt x="3821519" y="3552717"/>
+                  <a:pt x="3389336" y="4033298"/>
+                </a:cubicBezTo>
+                <a:cubicBezTo>
+                  <a:pt x="3228138" y="4212489"/>
+                  <a:pt x="3051008" y="4402509"/>
+                  <a:pt x="2844266" y="4497245"/>
+                </a:cubicBezTo>
+                <a:cubicBezTo>
+                  <a:pt x="2311195" y="4741524"/>
+                  <a:pt x="1799982" y="4540883"/>
+                  <a:pt x="1361823" y="3978831"/>
+                </a:cubicBezTo>
+                <a:cubicBezTo>
+                  <a:pt x="1185983" y="3753353"/>
+                  <a:pt x="1004288" y="3503556"/>
+                  <a:pt x="723961" y="3482165"/>
+                </a:cubicBezTo>
+                <a:cubicBezTo>
+                  <a:pt x="497125" y="3465003"/>
+                  <a:pt x="268214" y="3473242"/>
+                  <a:pt x="41451" y="3495177"/>
+                </a:cubicBezTo>
+                <a:lnTo>
+                  <a:pt x="0" y="3499960"/>
+                </a:lnTo>
+                <a:close/>
+              </a:path>
+            </a:pathLst>
+          </a:custGeom>
+          <a:solidFill>
+            <a:schemeClr val="bg1"/>
+          </a:solidFill>
+          <a:ln>
+            <a:noFill/>
+          </a:ln>
+        </p:spPr>
+        <p:style>
+          <a:lnRef idx="2">
+            <a:schemeClr val="accent1">
+              <a:shade val="50000"/>
+            </a:schemeClr>
+          </a:lnRef>
+          <a:fillRef idx="1">
+            <a:schemeClr val="accent1"/>
+          </a:fillRef>
+          <a:effectRef idx="0">
+            <a:schemeClr val="accent1"/>
+          </a:effectRef>
+          <a:fontRef idx="minor">
+            <a:schemeClr val="lt1"/>
+          </a:fontRef>
+        </p:style>
+        <p:txBody>
+          <a:bodyPr wrap="square" rtlCol="0" anchor="ctr">
+            <a:noAutofit/>
+          </a:bodyPr>
+          <a:lstStyle/>
+          <a:p>
+            <a:pPr algn="ctr"/>
+            <a:endParaRPr lang="en-US"/>
+          </a:p>
+        </p:txBody>
+      </p:sp>
+      <p:sp>
+        <p:nvSpPr>
           <p:cNvPr id="2" name="Titre 1">
             <a:extLst>
               <a:ext uri="{FF2B5EF4-FFF2-40B4-BE49-F238E27FC236}">
@@ -35039,12 +36385,12 @@
         </p:nvSpPr>
         <p:spPr>
           <a:xfrm>
-            <a:off x="609600" y="557784"/>
-            <a:ext cx="10972800" cy="1325563"/>
+            <a:off x="609600" y="810563"/>
+            <a:ext cx="4618072" cy="1782986"/>
           </a:xfrm>
         </p:spPr>
         <p:txBody>
-          <a:bodyPr>
+          <a:bodyPr anchor="t">
             <a:normAutofit/>
           </a:bodyPr>
           <a:lstStyle/>
@@ -35060,6 +36406,52 @@
           </a:p>
         </p:txBody>
       </p:sp>
+      <p:pic>
+        <p:nvPicPr>
+          <p:cNvPr id="1026" name="Picture 2">
+            <a:extLst>
+              <a:ext uri="{FF2B5EF4-FFF2-40B4-BE49-F238E27FC236}">
+                <a16:creationId xmlns:a16="http://schemas.microsoft.com/office/drawing/2014/main" id="{98298F08-2465-504A-FC4C-0335AA8D4138}"/>
+              </a:ext>
+            </a:extLst>
+          </p:cNvPr>
+          <p:cNvPicPr>
+            <a:picLocks noChangeAspect="1" noChangeArrowheads="1"/>
+          </p:cNvPicPr>
+          <p:nvPr/>
+        </p:nvPicPr>
+        <p:blipFill>
+          <a:blip r:embed="rId3">
+            <a:extLst>
+              <a:ext uri="{28A0092B-C50C-407E-A947-70E740481C1C}">
+                <a14:useLocalDpi xmlns:a14="http://schemas.microsoft.com/office/drawing/2010/main" val="0"/>
+              </a:ext>
+            </a:extLst>
+          </a:blip>
+          <a:stretch>
+            <a:fillRect/>
+          </a:stretch>
+        </p:blipFill>
+        <p:spPr bwMode="auto">
+          <a:xfrm>
+            <a:off x="79514" y="3145491"/>
+            <a:ext cx="5287616" cy="3603284"/>
+          </a:xfrm>
+          <a:prstGeom prst="rect">
+            <a:avLst/>
+          </a:prstGeom>
+          <a:noFill/>
+          <a:extLst>
+            <a:ext uri="{909E8E84-426E-40DD-AFC4-6F175D3DCCD1}">
+              <a14:hiddenFill xmlns:a14="http://schemas.microsoft.com/office/drawing/2010/main">
+                <a:solidFill>
+                  <a:srgbClr val="FFFFFF"/>
+                </a:solidFill>
+              </a14:hiddenFill>
+            </a:ext>
+          </a:extLst>
+        </p:spPr>
+      </p:pic>
       <p:graphicFrame>
         <p:nvGraphicFramePr>
           <p:cNvPr id="5" name="Espace réservé du contenu 2">
@@ -35076,18 +36468,18 @@
             <p:ph idx="1"/>
             <p:extLst>
               <p:ext uri="{D42A27DB-BD31-4B8C-83A1-F6EECF244321}">
-                <p14:modId xmlns:p14="http://schemas.microsoft.com/office/powerpoint/2010/main" val="1854418250"/>
+                <p14:modId xmlns:p14="http://schemas.microsoft.com/office/powerpoint/2010/main" val="603835512"/>
               </p:ext>
             </p:extLst>
           </p:nvPr>
         </p:nvGraphicFramePr>
         <p:xfrm>
-          <a:off x="609600" y="2106613"/>
-          <a:ext cx="10972800" cy="4035425"/>
+          <a:off x="5981050" y="810562"/>
+          <a:ext cx="4349198" cy="5033021"/>
         </p:xfrm>
         <a:graphic>
           <a:graphicData uri="http://schemas.openxmlformats.org/drawingml/2006/diagram">
-            <dgm:relIds xmlns:dgm="http://schemas.openxmlformats.org/drawingml/2006/diagram" xmlns:r="http://schemas.openxmlformats.org/officeDocument/2006/relationships" r:dm="rId2" r:lo="rId3" r:qs="rId4" r:cs="rId5"/>
+            <dgm:relIds xmlns:dgm="http://schemas.openxmlformats.org/drawingml/2006/diagram" xmlns:r="http://schemas.openxmlformats.org/officeDocument/2006/relationships" r:dm="rId4" r:lo="rId5" r:qs="rId6" r:cs="rId7"/>
           </a:graphicData>
         </a:graphic>
       </p:graphicFrame>
@@ -35593,7 +36985,21 @@
                 <a:effectLst/>
                 <a:latin typeface="gg sans"/>
               </a:rPr>
-              <a:t>Pour nous c'est bien plus pratique et agréable de retenir google (par exemple) que de retenir son adresse IP (8.8.8.8). </a:t>
+              <a:t>Pour nous c'est bien plus pratique et agréable de retenir google (par exemple) que de retenir son adresse IP du </a:t>
+            </a:r>
+            <a:r>
+              <a:rPr lang="fr-FR" b="0" i="0">
+                <a:effectLst/>
+                <a:latin typeface="gg sans"/>
+              </a:rPr>
+              <a:t>serveur DNS (</a:t>
+            </a:r>
+            <a:r>
+              <a:rPr lang="fr-FR" b="0" i="0" dirty="0">
+                <a:effectLst/>
+                <a:latin typeface="gg sans"/>
+              </a:rPr>
+              <a:t>8.8.8.8). </a:t>
             </a:r>
           </a:p>
           <a:p>
@@ -35820,4 +37226,319 @@
     </a:ext>
   </a:extLst>
 </a:theme>
+</file>
+
+<file path=ppt/theme/theme2.xml><?xml version="1.0" encoding="utf-8"?>
+<a:theme xmlns:a="http://schemas.openxmlformats.org/drawingml/2006/main" name="Thème Office">
+  <a:themeElements>
+    <a:clrScheme name="Office">
+      <a:dk1>
+        <a:sysClr val="windowText" lastClr="000000"/>
+      </a:dk1>
+      <a:lt1>
+        <a:sysClr val="window" lastClr="FFFFFF"/>
+      </a:lt1>
+      <a:dk2>
+        <a:srgbClr val="0E2841"/>
+      </a:dk2>
+      <a:lt2>
+        <a:srgbClr val="E8E8E8"/>
+      </a:lt2>
+      <a:accent1>
+        <a:srgbClr val="156082"/>
+      </a:accent1>
+      <a:accent2>
+        <a:srgbClr val="E97132"/>
+      </a:accent2>
+      <a:accent3>
+        <a:srgbClr val="196B24"/>
+      </a:accent3>
+      <a:accent4>
+        <a:srgbClr val="0F9ED5"/>
+      </a:accent4>
+      <a:accent5>
+        <a:srgbClr val="A02B93"/>
+      </a:accent5>
+      <a:accent6>
+        <a:srgbClr val="4EA72E"/>
+      </a:accent6>
+      <a:hlink>
+        <a:srgbClr val="467886"/>
+      </a:hlink>
+      <a:folHlink>
+        <a:srgbClr val="96607D"/>
+      </a:folHlink>
+    </a:clrScheme>
+    <a:fontScheme name="Office">
+      <a:majorFont>
+        <a:latin typeface="Aptos Display" panose="02110004020202020204"/>
+        <a:ea typeface=""/>
+        <a:cs typeface=""/>
+        <a:font script="Jpan" typeface="游ゴシック Light"/>
+        <a:font script="Hang" typeface="맑은 고딕"/>
+        <a:font script="Hans" typeface="等线 Light"/>
+        <a:font script="Hant" typeface="新細明體"/>
+        <a:font script="Arab" typeface="Times New Roman"/>
+        <a:font script="Hebr" typeface="Times New Roman"/>
+        <a:font script="Thai" typeface="Angsana New"/>
+        <a:font script="Ethi" typeface="Nyala"/>
+        <a:font script="Beng" typeface="Vrinda"/>
+        <a:font script="Gujr" typeface="Shruti"/>
+        <a:font script="Khmr" typeface="MoolBoran"/>
+        <a:font script="Knda" typeface="Tunga"/>
+        <a:font script="Guru" typeface="Raavi"/>
+        <a:font script="Cans" typeface="Euphemia"/>
+        <a:font script="Cher" typeface="Plantagenet Cherokee"/>
+        <a:font script="Yiii" typeface="Microsoft Yi Baiti"/>
+        <a:font script="Tibt" typeface="Microsoft Himalaya"/>
+        <a:font script="Thaa" typeface="MV Boli"/>
+        <a:font script="Deva" typeface="Mangal"/>
+        <a:font script="Telu" typeface="Gautami"/>
+        <a:font script="Taml" typeface="Latha"/>
+        <a:font script="Syrc" typeface="Estrangelo Edessa"/>
+        <a:font script="Orya" typeface="Kalinga"/>
+        <a:font script="Mlym" typeface="Kartika"/>
+        <a:font script="Laoo" typeface="DokChampa"/>
+        <a:font script="Sinh" typeface="Iskoola Pota"/>
+        <a:font script="Mong" typeface="Mongolian Baiti"/>
+        <a:font script="Viet" typeface="Times New Roman"/>
+        <a:font script="Uigh" typeface="Microsoft Uighur"/>
+        <a:font script="Geor" typeface="Sylfaen"/>
+        <a:font script="Armn" typeface="Arial"/>
+        <a:font script="Bugi" typeface="Leelawadee UI"/>
+        <a:font script="Bopo" typeface="Microsoft JhengHei"/>
+        <a:font script="Java" typeface="Javanese Text"/>
+        <a:font script="Lisu" typeface="Segoe UI"/>
+        <a:font script="Mymr" typeface="Myanmar Text"/>
+        <a:font script="Nkoo" typeface="Ebrima"/>
+        <a:font script="Olck" typeface="Nirmala UI"/>
+        <a:font script="Osma" typeface="Ebrima"/>
+        <a:font script="Phag" typeface="Phagspa"/>
+        <a:font script="Syrn" typeface="Estrangelo Edessa"/>
+        <a:font script="Syrj" typeface="Estrangelo Edessa"/>
+        <a:font script="Syre" typeface="Estrangelo Edessa"/>
+        <a:font script="Sora" typeface="Nirmala UI"/>
+        <a:font script="Tale" typeface="Microsoft Tai Le"/>
+        <a:font script="Talu" typeface="Microsoft New Tai Lue"/>
+        <a:font script="Tfng" typeface="Ebrima"/>
+      </a:majorFont>
+      <a:minorFont>
+        <a:latin typeface="Aptos" panose="02110004020202020204"/>
+        <a:ea typeface=""/>
+        <a:cs typeface=""/>
+        <a:font script="Jpan" typeface="游ゴシック"/>
+        <a:font script="Hang" typeface="맑은 고딕"/>
+        <a:font script="Hans" typeface="等线"/>
+        <a:font script="Hant" typeface="新細明體"/>
+        <a:font script="Arab" typeface="Arial"/>
+        <a:font script="Hebr" typeface="Arial"/>
+        <a:font script="Thai" typeface="Cordia New"/>
+        <a:font script="Ethi" typeface="Nyala"/>
+        <a:font script="Beng" typeface="Vrinda"/>
+        <a:font script="Gujr" typeface="Shruti"/>
+        <a:font script="Khmr" typeface="DaunPenh"/>
+        <a:font script="Knda" typeface="Tunga"/>
+        <a:font script="Guru" typeface="Raavi"/>
+        <a:font script="Cans" typeface="Euphemia"/>
+        <a:font script="Cher" typeface="Plantagenet Cherokee"/>
+        <a:font script="Yiii" typeface="Microsoft Yi Baiti"/>
+        <a:font script="Tibt" typeface="Microsoft Himalaya"/>
+        <a:font script="Thaa" typeface="MV Boli"/>
+        <a:font script="Deva" typeface="Mangal"/>
+        <a:font script="Telu" typeface="Gautami"/>
+        <a:font script="Taml" typeface="Latha"/>
+        <a:font script="Syrc" typeface="Estrangelo Edessa"/>
+        <a:font script="Orya" typeface="Kalinga"/>
+        <a:font script="Mlym" typeface="Kartika"/>
+        <a:font script="Laoo" typeface="DokChampa"/>
+        <a:font script="Sinh" typeface="Iskoola Pota"/>
+        <a:font script="Mong" typeface="Mongolian Baiti"/>
+        <a:font script="Viet" typeface="Arial"/>
+        <a:font script="Uigh" typeface="Microsoft Uighur"/>
+        <a:font script="Geor" typeface="Sylfaen"/>
+        <a:font script="Armn" typeface="Arial"/>
+        <a:font script="Bugi" typeface="Leelawadee UI"/>
+        <a:font script="Bopo" typeface="Microsoft JhengHei"/>
+        <a:font script="Java" typeface="Javanese Text"/>
+        <a:font script="Lisu" typeface="Segoe UI"/>
+        <a:font script="Mymr" typeface="Myanmar Text"/>
+        <a:font script="Nkoo" typeface="Ebrima"/>
+        <a:font script="Olck" typeface="Nirmala UI"/>
+        <a:font script="Osma" typeface="Ebrima"/>
+        <a:font script="Phag" typeface="Phagspa"/>
+        <a:font script="Syrn" typeface="Estrangelo Edessa"/>
+        <a:font script="Syrj" typeface="Estrangelo Edessa"/>
+        <a:font script="Syre" typeface="Estrangelo Edessa"/>
+        <a:font script="Sora" typeface="Nirmala UI"/>
+        <a:font script="Tale" typeface="Microsoft Tai Le"/>
+        <a:font script="Talu" typeface="Microsoft New Tai Lue"/>
+        <a:font script="Tfng" typeface="Ebrima"/>
+      </a:minorFont>
+    </a:fontScheme>
+    <a:fmtScheme name="Office">
+      <a:fillStyleLst>
+        <a:solidFill>
+          <a:schemeClr val="phClr"/>
+        </a:solidFill>
+        <a:gradFill rotWithShape="1">
+          <a:gsLst>
+            <a:gs pos="0">
+              <a:schemeClr val="phClr">
+                <a:lumMod val="110000"/>
+                <a:satMod val="105000"/>
+                <a:tint val="67000"/>
+              </a:schemeClr>
+            </a:gs>
+            <a:gs pos="50000">
+              <a:schemeClr val="phClr">
+                <a:lumMod val="105000"/>
+                <a:satMod val="103000"/>
+                <a:tint val="73000"/>
+              </a:schemeClr>
+            </a:gs>
+            <a:gs pos="100000">
+              <a:schemeClr val="phClr">
+                <a:lumMod val="105000"/>
+                <a:satMod val="109000"/>
+                <a:tint val="81000"/>
+              </a:schemeClr>
+            </a:gs>
+          </a:gsLst>
+          <a:lin ang="5400000" scaled="0"/>
+        </a:gradFill>
+        <a:gradFill rotWithShape="1">
+          <a:gsLst>
+            <a:gs pos="0">
+              <a:schemeClr val="phClr">
+                <a:satMod val="103000"/>
+                <a:lumMod val="102000"/>
+                <a:tint val="94000"/>
+              </a:schemeClr>
+            </a:gs>
+            <a:gs pos="50000">
+              <a:schemeClr val="phClr">
+                <a:satMod val="110000"/>
+                <a:lumMod val="100000"/>
+                <a:shade val="100000"/>
+              </a:schemeClr>
+            </a:gs>
+            <a:gs pos="100000">
+              <a:schemeClr val="phClr">
+                <a:lumMod val="99000"/>
+                <a:satMod val="120000"/>
+                <a:shade val="78000"/>
+              </a:schemeClr>
+            </a:gs>
+          </a:gsLst>
+          <a:lin ang="5400000" scaled="0"/>
+        </a:gradFill>
+      </a:fillStyleLst>
+      <a:lnStyleLst>
+        <a:ln w="12700" cap="flat" cmpd="sng" algn="ctr">
+          <a:solidFill>
+            <a:schemeClr val="phClr"/>
+          </a:solidFill>
+          <a:prstDash val="solid"/>
+          <a:miter lim="800000"/>
+        </a:ln>
+        <a:ln w="19050" cap="flat" cmpd="sng" algn="ctr">
+          <a:solidFill>
+            <a:schemeClr val="phClr"/>
+          </a:solidFill>
+          <a:prstDash val="solid"/>
+          <a:miter lim="800000"/>
+        </a:ln>
+        <a:ln w="25400" cap="flat" cmpd="sng" algn="ctr">
+          <a:solidFill>
+            <a:schemeClr val="phClr"/>
+          </a:solidFill>
+          <a:prstDash val="solid"/>
+          <a:miter lim="800000"/>
+        </a:ln>
+      </a:lnStyleLst>
+      <a:effectStyleLst>
+        <a:effectStyle>
+          <a:effectLst/>
+        </a:effectStyle>
+        <a:effectStyle>
+          <a:effectLst/>
+        </a:effectStyle>
+        <a:effectStyle>
+          <a:effectLst>
+            <a:outerShdw blurRad="57150" dist="19050" dir="5400000" algn="ctr" rotWithShape="0">
+              <a:srgbClr val="000000">
+                <a:alpha val="63000"/>
+              </a:srgbClr>
+            </a:outerShdw>
+          </a:effectLst>
+        </a:effectStyle>
+      </a:effectStyleLst>
+      <a:bgFillStyleLst>
+        <a:solidFill>
+          <a:schemeClr val="phClr"/>
+        </a:solidFill>
+        <a:solidFill>
+          <a:schemeClr val="phClr">
+            <a:tint val="95000"/>
+            <a:satMod val="170000"/>
+          </a:schemeClr>
+        </a:solidFill>
+        <a:gradFill rotWithShape="1">
+          <a:gsLst>
+            <a:gs pos="0">
+              <a:schemeClr val="phClr">
+                <a:tint val="93000"/>
+                <a:satMod val="150000"/>
+                <a:shade val="98000"/>
+                <a:lumMod val="102000"/>
+              </a:schemeClr>
+            </a:gs>
+            <a:gs pos="50000">
+              <a:schemeClr val="phClr">
+                <a:tint val="98000"/>
+                <a:satMod val="130000"/>
+                <a:shade val="90000"/>
+                <a:lumMod val="103000"/>
+              </a:schemeClr>
+            </a:gs>
+            <a:gs pos="100000">
+              <a:schemeClr val="phClr">
+                <a:shade val="63000"/>
+                <a:satMod val="120000"/>
+              </a:schemeClr>
+            </a:gs>
+          </a:gsLst>
+          <a:lin ang="5400000" scaled="0"/>
+        </a:gradFill>
+      </a:bgFillStyleLst>
+    </a:fmtScheme>
+  </a:themeElements>
+  <a:objectDefaults>
+    <a:lnDef>
+      <a:spPr/>
+      <a:bodyPr/>
+      <a:lstStyle/>
+      <a:style>
+        <a:lnRef idx="2">
+          <a:schemeClr val="accent1"/>
+        </a:lnRef>
+        <a:fillRef idx="0">
+          <a:schemeClr val="accent1"/>
+        </a:fillRef>
+        <a:effectRef idx="1">
+          <a:schemeClr val="accent1"/>
+        </a:effectRef>
+        <a:fontRef idx="minor">
+          <a:schemeClr val="tx1"/>
+        </a:fontRef>
+      </a:style>
+    </a:lnDef>
+  </a:objectDefaults>
+  <a:extraClrSchemeLst/>
+  <a:extLst>
+    <a:ext uri="{05A4C25C-085E-4340-85A3-A5531E510DB2}">
+      <thm15:themeFamily xmlns:thm15="http://schemas.microsoft.com/office/thememl/2012/main" name="Office Theme" id="{2E142A2C-CD16-42D6-873A-C26D2A0506FA}" vid="{1BDDFF52-6CD6-40A5-AB3C-68EB2F1E4D0A}"/>
+    </a:ext>
+  </a:extLst>
+</a:theme>
 </file>